--- a/proposal.pptx
+++ b/proposal.pptx
@@ -5,12 +5,14 @@
     <p:sldMasterId id="2147483757" r:id="rId1"/>
   </p:sldMasterIdLst>
   <p:notesMasterIdLst>
-    <p:notesMasterId r:id="rId5"/>
+    <p:notesMasterId r:id="rId7"/>
   </p:notesMasterIdLst>
   <p:sldIdLst>
     <p:sldId id="256" r:id="rId2"/>
     <p:sldId id="257" r:id="rId3"/>
     <p:sldId id="258" r:id="rId4"/>
+    <p:sldId id="259" r:id="rId5"/>
+    <p:sldId id="260" r:id="rId6"/>
   </p:sldIdLst>
   <p:sldSz cx="12192000" cy="6858000"/>
   <p:notesSz cx="6858000" cy="9144000"/>
@@ -109,7 +111,6147 @@
       </a:defRPr>
     </a:lvl9pPr>
   </p:defaultTextStyle>
+  <p:extLst>
+    <p:ext uri="{EFAFB233-063F-42B5-8137-9DF3F51BA10A}">
+      <p15:sldGuideLst xmlns:p15="http://schemas.microsoft.com/office/powerpoint/2012/main"/>
+    </p:ext>
+  </p:extLst>
 </p:presentation>
+</file>
+
+<file path=ppt/diagrams/colors1.xml><?xml version="1.0" encoding="utf-8"?>
+<dgm:colorsDef xmlns:dgm="http://schemas.openxmlformats.org/drawingml/2006/diagram" xmlns:a="http://schemas.openxmlformats.org/drawingml/2006/main" uniqueId="urn:microsoft.com/office/officeart/2018/5/colors/Iconchunking_neutralicontext_accent0_3">
+  <dgm:title val=""/>
+  <dgm:desc val=""/>
+  <dgm:catLst>
+    <dgm:cat type="mainScheme" pri="10300"/>
+  </dgm:catLst>
+  <dgm:styleLbl name="node0">
+    <dgm:fillClrLst meth="repeat">
+      <a:schemeClr val="dk2"/>
+    </dgm:fillClrLst>
+    <dgm:linClrLst meth="repeat">
+      <a:schemeClr val="lt2"/>
+    </dgm:linClrLst>
+    <dgm:effectClrLst/>
+    <dgm:txLinClrLst/>
+    <dgm:txFillClrLst/>
+    <dgm:txEffectClrLst/>
+  </dgm:styleLbl>
+  <dgm:styleLbl name="alignNode1">
+    <dgm:fillClrLst meth="repeat">
+      <a:schemeClr val="dk2"/>
+    </dgm:fillClrLst>
+    <dgm:linClrLst meth="repeat">
+      <a:schemeClr val="dk2"/>
+    </dgm:linClrLst>
+    <dgm:effectClrLst/>
+    <dgm:txLinClrLst/>
+    <dgm:txFillClrLst/>
+    <dgm:txEffectClrLst/>
+  </dgm:styleLbl>
+  <dgm:styleLbl name="node1">
+    <dgm:fillClrLst meth="repeat">
+      <a:schemeClr val="bg1"/>
+    </dgm:fillClrLst>
+    <dgm:linClrLst meth="repeat">
+      <a:schemeClr val="lt2">
+        <a:alpha val="0"/>
+      </a:schemeClr>
+    </dgm:linClrLst>
+    <dgm:effectClrLst/>
+    <dgm:txLinClrLst/>
+    <dgm:txFillClrLst meth="repeat">
+      <a:schemeClr val="dk1"/>
+    </dgm:txFillClrLst>
+    <dgm:txEffectClrLst/>
+  </dgm:styleLbl>
+  <dgm:styleLbl name="lnNode1">
+    <dgm:fillClrLst meth="repeat">
+      <a:schemeClr val="dk2"/>
+    </dgm:fillClrLst>
+    <dgm:linClrLst meth="repeat">
+      <a:schemeClr val="lt2"/>
+    </dgm:linClrLst>
+    <dgm:effectClrLst/>
+    <dgm:txLinClrLst/>
+    <dgm:txFillClrLst/>
+    <dgm:txEffectClrLst/>
+  </dgm:styleLbl>
+  <dgm:styleLbl name="vennNode1">
+    <dgm:fillClrLst meth="repeat">
+      <a:schemeClr val="dk2">
+        <a:alpha val="50000"/>
+      </a:schemeClr>
+    </dgm:fillClrLst>
+    <dgm:linClrLst meth="repeat">
+      <a:schemeClr val="lt2"/>
+    </dgm:linClrLst>
+    <dgm:effectClrLst/>
+    <dgm:txLinClrLst/>
+    <dgm:txFillClrLst/>
+    <dgm:txEffectClrLst/>
+  </dgm:styleLbl>
+  <dgm:styleLbl name="node2">
+    <dgm:fillClrLst meth="repeat">
+      <a:schemeClr val="dk2"/>
+    </dgm:fillClrLst>
+    <dgm:linClrLst meth="repeat">
+      <a:schemeClr val="lt2"/>
+    </dgm:linClrLst>
+    <dgm:effectClrLst/>
+    <dgm:txLinClrLst/>
+    <dgm:txFillClrLst/>
+    <dgm:txEffectClrLst/>
+  </dgm:styleLbl>
+  <dgm:styleLbl name="node3">
+    <dgm:fillClrLst meth="repeat">
+      <a:schemeClr val="dk2"/>
+    </dgm:fillClrLst>
+    <dgm:linClrLst meth="repeat">
+      <a:schemeClr val="lt2"/>
+    </dgm:linClrLst>
+    <dgm:effectClrLst/>
+    <dgm:txLinClrLst/>
+    <dgm:txFillClrLst/>
+    <dgm:txEffectClrLst/>
+  </dgm:styleLbl>
+  <dgm:styleLbl name="node4">
+    <dgm:fillClrLst meth="repeat">
+      <a:schemeClr val="dk2"/>
+    </dgm:fillClrLst>
+    <dgm:linClrLst meth="repeat">
+      <a:schemeClr val="lt2"/>
+    </dgm:linClrLst>
+    <dgm:effectClrLst/>
+    <dgm:txLinClrLst/>
+    <dgm:txFillClrLst/>
+    <dgm:txEffectClrLst/>
+  </dgm:styleLbl>
+  <dgm:styleLbl name="fgImgPlace1">
+    <dgm:fillClrLst meth="repeat">
+      <a:schemeClr val="dk2">
+        <a:tint val="50000"/>
+      </a:schemeClr>
+    </dgm:fillClrLst>
+    <dgm:linClrLst meth="repeat">
+      <a:schemeClr val="lt2"/>
+    </dgm:linClrLst>
+    <dgm:effectClrLst/>
+    <dgm:txLinClrLst/>
+    <dgm:txFillClrLst meth="repeat">
+      <a:schemeClr val="lt2"/>
+    </dgm:txFillClrLst>
+    <dgm:txEffectClrLst/>
+  </dgm:styleLbl>
+  <dgm:styleLbl name="alignImgPlace1">
+    <dgm:fillClrLst meth="repeat">
+      <a:schemeClr val="dk2">
+        <a:tint val="50000"/>
+      </a:schemeClr>
+    </dgm:fillClrLst>
+    <dgm:linClrLst meth="repeat">
+      <a:schemeClr val="dk2">
+        <a:shade val="80000"/>
+      </a:schemeClr>
+    </dgm:linClrLst>
+    <dgm:effectClrLst/>
+    <dgm:txLinClrLst/>
+    <dgm:txFillClrLst meth="repeat">
+      <a:schemeClr val="lt2"/>
+    </dgm:txFillClrLst>
+    <dgm:txEffectClrLst/>
+  </dgm:styleLbl>
+  <dgm:styleLbl name="bgImgPlace1">
+    <dgm:fillClrLst meth="repeat">
+      <a:schemeClr val="dk2">
+        <a:tint val="50000"/>
+      </a:schemeClr>
+    </dgm:fillClrLst>
+    <dgm:linClrLst meth="repeat">
+      <a:schemeClr val="dk2">
+        <a:shade val="80000"/>
+      </a:schemeClr>
+    </dgm:linClrLst>
+    <dgm:effectClrLst/>
+    <dgm:txLinClrLst/>
+    <dgm:txFillClrLst meth="repeat">
+      <a:schemeClr val="lt2"/>
+    </dgm:txFillClrLst>
+    <dgm:txEffectClrLst/>
+  </dgm:styleLbl>
+  <dgm:styleLbl name="sibTrans2D1">
+    <dgm:fillClrLst meth="repeat">
+      <a:schemeClr val="dk2">
+        <a:tint val="60000"/>
+      </a:schemeClr>
+    </dgm:fillClrLst>
+    <dgm:linClrLst meth="repeat">
+      <a:schemeClr val="dk2">
+        <a:tint val="60000"/>
+      </a:schemeClr>
+    </dgm:linClrLst>
+    <dgm:effectClrLst/>
+    <dgm:txLinClrLst/>
+    <dgm:txFillClrLst/>
+    <dgm:txEffectClrLst/>
+  </dgm:styleLbl>
+  <dgm:styleLbl name="fgSibTrans2D1">
+    <dgm:fillClrLst meth="repeat">
+      <a:schemeClr val="dk2">
+        <a:tint val="60000"/>
+      </a:schemeClr>
+    </dgm:fillClrLst>
+    <dgm:linClrLst meth="repeat">
+      <a:schemeClr val="dk2">
+        <a:tint val="60000"/>
+      </a:schemeClr>
+    </dgm:linClrLst>
+    <dgm:effectClrLst/>
+    <dgm:txLinClrLst/>
+    <dgm:txFillClrLst/>
+    <dgm:txEffectClrLst/>
+  </dgm:styleLbl>
+  <dgm:styleLbl name="bgSibTrans2D1">
+    <dgm:fillClrLst meth="repeat">
+      <a:schemeClr val="dk2">
+        <a:tint val="60000"/>
+      </a:schemeClr>
+    </dgm:fillClrLst>
+    <dgm:linClrLst meth="repeat">
+      <a:schemeClr val="dk2">
+        <a:tint val="60000"/>
+      </a:schemeClr>
+    </dgm:linClrLst>
+    <dgm:effectClrLst/>
+    <dgm:txLinClrLst/>
+    <dgm:txFillClrLst/>
+    <dgm:txEffectClrLst/>
+  </dgm:styleLbl>
+  <dgm:styleLbl name="sibTrans1D1">
+    <dgm:fillClrLst meth="repeat">
+      <a:schemeClr val="dk2"/>
+    </dgm:fillClrLst>
+    <dgm:linClrLst meth="repeat">
+      <a:schemeClr val="dk2"/>
+    </dgm:linClrLst>
+    <dgm:effectClrLst/>
+    <dgm:txLinClrLst/>
+    <dgm:txFillClrLst meth="repeat">
+      <a:schemeClr val="lt2"/>
+    </dgm:txFillClrLst>
+    <dgm:txEffectClrLst/>
+  </dgm:styleLbl>
+  <dgm:styleLbl name="callout">
+    <dgm:fillClrLst meth="repeat">
+      <a:schemeClr val="dk2"/>
+    </dgm:fillClrLst>
+    <dgm:linClrLst meth="repeat">
+      <a:schemeClr val="dk2">
+        <a:tint val="50000"/>
+      </a:schemeClr>
+    </dgm:linClrLst>
+    <dgm:effectClrLst/>
+    <dgm:txLinClrLst/>
+    <dgm:txFillClrLst meth="repeat">
+      <a:schemeClr val="lt2"/>
+    </dgm:txFillClrLst>
+    <dgm:txEffectClrLst/>
+  </dgm:styleLbl>
+  <dgm:styleLbl name="asst0">
+    <dgm:fillClrLst meth="repeat">
+      <a:schemeClr val="dk2"/>
+    </dgm:fillClrLst>
+    <dgm:linClrLst meth="repeat">
+      <a:schemeClr val="lt2"/>
+    </dgm:linClrLst>
+    <dgm:effectClrLst/>
+    <dgm:txLinClrLst/>
+    <dgm:txFillClrLst/>
+    <dgm:txEffectClrLst/>
+  </dgm:styleLbl>
+  <dgm:styleLbl name="asst1">
+    <dgm:fillClrLst meth="repeat">
+      <a:schemeClr val="dk2"/>
+    </dgm:fillClrLst>
+    <dgm:linClrLst meth="repeat">
+      <a:schemeClr val="lt2"/>
+    </dgm:linClrLst>
+    <dgm:effectClrLst/>
+    <dgm:txLinClrLst/>
+    <dgm:txFillClrLst/>
+    <dgm:txEffectClrLst/>
+  </dgm:styleLbl>
+  <dgm:styleLbl name="asst2">
+    <dgm:fillClrLst meth="repeat">
+      <a:schemeClr val="dk2"/>
+    </dgm:fillClrLst>
+    <dgm:linClrLst meth="repeat">
+      <a:schemeClr val="lt2"/>
+    </dgm:linClrLst>
+    <dgm:effectClrLst/>
+    <dgm:txLinClrLst/>
+    <dgm:txFillClrLst/>
+    <dgm:txEffectClrLst/>
+  </dgm:styleLbl>
+  <dgm:styleLbl name="asst3">
+    <dgm:fillClrLst meth="repeat">
+      <a:schemeClr val="dk2"/>
+    </dgm:fillClrLst>
+    <dgm:linClrLst meth="repeat">
+      <a:schemeClr val="lt2"/>
+    </dgm:linClrLst>
+    <dgm:effectClrLst/>
+    <dgm:txLinClrLst/>
+    <dgm:txFillClrLst/>
+    <dgm:txEffectClrLst/>
+  </dgm:styleLbl>
+  <dgm:styleLbl name="asst4">
+    <dgm:fillClrLst meth="repeat">
+      <a:schemeClr val="dk2"/>
+    </dgm:fillClrLst>
+    <dgm:linClrLst meth="repeat">
+      <a:schemeClr val="lt2"/>
+    </dgm:linClrLst>
+    <dgm:effectClrLst/>
+    <dgm:txLinClrLst/>
+    <dgm:txFillClrLst/>
+    <dgm:txEffectClrLst/>
+  </dgm:styleLbl>
+  <dgm:styleLbl name="parChTrans2D1">
+    <dgm:fillClrLst meth="repeat">
+      <a:schemeClr val="dk2">
+        <a:tint val="60000"/>
+      </a:schemeClr>
+    </dgm:fillClrLst>
+    <dgm:linClrLst meth="repeat">
+      <a:schemeClr val="dk2">
+        <a:tint val="60000"/>
+      </a:schemeClr>
+    </dgm:linClrLst>
+    <dgm:effectClrLst/>
+    <dgm:txLinClrLst/>
+    <dgm:txFillClrLst meth="repeat">
+      <a:schemeClr val="lt2"/>
+    </dgm:txFillClrLst>
+    <dgm:txEffectClrLst/>
+  </dgm:styleLbl>
+  <dgm:styleLbl name="parChTrans2D2">
+    <dgm:fillClrLst meth="repeat">
+      <a:schemeClr val="dk2"/>
+    </dgm:fillClrLst>
+    <dgm:linClrLst meth="repeat">
+      <a:schemeClr val="dk2"/>
+    </dgm:linClrLst>
+    <dgm:effectClrLst/>
+    <dgm:txLinClrLst/>
+    <dgm:txFillClrLst meth="repeat">
+      <a:schemeClr val="lt2"/>
+    </dgm:txFillClrLst>
+    <dgm:txEffectClrLst/>
+  </dgm:styleLbl>
+  <dgm:styleLbl name="parChTrans2D3">
+    <dgm:fillClrLst meth="repeat">
+      <a:schemeClr val="dk2"/>
+    </dgm:fillClrLst>
+    <dgm:linClrLst meth="repeat">
+      <a:schemeClr val="dk2"/>
+    </dgm:linClrLst>
+    <dgm:effectClrLst/>
+    <dgm:txLinClrLst/>
+    <dgm:txFillClrLst meth="repeat">
+      <a:schemeClr val="lt2"/>
+    </dgm:txFillClrLst>
+    <dgm:txEffectClrLst/>
+  </dgm:styleLbl>
+  <dgm:styleLbl name="parChTrans2D4">
+    <dgm:fillClrLst meth="repeat">
+      <a:schemeClr val="dk2"/>
+    </dgm:fillClrLst>
+    <dgm:linClrLst meth="repeat">
+      <a:schemeClr val="dk2"/>
+    </dgm:linClrLst>
+    <dgm:effectClrLst/>
+    <dgm:txLinClrLst/>
+    <dgm:txFillClrLst meth="repeat">
+      <a:schemeClr val="lt2"/>
+    </dgm:txFillClrLst>
+    <dgm:txEffectClrLst/>
+  </dgm:styleLbl>
+  <dgm:styleLbl name="parChTrans1D1">
+    <dgm:fillClrLst meth="repeat">
+      <a:schemeClr val="dk2"/>
+    </dgm:fillClrLst>
+    <dgm:linClrLst meth="repeat">
+      <a:schemeClr val="dk2">
+        <a:shade val="60000"/>
+      </a:schemeClr>
+    </dgm:linClrLst>
+    <dgm:effectClrLst/>
+    <dgm:txLinClrLst/>
+    <dgm:txFillClrLst meth="repeat">
+      <a:schemeClr val="tx1"/>
+    </dgm:txFillClrLst>
+    <dgm:txEffectClrLst/>
+  </dgm:styleLbl>
+  <dgm:styleLbl name="parChTrans1D2">
+    <dgm:fillClrLst meth="repeat">
+      <a:schemeClr val="dk2"/>
+    </dgm:fillClrLst>
+    <dgm:linClrLst meth="repeat">
+      <a:schemeClr val="dk2">
+        <a:shade val="60000"/>
+      </a:schemeClr>
+    </dgm:linClrLst>
+    <dgm:effectClrLst/>
+    <dgm:txLinClrLst/>
+    <dgm:txFillClrLst meth="repeat">
+      <a:schemeClr val="tx1"/>
+    </dgm:txFillClrLst>
+    <dgm:txEffectClrLst/>
+  </dgm:styleLbl>
+  <dgm:styleLbl name="parChTrans1D3">
+    <dgm:fillClrLst meth="repeat">
+      <a:schemeClr val="dk2"/>
+    </dgm:fillClrLst>
+    <dgm:linClrLst meth="repeat">
+      <a:schemeClr val="dk2">
+        <a:shade val="80000"/>
+      </a:schemeClr>
+    </dgm:linClrLst>
+    <dgm:effectClrLst/>
+    <dgm:txLinClrLst/>
+    <dgm:txFillClrLst meth="repeat">
+      <a:schemeClr val="tx1"/>
+    </dgm:txFillClrLst>
+    <dgm:txEffectClrLst/>
+  </dgm:styleLbl>
+  <dgm:styleLbl name="parChTrans1D4">
+    <dgm:fillClrLst meth="repeat">
+      <a:schemeClr val="dk2"/>
+    </dgm:fillClrLst>
+    <dgm:linClrLst meth="repeat">
+      <a:schemeClr val="dk2">
+        <a:shade val="80000"/>
+      </a:schemeClr>
+    </dgm:linClrLst>
+    <dgm:effectClrLst/>
+    <dgm:txLinClrLst/>
+    <dgm:txFillClrLst meth="repeat">
+      <a:schemeClr val="tx1"/>
+    </dgm:txFillClrLst>
+    <dgm:txEffectClrLst/>
+  </dgm:styleLbl>
+  <dgm:styleLbl name="fgAcc1">
+    <dgm:fillClrLst meth="repeat">
+      <a:schemeClr val="lt2">
+        <a:alpha val="90000"/>
+      </a:schemeClr>
+    </dgm:fillClrLst>
+    <dgm:linClrLst meth="repeat">
+      <a:schemeClr val="dk2"/>
+    </dgm:linClrLst>
+    <dgm:effectClrLst/>
+    <dgm:txLinClrLst/>
+    <dgm:txFillClrLst meth="repeat">
+      <a:schemeClr val="dk1"/>
+    </dgm:txFillClrLst>
+    <dgm:txEffectClrLst/>
+  </dgm:styleLbl>
+  <dgm:styleLbl name="conFgAcc1">
+    <dgm:fillClrLst meth="repeat">
+      <a:schemeClr val="lt2">
+        <a:alpha val="90000"/>
+      </a:schemeClr>
+    </dgm:fillClrLst>
+    <dgm:linClrLst meth="repeat">
+      <a:schemeClr val="dk2"/>
+    </dgm:linClrLst>
+    <dgm:effectClrLst/>
+    <dgm:txLinClrLst/>
+    <dgm:txFillClrLst meth="repeat">
+      <a:schemeClr val="dk1"/>
+    </dgm:txFillClrLst>
+    <dgm:txEffectClrLst/>
+  </dgm:styleLbl>
+  <dgm:styleLbl name="alignAcc1">
+    <dgm:fillClrLst meth="repeat">
+      <a:schemeClr val="lt2">
+        <a:alpha val="90000"/>
+      </a:schemeClr>
+    </dgm:fillClrLst>
+    <dgm:linClrLst meth="repeat">
+      <a:schemeClr val="dk2"/>
+    </dgm:linClrLst>
+    <dgm:effectClrLst/>
+    <dgm:txLinClrLst/>
+    <dgm:txFillClrLst meth="repeat">
+      <a:schemeClr val="dk1"/>
+    </dgm:txFillClrLst>
+    <dgm:txEffectClrLst/>
+  </dgm:styleLbl>
+  <dgm:styleLbl name="trAlignAcc1">
+    <dgm:fillClrLst meth="repeat">
+      <a:schemeClr val="lt2">
+        <a:alpha val="40000"/>
+      </a:schemeClr>
+    </dgm:fillClrLst>
+    <dgm:linClrLst meth="repeat">
+      <a:schemeClr val="dk2"/>
+    </dgm:linClrLst>
+    <dgm:effectClrLst/>
+    <dgm:txLinClrLst/>
+    <dgm:txFillClrLst meth="repeat">
+      <a:schemeClr val="dk1"/>
+    </dgm:txFillClrLst>
+    <dgm:txEffectClrLst/>
+  </dgm:styleLbl>
+  <dgm:styleLbl name="bgAcc1">
+    <dgm:fillClrLst meth="repeat">
+      <a:schemeClr val="lt2">
+        <a:alpha val="90000"/>
+      </a:schemeClr>
+    </dgm:fillClrLst>
+    <dgm:linClrLst meth="repeat">
+      <a:schemeClr val="dk2"/>
+    </dgm:linClrLst>
+    <dgm:effectClrLst/>
+    <dgm:txLinClrLst/>
+    <dgm:txFillClrLst meth="repeat">
+      <a:schemeClr val="dk1"/>
+    </dgm:txFillClrLst>
+    <dgm:txEffectClrLst/>
+  </dgm:styleLbl>
+  <dgm:styleLbl name="solidFgAcc1">
+    <dgm:fillClrLst meth="repeat">
+      <a:schemeClr val="lt2"/>
+    </dgm:fillClrLst>
+    <dgm:linClrLst meth="repeat">
+      <a:schemeClr val="dk2"/>
+    </dgm:linClrLst>
+    <dgm:effectClrLst/>
+    <dgm:txLinClrLst/>
+    <dgm:txFillClrLst meth="repeat">
+      <a:schemeClr val="dk1"/>
+    </dgm:txFillClrLst>
+    <dgm:txEffectClrLst/>
+  </dgm:styleLbl>
+  <dgm:styleLbl name="solidAlignAcc1">
+    <dgm:fillClrLst meth="repeat">
+      <a:schemeClr val="lt2"/>
+    </dgm:fillClrLst>
+    <dgm:linClrLst meth="repeat">
+      <a:schemeClr val="dk2"/>
+    </dgm:linClrLst>
+    <dgm:effectClrLst/>
+    <dgm:txLinClrLst/>
+    <dgm:txFillClrLst meth="repeat">
+      <a:schemeClr val="dk1"/>
+    </dgm:txFillClrLst>
+    <dgm:txEffectClrLst/>
+  </dgm:styleLbl>
+  <dgm:styleLbl name="solidBgAcc1">
+    <dgm:fillClrLst meth="repeat">
+      <a:schemeClr val="lt2"/>
+    </dgm:fillClrLst>
+    <dgm:linClrLst meth="repeat">
+      <a:schemeClr val="dk2"/>
+    </dgm:linClrLst>
+    <dgm:effectClrLst/>
+    <dgm:txLinClrLst/>
+    <dgm:txFillClrLst meth="repeat">
+      <a:schemeClr val="dk1"/>
+    </dgm:txFillClrLst>
+    <dgm:txEffectClrLst/>
+  </dgm:styleLbl>
+  <dgm:styleLbl name="fgAccFollowNode1">
+    <dgm:fillClrLst meth="repeat">
+      <a:schemeClr val="dk2">
+        <a:alpha val="90000"/>
+        <a:tint val="40000"/>
+      </a:schemeClr>
+    </dgm:fillClrLst>
+    <dgm:linClrLst meth="repeat">
+      <a:schemeClr val="dk2">
+        <a:alpha val="90000"/>
+        <a:tint val="40000"/>
+      </a:schemeClr>
+    </dgm:linClrLst>
+    <dgm:effectClrLst/>
+    <dgm:txLinClrLst/>
+    <dgm:txFillClrLst meth="repeat">
+      <a:schemeClr val="dk1"/>
+    </dgm:txFillClrLst>
+    <dgm:txEffectClrLst/>
+  </dgm:styleLbl>
+  <dgm:styleLbl name="alignAccFollowNode1">
+    <dgm:fillClrLst meth="repeat">
+      <a:schemeClr val="dk2">
+        <a:alpha val="90000"/>
+        <a:tint val="40000"/>
+      </a:schemeClr>
+    </dgm:fillClrLst>
+    <dgm:linClrLst meth="repeat">
+      <a:schemeClr val="dk2">
+        <a:alpha val="90000"/>
+        <a:tint val="40000"/>
+      </a:schemeClr>
+    </dgm:linClrLst>
+    <dgm:effectClrLst/>
+    <dgm:txLinClrLst/>
+    <dgm:txFillClrLst meth="repeat">
+      <a:schemeClr val="dk1"/>
+    </dgm:txFillClrLst>
+    <dgm:txEffectClrLst/>
+  </dgm:styleLbl>
+  <dgm:styleLbl name="bgAccFollowNode1">
+    <dgm:fillClrLst meth="repeat">
+      <a:schemeClr val="dk2">
+        <a:alpha val="90000"/>
+        <a:tint val="40000"/>
+      </a:schemeClr>
+    </dgm:fillClrLst>
+    <dgm:linClrLst meth="repeat">
+      <a:schemeClr val="dk2">
+        <a:alpha val="90000"/>
+        <a:tint val="40000"/>
+      </a:schemeClr>
+    </dgm:linClrLst>
+    <dgm:effectClrLst/>
+    <dgm:txLinClrLst/>
+    <dgm:txFillClrLst meth="repeat">
+      <a:schemeClr val="dk1"/>
+    </dgm:txFillClrLst>
+    <dgm:txEffectClrLst/>
+  </dgm:styleLbl>
+  <dgm:styleLbl name="fgAcc0">
+    <dgm:fillClrLst meth="repeat">
+      <a:schemeClr val="lt2">
+        <a:alpha val="90000"/>
+      </a:schemeClr>
+    </dgm:fillClrLst>
+    <dgm:linClrLst meth="repeat">
+      <a:schemeClr val="dk2"/>
+    </dgm:linClrLst>
+    <dgm:effectClrLst/>
+    <dgm:txLinClrLst/>
+    <dgm:txFillClrLst meth="repeat">
+      <a:schemeClr val="dk1"/>
+    </dgm:txFillClrLst>
+    <dgm:txEffectClrLst/>
+  </dgm:styleLbl>
+  <dgm:styleLbl name="fgAcc2">
+    <dgm:fillClrLst meth="repeat">
+      <a:schemeClr val="lt2">
+        <a:alpha val="90000"/>
+      </a:schemeClr>
+    </dgm:fillClrLst>
+    <dgm:linClrLst meth="repeat">
+      <a:schemeClr val="dk2"/>
+    </dgm:linClrLst>
+    <dgm:effectClrLst/>
+    <dgm:txLinClrLst/>
+    <dgm:txFillClrLst meth="repeat">
+      <a:schemeClr val="dk1"/>
+    </dgm:txFillClrLst>
+    <dgm:txEffectClrLst/>
+  </dgm:styleLbl>
+  <dgm:styleLbl name="fgAcc3">
+    <dgm:fillClrLst meth="repeat">
+      <a:schemeClr val="lt2">
+        <a:alpha val="90000"/>
+      </a:schemeClr>
+    </dgm:fillClrLst>
+    <dgm:linClrLst meth="repeat">
+      <a:schemeClr val="dk2"/>
+    </dgm:linClrLst>
+    <dgm:effectClrLst/>
+    <dgm:txLinClrLst/>
+    <dgm:txFillClrLst meth="repeat">
+      <a:schemeClr val="dk1"/>
+    </dgm:txFillClrLst>
+    <dgm:txEffectClrLst/>
+  </dgm:styleLbl>
+  <dgm:styleLbl name="fgAcc4">
+    <dgm:fillClrLst meth="repeat">
+      <a:schemeClr val="lt2">
+        <a:alpha val="90000"/>
+      </a:schemeClr>
+    </dgm:fillClrLst>
+    <dgm:linClrLst meth="repeat">
+      <a:schemeClr val="dk2"/>
+    </dgm:linClrLst>
+    <dgm:effectClrLst/>
+    <dgm:txLinClrLst/>
+    <dgm:txFillClrLst meth="repeat">
+      <a:schemeClr val="dk1"/>
+    </dgm:txFillClrLst>
+    <dgm:txEffectClrLst/>
+  </dgm:styleLbl>
+  <dgm:styleLbl name="bgShp">
+    <dgm:fillClrLst meth="repeat">
+      <a:schemeClr val="dk2"/>
+    </dgm:fillClrLst>
+    <dgm:linClrLst meth="repeat">
+      <a:schemeClr val="lt2">
+        <a:alpha val="0"/>
+      </a:schemeClr>
+    </dgm:linClrLst>
+    <dgm:effectClrLst/>
+    <dgm:txLinClrLst/>
+    <dgm:txFillClrLst/>
+    <dgm:txEffectClrLst/>
+  </dgm:styleLbl>
+  <dgm:styleLbl name="dkBgShp">
+    <dgm:fillClrLst meth="repeat">
+      <a:schemeClr val="dk2">
+        <a:shade val="80000"/>
+      </a:schemeClr>
+    </dgm:fillClrLst>
+    <dgm:linClrLst meth="repeat">
+      <a:schemeClr val="dk2"/>
+    </dgm:linClrLst>
+    <dgm:effectClrLst/>
+    <dgm:txLinClrLst/>
+    <dgm:txFillClrLst meth="repeat">
+      <a:schemeClr val="lt1"/>
+    </dgm:txFillClrLst>
+    <dgm:txEffectClrLst/>
+  </dgm:styleLbl>
+  <dgm:styleLbl name="trBgShp">
+    <dgm:fillClrLst meth="repeat">
+      <a:schemeClr val="dk2">
+        <a:tint val="50000"/>
+        <a:alpha val="40000"/>
+      </a:schemeClr>
+    </dgm:fillClrLst>
+    <dgm:linClrLst meth="repeat">
+      <a:schemeClr val="dk2"/>
+    </dgm:linClrLst>
+    <dgm:effectClrLst/>
+    <dgm:txLinClrLst/>
+    <dgm:txFillClrLst meth="repeat">
+      <a:schemeClr val="lt1"/>
+    </dgm:txFillClrLst>
+    <dgm:txEffectClrLst/>
+  </dgm:styleLbl>
+  <dgm:styleLbl name="fgShp">
+    <dgm:fillClrLst meth="repeat">
+      <a:schemeClr val="dk2">
+        <a:tint val="60000"/>
+      </a:schemeClr>
+    </dgm:fillClrLst>
+    <dgm:linClrLst meth="repeat">
+      <a:schemeClr val="lt2"/>
+    </dgm:linClrLst>
+    <dgm:effectClrLst/>
+    <dgm:txLinClrLst/>
+    <dgm:txFillClrLst meth="repeat">
+      <a:schemeClr val="dk1"/>
+    </dgm:txFillClrLst>
+    <dgm:txEffectClrLst/>
+  </dgm:styleLbl>
+  <dgm:styleLbl name="revTx">
+    <dgm:fillClrLst meth="repeat">
+      <a:schemeClr val="lt2">
+        <a:alpha val="0"/>
+      </a:schemeClr>
+    </dgm:fillClrLst>
+    <dgm:linClrLst meth="repeat">
+      <a:schemeClr val="dk1">
+        <a:alpha val="0"/>
+      </a:schemeClr>
+    </dgm:linClrLst>
+    <dgm:effectClrLst/>
+    <dgm:txLinClrLst/>
+    <dgm:txFillClrLst meth="repeat">
+      <a:schemeClr val="bg1"/>
+    </dgm:txFillClrLst>
+    <dgm:txEffectClrLst/>
+  </dgm:styleLbl>
+</dgm:colorsDef>
+</file>
+
+<file path=ppt/diagrams/colors2.xml><?xml version="1.0" encoding="utf-8"?>
+<dgm:colorsDef xmlns:dgm="http://schemas.openxmlformats.org/drawingml/2006/diagram" xmlns:a="http://schemas.openxmlformats.org/drawingml/2006/main" uniqueId="urn:microsoft.com/office/officeart/2018/5/colors/Iconchunking_neutralicon_colorful1">
+  <dgm:title val=""/>
+  <dgm:desc val=""/>
+  <dgm:catLst>
+    <dgm:cat type="colorful" pri="10100"/>
+  </dgm:catLst>
+  <dgm:styleLbl name="node0">
+    <dgm:fillClrLst meth="repeat">
+      <a:schemeClr val="accent1"/>
+    </dgm:fillClrLst>
+    <dgm:linClrLst meth="repeat">
+      <a:schemeClr val="lt1"/>
+    </dgm:linClrLst>
+    <dgm:effectClrLst/>
+    <dgm:txLinClrLst/>
+    <dgm:txFillClrLst/>
+    <dgm:txEffectClrLst/>
+  </dgm:styleLbl>
+  <dgm:styleLbl name="node1">
+    <dgm:fillClrLst meth="repeat">
+      <a:schemeClr val="bg1"/>
+    </dgm:fillClrLst>
+    <dgm:linClrLst meth="repeat">
+      <a:schemeClr val="lt1">
+        <a:alpha val="0"/>
+      </a:schemeClr>
+    </dgm:linClrLst>
+    <dgm:effectClrLst/>
+    <dgm:txLinClrLst/>
+    <dgm:txFillClrLst meth="repeat">
+      <a:schemeClr val="dk1"/>
+    </dgm:txFillClrLst>
+    <dgm:txEffectClrLst/>
+  </dgm:styleLbl>
+  <dgm:styleLbl name="alignNode1">
+    <dgm:fillClrLst meth="repeat">
+      <a:schemeClr val="accent2"/>
+      <a:schemeClr val="accent3"/>
+      <a:schemeClr val="accent4"/>
+      <a:schemeClr val="accent5"/>
+      <a:schemeClr val="accent6"/>
+    </dgm:fillClrLst>
+    <dgm:linClrLst meth="repeat">
+      <a:schemeClr val="accent2"/>
+      <a:schemeClr val="accent3"/>
+      <a:schemeClr val="accent4"/>
+      <a:schemeClr val="accent5"/>
+      <a:schemeClr val="accent6"/>
+    </dgm:linClrLst>
+    <dgm:effectClrLst/>
+    <dgm:txLinClrLst/>
+    <dgm:txFillClrLst/>
+    <dgm:txEffectClrLst/>
+  </dgm:styleLbl>
+  <dgm:styleLbl name="lnNode1">
+    <dgm:fillClrLst meth="repeat">
+      <a:schemeClr val="accent2"/>
+      <a:schemeClr val="accent3"/>
+      <a:schemeClr val="accent4"/>
+      <a:schemeClr val="accent5"/>
+      <a:schemeClr val="accent6"/>
+    </dgm:fillClrLst>
+    <dgm:linClrLst meth="repeat">
+      <a:schemeClr val="lt1"/>
+    </dgm:linClrLst>
+    <dgm:effectClrLst/>
+    <dgm:txLinClrLst/>
+    <dgm:txFillClrLst/>
+    <dgm:txEffectClrLst/>
+  </dgm:styleLbl>
+  <dgm:styleLbl name="vennNode1">
+    <dgm:fillClrLst meth="repeat">
+      <a:schemeClr val="accent2">
+        <a:alpha val="50000"/>
+      </a:schemeClr>
+      <a:schemeClr val="accent3">
+        <a:alpha val="50000"/>
+      </a:schemeClr>
+      <a:schemeClr val="accent4">
+        <a:alpha val="50000"/>
+      </a:schemeClr>
+      <a:schemeClr val="accent5">
+        <a:alpha val="50000"/>
+      </a:schemeClr>
+      <a:schemeClr val="accent6">
+        <a:alpha val="50000"/>
+      </a:schemeClr>
+    </dgm:fillClrLst>
+    <dgm:linClrLst meth="repeat">
+      <a:schemeClr val="lt1"/>
+    </dgm:linClrLst>
+    <dgm:effectClrLst/>
+    <dgm:txLinClrLst/>
+    <dgm:txFillClrLst/>
+    <dgm:txEffectClrLst/>
+  </dgm:styleLbl>
+  <dgm:styleLbl name="node2">
+    <dgm:fillClrLst>
+      <a:schemeClr val="accent2"/>
+    </dgm:fillClrLst>
+    <dgm:linClrLst meth="repeat">
+      <a:schemeClr val="lt1"/>
+    </dgm:linClrLst>
+    <dgm:effectClrLst/>
+    <dgm:txLinClrLst/>
+    <dgm:txFillClrLst/>
+    <dgm:txEffectClrLst/>
+  </dgm:styleLbl>
+  <dgm:styleLbl name="node3">
+    <dgm:fillClrLst>
+      <a:schemeClr val="accent3"/>
+    </dgm:fillClrLst>
+    <dgm:linClrLst meth="repeat">
+      <a:schemeClr val="lt1"/>
+    </dgm:linClrLst>
+    <dgm:effectClrLst/>
+    <dgm:txLinClrLst/>
+    <dgm:txFillClrLst/>
+    <dgm:txEffectClrLst/>
+  </dgm:styleLbl>
+  <dgm:styleLbl name="node4">
+    <dgm:fillClrLst>
+      <a:schemeClr val="accent4"/>
+    </dgm:fillClrLst>
+    <dgm:linClrLst meth="repeat">
+      <a:schemeClr val="lt1"/>
+    </dgm:linClrLst>
+    <dgm:effectClrLst/>
+    <dgm:txLinClrLst/>
+    <dgm:txFillClrLst/>
+    <dgm:txEffectClrLst/>
+  </dgm:styleLbl>
+  <dgm:styleLbl name="fgImgPlace1">
+    <dgm:fillClrLst meth="repeat">
+      <a:schemeClr val="accent2">
+        <a:tint val="50000"/>
+      </a:schemeClr>
+      <a:schemeClr val="accent3">
+        <a:tint val="50000"/>
+      </a:schemeClr>
+      <a:schemeClr val="accent4">
+        <a:tint val="50000"/>
+      </a:schemeClr>
+      <a:schemeClr val="accent5">
+        <a:tint val="50000"/>
+      </a:schemeClr>
+      <a:schemeClr val="accent6">
+        <a:tint val="50000"/>
+      </a:schemeClr>
+    </dgm:fillClrLst>
+    <dgm:linClrLst meth="repeat">
+      <a:schemeClr val="lt1"/>
+    </dgm:linClrLst>
+    <dgm:effectClrLst/>
+    <dgm:txLinClrLst/>
+    <dgm:txFillClrLst meth="repeat">
+      <a:schemeClr val="lt1"/>
+    </dgm:txFillClrLst>
+    <dgm:txEffectClrLst/>
+  </dgm:styleLbl>
+  <dgm:styleLbl name="alignImgPlace1">
+    <dgm:fillClrLst>
+      <a:schemeClr val="accent1">
+        <a:tint val="50000"/>
+      </a:schemeClr>
+      <a:schemeClr val="accent2">
+        <a:tint val="20000"/>
+      </a:schemeClr>
+    </dgm:fillClrLst>
+    <dgm:linClrLst meth="repeat">
+      <a:schemeClr val="lt1"/>
+    </dgm:linClrLst>
+    <dgm:effectClrLst/>
+    <dgm:txLinClrLst/>
+    <dgm:txFillClrLst meth="repeat">
+      <a:schemeClr val="lt1"/>
+    </dgm:txFillClrLst>
+    <dgm:txEffectClrLst/>
+  </dgm:styleLbl>
+  <dgm:styleLbl name="bgImgPlace1">
+    <dgm:fillClrLst>
+      <a:schemeClr val="accent1">
+        <a:tint val="50000"/>
+      </a:schemeClr>
+      <a:schemeClr val="accent2">
+        <a:tint val="20000"/>
+      </a:schemeClr>
+    </dgm:fillClrLst>
+    <dgm:linClrLst meth="repeat">
+      <a:schemeClr val="lt1"/>
+    </dgm:linClrLst>
+    <dgm:effectClrLst/>
+    <dgm:txLinClrLst/>
+    <dgm:txFillClrLst meth="repeat">
+      <a:schemeClr val="lt1"/>
+    </dgm:txFillClrLst>
+    <dgm:txEffectClrLst/>
+  </dgm:styleLbl>
+  <dgm:styleLbl name="sibTrans2D1">
+    <dgm:fillClrLst meth="repeat">
+      <a:schemeClr val="accent2"/>
+      <a:schemeClr val="accent3"/>
+      <a:schemeClr val="accent4"/>
+      <a:schemeClr val="accent5"/>
+      <a:schemeClr val="accent6"/>
+    </dgm:fillClrLst>
+    <dgm:linClrLst meth="cycle">
+      <a:schemeClr val="lt1"/>
+    </dgm:linClrLst>
+    <dgm:effectClrLst/>
+    <dgm:txLinClrLst/>
+    <dgm:txFillClrLst/>
+    <dgm:txEffectClrLst/>
+  </dgm:styleLbl>
+  <dgm:styleLbl name="fgSibTrans2D1">
+    <dgm:fillClrLst meth="repeat">
+      <a:schemeClr val="accent2"/>
+      <a:schemeClr val="accent3"/>
+      <a:schemeClr val="accent4"/>
+      <a:schemeClr val="accent5"/>
+      <a:schemeClr val="accent6"/>
+    </dgm:fillClrLst>
+    <dgm:linClrLst meth="cycle">
+      <a:schemeClr val="lt1"/>
+    </dgm:linClrLst>
+    <dgm:effectClrLst/>
+    <dgm:txLinClrLst/>
+    <dgm:txFillClrLst meth="repeat">
+      <a:schemeClr val="lt1"/>
+    </dgm:txFillClrLst>
+    <dgm:txEffectClrLst/>
+  </dgm:styleLbl>
+  <dgm:styleLbl name="bgSibTrans2D1">
+    <dgm:fillClrLst meth="repeat">
+      <a:schemeClr val="accent2"/>
+      <a:schemeClr val="accent3"/>
+      <a:schemeClr val="accent4"/>
+      <a:schemeClr val="accent5"/>
+      <a:schemeClr val="accent6"/>
+    </dgm:fillClrLst>
+    <dgm:linClrLst meth="cycle">
+      <a:schemeClr val="lt1"/>
+    </dgm:linClrLst>
+    <dgm:effectClrLst/>
+    <dgm:txLinClrLst/>
+    <dgm:txFillClrLst meth="repeat">
+      <a:schemeClr val="lt1"/>
+    </dgm:txFillClrLst>
+    <dgm:txEffectClrLst/>
+  </dgm:styleLbl>
+  <dgm:styleLbl name="sibTrans1D1">
+    <dgm:fillClrLst meth="repeat">
+      <a:schemeClr val="accent2"/>
+      <a:schemeClr val="accent3"/>
+      <a:schemeClr val="accent4"/>
+      <a:schemeClr val="accent5"/>
+      <a:schemeClr val="accent6"/>
+    </dgm:fillClrLst>
+    <dgm:linClrLst meth="repeat">
+      <a:schemeClr val="accent2"/>
+      <a:schemeClr val="accent3"/>
+      <a:schemeClr val="accent4"/>
+      <a:schemeClr val="accent5"/>
+      <a:schemeClr val="accent6"/>
+    </dgm:linClrLst>
+    <dgm:effectClrLst/>
+    <dgm:txLinClrLst/>
+    <dgm:txFillClrLst meth="repeat">
+      <a:schemeClr val="tx1"/>
+    </dgm:txFillClrLst>
+    <dgm:txEffectClrLst/>
+  </dgm:styleLbl>
+  <dgm:styleLbl name="callout">
+    <dgm:fillClrLst meth="repeat">
+      <a:schemeClr val="accent2"/>
+    </dgm:fillClrLst>
+    <dgm:linClrLst meth="repeat">
+      <a:schemeClr val="accent2">
+        <a:tint val="50000"/>
+      </a:schemeClr>
+    </dgm:linClrLst>
+    <dgm:effectClrLst/>
+    <dgm:txLinClrLst/>
+    <dgm:txFillClrLst meth="repeat">
+      <a:schemeClr val="tx1"/>
+    </dgm:txFillClrLst>
+    <dgm:txEffectClrLst/>
+  </dgm:styleLbl>
+  <dgm:styleLbl name="asst0">
+    <dgm:fillClrLst meth="repeat">
+      <a:schemeClr val="accent1"/>
+    </dgm:fillClrLst>
+    <dgm:linClrLst meth="repeat">
+      <a:schemeClr val="lt1"/>
+    </dgm:linClrLst>
+    <dgm:effectClrLst/>
+    <dgm:txLinClrLst/>
+    <dgm:txFillClrLst/>
+    <dgm:txEffectClrLst/>
+  </dgm:styleLbl>
+  <dgm:styleLbl name="asst1">
+    <dgm:fillClrLst meth="repeat">
+      <a:schemeClr val="accent2"/>
+    </dgm:fillClrLst>
+    <dgm:linClrLst meth="repeat">
+      <a:schemeClr val="lt1"/>
+    </dgm:linClrLst>
+    <dgm:effectClrLst/>
+    <dgm:txLinClrLst/>
+    <dgm:txFillClrLst/>
+    <dgm:txEffectClrLst/>
+  </dgm:styleLbl>
+  <dgm:styleLbl name="asst2">
+    <dgm:fillClrLst>
+      <a:schemeClr val="accent3"/>
+    </dgm:fillClrLst>
+    <dgm:linClrLst meth="repeat">
+      <a:schemeClr val="lt1"/>
+    </dgm:linClrLst>
+    <dgm:effectClrLst/>
+    <dgm:txLinClrLst/>
+    <dgm:txFillClrLst/>
+    <dgm:txEffectClrLst/>
+  </dgm:styleLbl>
+  <dgm:styleLbl name="asst3">
+    <dgm:fillClrLst>
+      <a:schemeClr val="accent4"/>
+    </dgm:fillClrLst>
+    <dgm:linClrLst meth="repeat">
+      <a:schemeClr val="lt1"/>
+    </dgm:linClrLst>
+    <dgm:effectClrLst/>
+    <dgm:txLinClrLst/>
+    <dgm:txFillClrLst/>
+    <dgm:txEffectClrLst/>
+  </dgm:styleLbl>
+  <dgm:styleLbl name="asst4">
+    <dgm:fillClrLst>
+      <a:schemeClr val="accent5"/>
+    </dgm:fillClrLst>
+    <dgm:linClrLst meth="repeat">
+      <a:schemeClr val="lt1"/>
+    </dgm:linClrLst>
+    <dgm:effectClrLst/>
+    <dgm:txLinClrLst/>
+    <dgm:txFillClrLst/>
+    <dgm:txEffectClrLst/>
+  </dgm:styleLbl>
+  <dgm:styleLbl name="parChTrans2D1">
+    <dgm:fillClrLst meth="repeat">
+      <a:schemeClr val="accent2"/>
+    </dgm:fillClrLst>
+    <dgm:linClrLst meth="repeat">
+      <a:schemeClr val="lt1"/>
+    </dgm:linClrLst>
+    <dgm:effectClrLst/>
+    <dgm:txLinClrLst/>
+    <dgm:txFillClrLst meth="repeat">
+      <a:schemeClr val="lt1"/>
+    </dgm:txFillClrLst>
+    <dgm:txEffectClrLst/>
+  </dgm:styleLbl>
+  <dgm:styleLbl name="parChTrans2D2">
+    <dgm:fillClrLst meth="repeat">
+      <a:schemeClr val="accent3"/>
+    </dgm:fillClrLst>
+    <dgm:linClrLst meth="repeat">
+      <a:schemeClr val="lt1"/>
+    </dgm:linClrLst>
+    <dgm:effectClrLst/>
+    <dgm:txLinClrLst/>
+    <dgm:txFillClrLst/>
+    <dgm:txEffectClrLst/>
+  </dgm:styleLbl>
+  <dgm:styleLbl name="parChTrans2D3">
+    <dgm:fillClrLst meth="repeat">
+      <a:schemeClr val="accent4"/>
+    </dgm:fillClrLst>
+    <dgm:linClrLst meth="repeat">
+      <a:schemeClr val="lt1"/>
+    </dgm:linClrLst>
+    <dgm:effectClrLst/>
+    <dgm:txLinClrLst/>
+    <dgm:txFillClrLst/>
+    <dgm:txEffectClrLst/>
+  </dgm:styleLbl>
+  <dgm:styleLbl name="parChTrans2D4">
+    <dgm:fillClrLst meth="repeat">
+      <a:schemeClr val="accent5"/>
+    </dgm:fillClrLst>
+    <dgm:linClrLst meth="repeat">
+      <a:schemeClr val="lt1"/>
+    </dgm:linClrLst>
+    <dgm:effectClrLst/>
+    <dgm:txLinClrLst/>
+    <dgm:txFillClrLst meth="repeat">
+      <a:schemeClr val="lt1"/>
+    </dgm:txFillClrLst>
+    <dgm:txEffectClrLst/>
+  </dgm:styleLbl>
+  <dgm:styleLbl name="parChTrans1D1">
+    <dgm:fillClrLst meth="repeat">
+      <a:schemeClr val="accent2"/>
+    </dgm:fillClrLst>
+    <dgm:linClrLst meth="repeat">
+      <a:schemeClr val="accent1"/>
+    </dgm:linClrLst>
+    <dgm:effectClrLst/>
+    <dgm:txLinClrLst/>
+    <dgm:txFillClrLst meth="repeat">
+      <a:schemeClr val="tx1"/>
+    </dgm:txFillClrLst>
+    <dgm:txEffectClrLst/>
+  </dgm:styleLbl>
+  <dgm:styleLbl name="parChTrans1D2">
+    <dgm:fillClrLst meth="repeat">
+      <a:schemeClr val="accent3">
+        <a:tint val="90000"/>
+      </a:schemeClr>
+    </dgm:fillClrLst>
+    <dgm:linClrLst meth="repeat">
+      <a:schemeClr val="accent2"/>
+    </dgm:linClrLst>
+    <dgm:effectClrLst/>
+    <dgm:txLinClrLst/>
+    <dgm:txFillClrLst meth="repeat">
+      <a:schemeClr val="tx1"/>
+    </dgm:txFillClrLst>
+    <dgm:txEffectClrLst/>
+  </dgm:styleLbl>
+  <dgm:styleLbl name="parChTrans1D3">
+    <dgm:fillClrLst meth="repeat">
+      <a:schemeClr val="accent4">
+        <a:tint val="70000"/>
+      </a:schemeClr>
+    </dgm:fillClrLst>
+    <dgm:linClrLst meth="repeat">
+      <a:schemeClr val="accent3"/>
+    </dgm:linClrLst>
+    <dgm:effectClrLst/>
+    <dgm:txLinClrLst/>
+    <dgm:txFillClrLst meth="repeat">
+      <a:schemeClr val="tx1"/>
+    </dgm:txFillClrLst>
+    <dgm:txEffectClrLst/>
+  </dgm:styleLbl>
+  <dgm:styleLbl name="parChTrans1D4">
+    <dgm:fillClrLst meth="repeat">
+      <a:schemeClr val="accent5">
+        <a:tint val="50000"/>
+      </a:schemeClr>
+    </dgm:fillClrLst>
+    <dgm:linClrLst meth="repeat">
+      <a:schemeClr val="accent4"/>
+    </dgm:linClrLst>
+    <dgm:effectClrLst/>
+    <dgm:txLinClrLst/>
+    <dgm:txFillClrLst meth="repeat">
+      <a:schemeClr val="tx1"/>
+    </dgm:txFillClrLst>
+    <dgm:txEffectClrLst/>
+  </dgm:styleLbl>
+  <dgm:styleLbl name="fgAcc1">
+    <dgm:fillClrLst meth="repeat">
+      <a:schemeClr val="lt1">
+        <a:alpha val="90000"/>
+      </a:schemeClr>
+    </dgm:fillClrLst>
+    <dgm:linClrLst meth="repeat">
+      <a:schemeClr val="accent2"/>
+      <a:schemeClr val="accent3"/>
+      <a:schemeClr val="accent4"/>
+      <a:schemeClr val="accent5"/>
+      <a:schemeClr val="accent6"/>
+    </dgm:linClrLst>
+    <dgm:effectClrLst/>
+    <dgm:txLinClrLst/>
+    <dgm:txFillClrLst meth="repeat">
+      <a:schemeClr val="dk1"/>
+    </dgm:txFillClrLst>
+    <dgm:txEffectClrLst/>
+  </dgm:styleLbl>
+  <dgm:styleLbl name="conFgAcc1">
+    <dgm:fillClrLst meth="repeat">
+      <a:schemeClr val="lt1">
+        <a:alpha val="90000"/>
+      </a:schemeClr>
+    </dgm:fillClrLst>
+    <dgm:linClrLst meth="repeat">
+      <a:schemeClr val="accent2"/>
+      <a:schemeClr val="accent3"/>
+      <a:schemeClr val="accent4"/>
+      <a:schemeClr val="accent5"/>
+      <a:schemeClr val="accent6"/>
+    </dgm:linClrLst>
+    <dgm:effectClrLst/>
+    <dgm:txLinClrLst/>
+    <dgm:txFillClrLst meth="repeat">
+      <a:schemeClr val="dk1"/>
+    </dgm:txFillClrLst>
+    <dgm:txEffectClrLst/>
+  </dgm:styleLbl>
+  <dgm:styleLbl name="alignAcc1">
+    <dgm:fillClrLst meth="repeat">
+      <a:schemeClr val="lt1">
+        <a:alpha val="90000"/>
+      </a:schemeClr>
+    </dgm:fillClrLst>
+    <dgm:linClrLst meth="repeat">
+      <a:schemeClr val="accent2"/>
+      <a:schemeClr val="accent3"/>
+      <a:schemeClr val="accent4"/>
+      <a:schemeClr val="accent5"/>
+      <a:schemeClr val="accent6"/>
+    </dgm:linClrLst>
+    <dgm:effectClrLst/>
+    <dgm:txLinClrLst/>
+    <dgm:txFillClrLst meth="repeat">
+      <a:schemeClr val="dk1"/>
+    </dgm:txFillClrLst>
+    <dgm:txEffectClrLst/>
+  </dgm:styleLbl>
+  <dgm:styleLbl name="trAlignAcc1">
+    <dgm:fillClrLst meth="repeat">
+      <a:schemeClr val="lt1">
+        <a:alpha val="40000"/>
+      </a:schemeClr>
+    </dgm:fillClrLst>
+    <dgm:linClrLst meth="repeat">
+      <a:schemeClr val="accent1"/>
+    </dgm:linClrLst>
+    <dgm:effectClrLst/>
+    <dgm:txLinClrLst/>
+    <dgm:txFillClrLst meth="repeat">
+      <a:schemeClr val="dk1"/>
+    </dgm:txFillClrLst>
+    <dgm:txEffectClrLst/>
+  </dgm:styleLbl>
+  <dgm:styleLbl name="bgAcc1">
+    <dgm:fillClrLst meth="repeat">
+      <a:schemeClr val="lt1">
+        <a:alpha val="90000"/>
+      </a:schemeClr>
+    </dgm:fillClrLst>
+    <dgm:linClrLst meth="repeat">
+      <a:schemeClr val="accent2"/>
+      <a:schemeClr val="accent3"/>
+      <a:schemeClr val="accent4"/>
+      <a:schemeClr val="accent5"/>
+      <a:schemeClr val="accent6"/>
+    </dgm:linClrLst>
+    <dgm:effectClrLst/>
+    <dgm:txLinClrLst/>
+    <dgm:txFillClrLst meth="repeat">
+      <a:schemeClr val="dk1"/>
+    </dgm:txFillClrLst>
+    <dgm:txEffectClrLst/>
+  </dgm:styleLbl>
+  <dgm:styleLbl name="solidFgAcc1">
+    <dgm:fillClrLst meth="repeat">
+      <a:schemeClr val="lt1"/>
+    </dgm:fillClrLst>
+    <dgm:linClrLst meth="repeat">
+      <a:schemeClr val="accent2"/>
+      <a:schemeClr val="accent3"/>
+      <a:schemeClr val="accent4"/>
+      <a:schemeClr val="accent5"/>
+      <a:schemeClr val="accent6"/>
+    </dgm:linClrLst>
+    <dgm:effectClrLst/>
+    <dgm:txLinClrLst/>
+    <dgm:txFillClrLst meth="repeat">
+      <a:schemeClr val="dk1"/>
+    </dgm:txFillClrLst>
+    <dgm:txEffectClrLst/>
+  </dgm:styleLbl>
+  <dgm:styleLbl name="solidAlignAcc1">
+    <dgm:fillClrLst meth="repeat">
+      <a:schemeClr val="lt1"/>
+    </dgm:fillClrLst>
+    <dgm:linClrLst meth="repeat">
+      <a:schemeClr val="accent2"/>
+      <a:schemeClr val="accent3"/>
+      <a:schemeClr val="accent4"/>
+      <a:schemeClr val="accent5"/>
+      <a:schemeClr val="accent6"/>
+    </dgm:linClrLst>
+    <dgm:effectClrLst/>
+    <dgm:txLinClrLst/>
+    <dgm:txFillClrLst meth="repeat">
+      <a:schemeClr val="dk1"/>
+    </dgm:txFillClrLst>
+    <dgm:txEffectClrLst/>
+  </dgm:styleLbl>
+  <dgm:styleLbl name="solidBgAcc1">
+    <dgm:fillClrLst meth="repeat">
+      <a:schemeClr val="lt1"/>
+    </dgm:fillClrLst>
+    <dgm:linClrLst meth="repeat">
+      <a:schemeClr val="accent2"/>
+      <a:schemeClr val="accent3"/>
+      <a:schemeClr val="accent4"/>
+      <a:schemeClr val="accent5"/>
+      <a:schemeClr val="accent6"/>
+    </dgm:linClrLst>
+    <dgm:effectClrLst/>
+    <dgm:txLinClrLst/>
+    <dgm:txFillClrLst meth="repeat">
+      <a:schemeClr val="dk1"/>
+    </dgm:txFillClrLst>
+    <dgm:txEffectClrLst/>
+  </dgm:styleLbl>
+  <dgm:styleLbl name="fgAccFollowNode1">
+    <dgm:fillClrLst meth="repeat">
+      <a:schemeClr val="accent2">
+        <a:tint val="40000"/>
+        <a:alpha val="90000"/>
+      </a:schemeClr>
+      <a:schemeClr val="accent3">
+        <a:tint val="40000"/>
+        <a:alpha val="90000"/>
+      </a:schemeClr>
+      <a:schemeClr val="accent4">
+        <a:tint val="40000"/>
+        <a:alpha val="90000"/>
+      </a:schemeClr>
+      <a:schemeClr val="accent5">
+        <a:tint val="40000"/>
+        <a:alpha val="90000"/>
+      </a:schemeClr>
+      <a:schemeClr val="accent6">
+        <a:tint val="40000"/>
+        <a:alpha val="90000"/>
+      </a:schemeClr>
+    </dgm:fillClrLst>
+    <dgm:linClrLst meth="repeat">
+      <a:schemeClr val="accent2">
+        <a:tint val="40000"/>
+        <a:alpha val="90000"/>
+      </a:schemeClr>
+      <a:schemeClr val="accent3">
+        <a:tint val="40000"/>
+        <a:alpha val="90000"/>
+      </a:schemeClr>
+      <a:schemeClr val="accent4">
+        <a:tint val="40000"/>
+        <a:alpha val="90000"/>
+      </a:schemeClr>
+      <a:schemeClr val="accent5">
+        <a:tint val="40000"/>
+        <a:alpha val="90000"/>
+      </a:schemeClr>
+      <a:schemeClr val="accent6">
+        <a:tint val="40000"/>
+        <a:alpha val="90000"/>
+      </a:schemeClr>
+    </dgm:linClrLst>
+    <dgm:effectClrLst/>
+    <dgm:txLinClrLst/>
+    <dgm:txFillClrLst meth="repeat">
+      <a:schemeClr val="dk1"/>
+    </dgm:txFillClrLst>
+    <dgm:txEffectClrLst/>
+  </dgm:styleLbl>
+  <dgm:styleLbl name="alignAccFollowNode1">
+    <dgm:fillClrLst meth="repeat">
+      <a:schemeClr val="accent2">
+        <a:tint val="40000"/>
+        <a:alpha val="90000"/>
+      </a:schemeClr>
+      <a:schemeClr val="accent3">
+        <a:tint val="40000"/>
+        <a:alpha val="90000"/>
+      </a:schemeClr>
+      <a:schemeClr val="accent4">
+        <a:tint val="40000"/>
+        <a:alpha val="90000"/>
+      </a:schemeClr>
+      <a:schemeClr val="accent5">
+        <a:tint val="40000"/>
+        <a:alpha val="90000"/>
+      </a:schemeClr>
+      <a:schemeClr val="accent6">
+        <a:tint val="40000"/>
+        <a:alpha val="90000"/>
+      </a:schemeClr>
+    </dgm:fillClrLst>
+    <dgm:linClrLst meth="repeat">
+      <a:schemeClr val="accent2">
+        <a:tint val="40000"/>
+        <a:alpha val="90000"/>
+      </a:schemeClr>
+      <a:schemeClr val="accent3">
+        <a:tint val="40000"/>
+        <a:alpha val="90000"/>
+      </a:schemeClr>
+      <a:schemeClr val="accent4">
+        <a:tint val="40000"/>
+        <a:alpha val="90000"/>
+      </a:schemeClr>
+      <a:schemeClr val="accent5">
+        <a:tint val="40000"/>
+        <a:alpha val="90000"/>
+      </a:schemeClr>
+      <a:schemeClr val="accent6">
+        <a:tint val="40000"/>
+        <a:alpha val="90000"/>
+      </a:schemeClr>
+    </dgm:linClrLst>
+    <dgm:effectClrLst/>
+    <dgm:txLinClrLst/>
+    <dgm:txFillClrLst meth="repeat">
+      <a:schemeClr val="dk1"/>
+    </dgm:txFillClrLst>
+    <dgm:txEffectClrLst/>
+  </dgm:styleLbl>
+  <dgm:styleLbl name="bgAccFollowNode1">
+    <dgm:fillClrLst meth="repeat">
+      <a:schemeClr val="accent2">
+        <a:tint val="40000"/>
+        <a:alpha val="90000"/>
+      </a:schemeClr>
+      <a:schemeClr val="accent3">
+        <a:tint val="40000"/>
+        <a:alpha val="90000"/>
+      </a:schemeClr>
+      <a:schemeClr val="accent4">
+        <a:tint val="40000"/>
+        <a:alpha val="90000"/>
+      </a:schemeClr>
+      <a:schemeClr val="accent5">
+        <a:tint val="40000"/>
+        <a:alpha val="90000"/>
+      </a:schemeClr>
+      <a:schemeClr val="accent6">
+        <a:tint val="40000"/>
+        <a:alpha val="90000"/>
+      </a:schemeClr>
+    </dgm:fillClrLst>
+    <dgm:linClrLst meth="repeat">
+      <a:schemeClr val="accent2">
+        <a:tint val="40000"/>
+        <a:alpha val="90000"/>
+      </a:schemeClr>
+      <a:schemeClr val="accent3">
+        <a:tint val="40000"/>
+        <a:alpha val="90000"/>
+      </a:schemeClr>
+      <a:schemeClr val="accent4">
+        <a:tint val="40000"/>
+        <a:alpha val="90000"/>
+      </a:schemeClr>
+      <a:schemeClr val="accent5">
+        <a:tint val="40000"/>
+        <a:alpha val="90000"/>
+      </a:schemeClr>
+      <a:schemeClr val="accent6">
+        <a:tint val="40000"/>
+        <a:alpha val="90000"/>
+      </a:schemeClr>
+    </dgm:linClrLst>
+    <dgm:effectClrLst/>
+    <dgm:txLinClrLst/>
+    <dgm:txFillClrLst meth="repeat">
+      <a:schemeClr val="dk1"/>
+    </dgm:txFillClrLst>
+    <dgm:txEffectClrLst/>
+  </dgm:styleLbl>
+  <dgm:styleLbl name="fgAcc0">
+    <dgm:fillClrLst meth="repeat">
+      <a:schemeClr val="lt1">
+        <a:alpha val="90000"/>
+      </a:schemeClr>
+    </dgm:fillClrLst>
+    <dgm:linClrLst>
+      <a:schemeClr val="accent1"/>
+    </dgm:linClrLst>
+    <dgm:effectClrLst/>
+    <dgm:txLinClrLst/>
+    <dgm:txFillClrLst meth="repeat">
+      <a:schemeClr val="dk1"/>
+    </dgm:txFillClrLst>
+    <dgm:txEffectClrLst/>
+  </dgm:styleLbl>
+  <dgm:styleLbl name="fgAcc2">
+    <dgm:fillClrLst meth="repeat">
+      <a:schemeClr val="lt1">
+        <a:alpha val="90000"/>
+      </a:schemeClr>
+    </dgm:fillClrLst>
+    <dgm:linClrLst>
+      <a:schemeClr val="accent2"/>
+    </dgm:linClrLst>
+    <dgm:effectClrLst/>
+    <dgm:txLinClrLst/>
+    <dgm:txFillClrLst meth="repeat">
+      <a:schemeClr val="dk1"/>
+    </dgm:txFillClrLst>
+    <dgm:txEffectClrLst/>
+  </dgm:styleLbl>
+  <dgm:styleLbl name="fgAcc3">
+    <dgm:fillClrLst meth="repeat">
+      <a:schemeClr val="lt1">
+        <a:alpha val="90000"/>
+      </a:schemeClr>
+    </dgm:fillClrLst>
+    <dgm:linClrLst>
+      <a:schemeClr val="accent3"/>
+    </dgm:linClrLst>
+    <dgm:effectClrLst/>
+    <dgm:txLinClrLst/>
+    <dgm:txFillClrLst meth="repeat">
+      <a:schemeClr val="dk1"/>
+    </dgm:txFillClrLst>
+    <dgm:txEffectClrLst/>
+  </dgm:styleLbl>
+  <dgm:styleLbl name="fgAcc4">
+    <dgm:fillClrLst meth="repeat">
+      <a:schemeClr val="lt1">
+        <a:alpha val="90000"/>
+      </a:schemeClr>
+    </dgm:fillClrLst>
+    <dgm:linClrLst>
+      <a:schemeClr val="accent4"/>
+    </dgm:linClrLst>
+    <dgm:effectClrLst/>
+    <dgm:txLinClrLst/>
+    <dgm:txFillClrLst meth="repeat">
+      <a:schemeClr val="dk1"/>
+    </dgm:txFillClrLst>
+    <dgm:txEffectClrLst/>
+  </dgm:styleLbl>
+  <dgm:styleLbl name="bgShp">
+    <dgm:fillClrLst meth="repeat">
+      <a:schemeClr val="accent2"/>
+      <a:schemeClr val="accent3"/>
+      <a:schemeClr val="accent4"/>
+      <a:schemeClr val="accent5"/>
+      <a:schemeClr val="accent6"/>
+    </dgm:fillClrLst>
+    <dgm:linClrLst meth="repeat">
+      <a:schemeClr val="lt1">
+        <a:alpha val="0"/>
+      </a:schemeClr>
+    </dgm:linClrLst>
+    <dgm:effectClrLst/>
+    <dgm:txLinClrLst/>
+    <dgm:txFillClrLst/>
+    <dgm:txEffectClrLst/>
+  </dgm:styleLbl>
+  <dgm:styleLbl name="dkBgShp">
+    <dgm:fillClrLst meth="repeat">
+      <a:schemeClr val="accent2">
+        <a:shade val="90000"/>
+      </a:schemeClr>
+    </dgm:fillClrLst>
+    <dgm:linClrLst meth="repeat">
+      <a:schemeClr val="dk1"/>
+    </dgm:linClrLst>
+    <dgm:effectClrLst/>
+    <dgm:txLinClrLst/>
+    <dgm:txFillClrLst meth="repeat">
+      <a:schemeClr val="lt1"/>
+    </dgm:txFillClrLst>
+    <dgm:txEffectClrLst/>
+  </dgm:styleLbl>
+  <dgm:styleLbl name="trBgShp">
+    <dgm:fillClrLst meth="repeat">
+      <a:schemeClr val="accent1">
+        <a:tint val="50000"/>
+        <a:alpha val="40000"/>
+      </a:schemeClr>
+    </dgm:fillClrLst>
+    <dgm:linClrLst meth="repeat">
+      <a:schemeClr val="accent2"/>
+    </dgm:linClrLst>
+    <dgm:effectClrLst/>
+    <dgm:txLinClrLst/>
+    <dgm:txFillClrLst meth="repeat">
+      <a:schemeClr val="lt1"/>
+    </dgm:txFillClrLst>
+    <dgm:txEffectClrLst/>
+  </dgm:styleLbl>
+  <dgm:styleLbl name="fgShp">
+    <dgm:fillClrLst meth="repeat">
+      <a:schemeClr val="accent2">
+        <a:tint val="40000"/>
+      </a:schemeClr>
+    </dgm:fillClrLst>
+    <dgm:linClrLst meth="repeat">
+      <a:schemeClr val="lt1"/>
+    </dgm:linClrLst>
+    <dgm:effectClrLst/>
+    <dgm:txLinClrLst/>
+    <dgm:txFillClrLst meth="repeat">
+      <a:schemeClr val="dk1"/>
+    </dgm:txFillClrLst>
+    <dgm:txEffectClrLst/>
+  </dgm:styleLbl>
+  <dgm:styleLbl name="revTx">
+    <dgm:fillClrLst meth="repeat">
+      <a:schemeClr val="lt1">
+        <a:alpha val="0"/>
+      </a:schemeClr>
+    </dgm:fillClrLst>
+    <dgm:linClrLst meth="repeat">
+      <a:schemeClr val="dk1">
+        <a:alpha val="0"/>
+      </a:schemeClr>
+    </dgm:linClrLst>
+    <dgm:effectClrLst/>
+    <dgm:txLinClrLst/>
+    <dgm:txFillClrLst meth="repeat">
+      <a:schemeClr val="tx1"/>
+    </dgm:txFillClrLst>
+    <dgm:txEffectClrLst/>
+  </dgm:styleLbl>
+</dgm:colorsDef>
+</file>
+
+<file path=ppt/diagrams/data1.xml><?xml version="1.0" encoding="utf-8"?>
+<dgm:dataModel xmlns:dgm="http://schemas.openxmlformats.org/drawingml/2006/diagram" xmlns:a="http://schemas.openxmlformats.org/drawingml/2006/main">
+  <dgm:ptLst>
+    <dgm:pt modelId="{8260FFF6-B8F7-49A0-8A10-EAC21056FC9C}" type="doc">
+      <dgm:prSet loTypeId="urn:microsoft.com/office/officeart/2018/2/layout/IconVerticalSolidList" loCatId="icon" qsTypeId="urn:microsoft.com/office/officeart/2005/8/quickstyle/simple1" qsCatId="simple" csTypeId="urn:microsoft.com/office/officeart/2018/5/colors/Iconchunking_neutralicontext_accent0_3" csCatId="mainScheme" phldr="1"/>
+      <dgm:spPr/>
+      <dgm:t>
+        <a:bodyPr/>
+        <a:lstStyle/>
+        <a:p>
+          <a:endParaRPr lang="en-US"/>
+        </a:p>
+      </dgm:t>
+    </dgm:pt>
+    <dgm:pt modelId="{9E4BD2CD-3855-44AA-8262-EC4F3896E322}">
+      <dgm:prSet/>
+      <dgm:spPr/>
+      <dgm:t>
+        <a:bodyPr/>
+        <a:lstStyle/>
+        <a:p>
+          <a:pPr>
+            <a:lnSpc>
+              <a:spcPct val="100000"/>
+            </a:lnSpc>
+          </a:pPr>
+          <a:r>
+            <a:rPr lang="en-US"/>
+            <a:t>Research existing travel agency products and services</a:t>
+          </a:r>
+        </a:p>
+      </dgm:t>
+    </dgm:pt>
+    <dgm:pt modelId="{2CE589F7-1648-404C-BE20-9A61442C5797}" type="parTrans" cxnId="{D7D23D25-A710-4262-807E-0D92124741DA}">
+      <dgm:prSet/>
+      <dgm:spPr/>
+      <dgm:t>
+        <a:bodyPr/>
+        <a:lstStyle/>
+        <a:p>
+          <a:endParaRPr lang="en-US"/>
+        </a:p>
+      </dgm:t>
+    </dgm:pt>
+    <dgm:pt modelId="{4139CAD0-EF57-4C83-9E8B-DB24C6B0F1AE}" type="sibTrans" cxnId="{D7D23D25-A710-4262-807E-0D92124741DA}">
+      <dgm:prSet/>
+      <dgm:spPr/>
+      <dgm:t>
+        <a:bodyPr/>
+        <a:lstStyle/>
+        <a:p>
+          <a:endParaRPr lang="en-US"/>
+        </a:p>
+      </dgm:t>
+    </dgm:pt>
+    <dgm:pt modelId="{0B8B54C6-E7D0-4816-8E1C-52E88BB8A756}">
+      <dgm:prSet/>
+      <dgm:spPr/>
+      <dgm:t>
+        <a:bodyPr/>
+        <a:lstStyle/>
+        <a:p>
+          <a:pPr>
+            <a:lnSpc>
+              <a:spcPct val="100000"/>
+            </a:lnSpc>
+          </a:pPr>
+          <a:r>
+            <a:rPr lang="en-US"/>
+            <a:t>Talk to employees</a:t>
+          </a:r>
+        </a:p>
+      </dgm:t>
+    </dgm:pt>
+    <dgm:pt modelId="{17D9746A-C899-4CC7-A724-B2CEE19B3DA9}" type="parTrans" cxnId="{73BCCFC3-8976-4595-9A9E-BC4559827AF0}">
+      <dgm:prSet/>
+      <dgm:spPr/>
+      <dgm:t>
+        <a:bodyPr/>
+        <a:lstStyle/>
+        <a:p>
+          <a:endParaRPr lang="en-US"/>
+        </a:p>
+      </dgm:t>
+    </dgm:pt>
+    <dgm:pt modelId="{29E0E6EB-BACA-4C3C-BD15-6024A9F00F46}" type="sibTrans" cxnId="{73BCCFC3-8976-4595-9A9E-BC4559827AF0}">
+      <dgm:prSet/>
+      <dgm:spPr/>
+      <dgm:t>
+        <a:bodyPr/>
+        <a:lstStyle/>
+        <a:p>
+          <a:endParaRPr lang="en-US"/>
+        </a:p>
+      </dgm:t>
+    </dgm:pt>
+    <dgm:pt modelId="{9556DE77-6523-447C-82F9-637739EFA175}">
+      <dgm:prSet/>
+      <dgm:spPr/>
+      <dgm:t>
+        <a:bodyPr/>
+        <a:lstStyle/>
+        <a:p>
+          <a:pPr>
+            <a:lnSpc>
+              <a:spcPct val="100000"/>
+            </a:lnSpc>
+          </a:pPr>
+          <a:r>
+            <a:rPr lang="en-US"/>
+            <a:t>Developers plan, create and test software and databases</a:t>
+          </a:r>
+        </a:p>
+      </dgm:t>
+    </dgm:pt>
+    <dgm:pt modelId="{F4548DC9-1780-4136-A1B7-CB04000DC50A}" type="parTrans" cxnId="{AA9CE16F-C290-4FE6-B6E9-1040CB0F72E9}">
+      <dgm:prSet/>
+      <dgm:spPr/>
+      <dgm:t>
+        <a:bodyPr/>
+        <a:lstStyle/>
+        <a:p>
+          <a:endParaRPr lang="en-US"/>
+        </a:p>
+      </dgm:t>
+    </dgm:pt>
+    <dgm:pt modelId="{317B72AE-A9D5-42CF-AB45-E1F9718D79BB}" type="sibTrans" cxnId="{AA9CE16F-C290-4FE6-B6E9-1040CB0F72E9}">
+      <dgm:prSet/>
+      <dgm:spPr/>
+      <dgm:t>
+        <a:bodyPr/>
+        <a:lstStyle/>
+        <a:p>
+          <a:endParaRPr lang="en-US"/>
+        </a:p>
+      </dgm:t>
+    </dgm:pt>
+    <dgm:pt modelId="{FE1DBC44-6D34-477E-8307-EFD53BD74EA7}">
+      <dgm:prSet/>
+      <dgm:spPr/>
+      <dgm:t>
+        <a:bodyPr/>
+        <a:lstStyle/>
+        <a:p>
+          <a:pPr>
+            <a:lnSpc>
+              <a:spcPct val="100000"/>
+            </a:lnSpc>
+          </a:pPr>
+          <a:r>
+            <a:rPr lang="en-US"/>
+            <a:t>Plan and price hardware purchases</a:t>
+          </a:r>
+        </a:p>
+      </dgm:t>
+    </dgm:pt>
+    <dgm:pt modelId="{3683FF7E-810D-4595-B247-C211483F4CF2}" type="parTrans" cxnId="{A7AA69D7-04F5-4740-949C-450B771C905C}">
+      <dgm:prSet/>
+      <dgm:spPr/>
+      <dgm:t>
+        <a:bodyPr/>
+        <a:lstStyle/>
+        <a:p>
+          <a:endParaRPr lang="en-US"/>
+        </a:p>
+      </dgm:t>
+    </dgm:pt>
+    <dgm:pt modelId="{BB5F36AD-1C6A-4080-85E0-16787D5E3347}" type="sibTrans" cxnId="{A7AA69D7-04F5-4740-949C-450B771C905C}">
+      <dgm:prSet/>
+      <dgm:spPr/>
+      <dgm:t>
+        <a:bodyPr/>
+        <a:lstStyle/>
+        <a:p>
+          <a:endParaRPr lang="en-US"/>
+        </a:p>
+      </dgm:t>
+    </dgm:pt>
+    <dgm:pt modelId="{7BE0D933-490C-4D59-81C6-F0A88F733410}">
+      <dgm:prSet/>
+      <dgm:spPr/>
+      <dgm:t>
+        <a:bodyPr/>
+        <a:lstStyle/>
+        <a:p>
+          <a:pPr>
+            <a:lnSpc>
+              <a:spcPct val="100000"/>
+            </a:lnSpc>
+          </a:pPr>
+          <a:r>
+            <a:rPr lang="en-US"/>
+            <a:t>Review and deploy font and back end software</a:t>
+          </a:r>
+        </a:p>
+      </dgm:t>
+    </dgm:pt>
+    <dgm:pt modelId="{BE4A08CA-46B1-4A0B-AEC5-B6295D860D0D}" type="parTrans" cxnId="{AE217D7C-C727-4520-B313-1C181341F5F0}">
+      <dgm:prSet/>
+      <dgm:spPr/>
+      <dgm:t>
+        <a:bodyPr/>
+        <a:lstStyle/>
+        <a:p>
+          <a:endParaRPr lang="en-US"/>
+        </a:p>
+      </dgm:t>
+    </dgm:pt>
+    <dgm:pt modelId="{1470C28C-FE74-45BD-8AE3-7DC2AA92B834}" type="sibTrans" cxnId="{AE217D7C-C727-4520-B313-1C181341F5F0}">
+      <dgm:prSet/>
+      <dgm:spPr/>
+      <dgm:t>
+        <a:bodyPr/>
+        <a:lstStyle/>
+        <a:p>
+          <a:endParaRPr lang="en-US"/>
+        </a:p>
+      </dgm:t>
+    </dgm:pt>
+    <dgm:pt modelId="{6564E6AA-60EC-4BC6-8120-A6B34E5A4BB6}" type="pres">
+      <dgm:prSet presAssocID="{8260FFF6-B8F7-49A0-8A10-EAC21056FC9C}" presName="root" presStyleCnt="0">
+        <dgm:presLayoutVars>
+          <dgm:dir/>
+          <dgm:resizeHandles val="exact"/>
+        </dgm:presLayoutVars>
+      </dgm:prSet>
+      <dgm:spPr/>
+    </dgm:pt>
+    <dgm:pt modelId="{A75DB5E7-F489-43AF-94B7-9BA58594F098}" type="pres">
+      <dgm:prSet presAssocID="{9E4BD2CD-3855-44AA-8262-EC4F3896E322}" presName="compNode" presStyleCnt="0"/>
+      <dgm:spPr/>
+    </dgm:pt>
+    <dgm:pt modelId="{7899D776-A8BA-4F83-954D-0DAFA7A6A9AB}" type="pres">
+      <dgm:prSet presAssocID="{9E4BD2CD-3855-44AA-8262-EC4F3896E322}" presName="bgRect" presStyleLbl="bgShp" presStyleIdx="0" presStyleCnt="5"/>
+      <dgm:spPr/>
+    </dgm:pt>
+    <dgm:pt modelId="{D9A771D7-CB22-462E-9209-D7F5713E08C7}" type="pres">
+      <dgm:prSet presAssocID="{9E4BD2CD-3855-44AA-8262-EC4F3896E322}" presName="iconRect" presStyleLbl="node1" presStyleIdx="0" presStyleCnt="5"/>
+      <dgm:spPr>
+        <a:blipFill>
+          <a:blip xmlns:r="http://schemas.openxmlformats.org/officeDocument/2006/relationships" r:embed="rId1">
+            <a:extLst>
+              <a:ext uri="{28A0092B-C50C-407E-A947-70E740481C1C}">
+                <a14:useLocalDpi xmlns:a14="http://schemas.microsoft.com/office/drawing/2010/main" val="0"/>
+              </a:ext>
+              <a:ext uri="{96DAC541-7B7A-43D3-8B79-37D633B846F1}">
+                <asvg:svgBlip xmlns:asvg="http://schemas.microsoft.com/office/drawing/2016/SVG/main" r:embed="rId2"/>
+              </a:ext>
+            </a:extLst>
+          </a:blip>
+          <a:stretch>
+            <a:fillRect/>
+          </a:stretch>
+        </a:blipFill>
+        <a:ln>
+          <a:noFill/>
+        </a:ln>
+      </dgm:spPr>
+      <dgm:extLst>
+        <a:ext uri="{E40237B7-FDA0-4F09-8148-C483321AD2D9}">
+          <dgm14:cNvPr xmlns:dgm14="http://schemas.microsoft.com/office/drawing/2010/diagram" id="0" name="" descr="CRMCustomerInsightsApp"/>
+        </a:ext>
+      </dgm:extLst>
+    </dgm:pt>
+    <dgm:pt modelId="{6B9134B6-1568-4720-9E36-13663C364543}" type="pres">
+      <dgm:prSet presAssocID="{9E4BD2CD-3855-44AA-8262-EC4F3896E322}" presName="spaceRect" presStyleCnt="0"/>
+      <dgm:spPr/>
+    </dgm:pt>
+    <dgm:pt modelId="{E97B8C3C-397E-41F1-8C0C-03FC9B7DEA17}" type="pres">
+      <dgm:prSet presAssocID="{9E4BD2CD-3855-44AA-8262-EC4F3896E322}" presName="parTx" presStyleLbl="revTx" presStyleIdx="0" presStyleCnt="5">
+        <dgm:presLayoutVars>
+          <dgm:chMax val="0"/>
+          <dgm:chPref val="0"/>
+        </dgm:presLayoutVars>
+      </dgm:prSet>
+      <dgm:spPr/>
+    </dgm:pt>
+    <dgm:pt modelId="{5687413E-D026-43D7-ABCF-3A7F3C8B73BE}" type="pres">
+      <dgm:prSet presAssocID="{4139CAD0-EF57-4C83-9E8B-DB24C6B0F1AE}" presName="sibTrans" presStyleCnt="0"/>
+      <dgm:spPr/>
+    </dgm:pt>
+    <dgm:pt modelId="{3DD0B92A-1473-4274-968C-20310C920E24}" type="pres">
+      <dgm:prSet presAssocID="{0B8B54C6-E7D0-4816-8E1C-52E88BB8A756}" presName="compNode" presStyleCnt="0"/>
+      <dgm:spPr/>
+    </dgm:pt>
+    <dgm:pt modelId="{04FCB632-B376-4CF6-B034-E2233A40F317}" type="pres">
+      <dgm:prSet presAssocID="{0B8B54C6-E7D0-4816-8E1C-52E88BB8A756}" presName="bgRect" presStyleLbl="bgShp" presStyleIdx="1" presStyleCnt="5"/>
+      <dgm:spPr/>
+    </dgm:pt>
+    <dgm:pt modelId="{EDB0E0FD-0776-4396-B337-614EC17D7EE3}" type="pres">
+      <dgm:prSet presAssocID="{0B8B54C6-E7D0-4816-8E1C-52E88BB8A756}" presName="iconRect" presStyleLbl="node1" presStyleIdx="1" presStyleCnt="5"/>
+      <dgm:spPr>
+        <a:blipFill>
+          <a:blip xmlns:r="http://schemas.openxmlformats.org/officeDocument/2006/relationships" r:embed="rId3">
+            <a:extLst>
+              <a:ext uri="{28A0092B-C50C-407E-A947-70E740481C1C}">
+                <a14:useLocalDpi xmlns:a14="http://schemas.microsoft.com/office/drawing/2010/main" val="0"/>
+              </a:ext>
+              <a:ext uri="{96DAC541-7B7A-43D3-8B79-37D633B846F1}">
+                <asvg:svgBlip xmlns:asvg="http://schemas.microsoft.com/office/drawing/2016/SVG/main" r:embed="rId4"/>
+              </a:ext>
+            </a:extLst>
+          </a:blip>
+          <a:stretch>
+            <a:fillRect/>
+          </a:stretch>
+        </a:blipFill>
+        <a:ln>
+          <a:noFill/>
+        </a:ln>
+      </dgm:spPr>
+      <dgm:extLst>
+        <a:ext uri="{E40237B7-FDA0-4F09-8148-C483321AD2D9}">
+          <dgm14:cNvPr xmlns:dgm14="http://schemas.microsoft.com/office/drawing/2010/diagram" id="0" name="" descr="Leave"/>
+        </a:ext>
+      </dgm:extLst>
+    </dgm:pt>
+    <dgm:pt modelId="{F699D5FA-3D9A-49E4-B99A-8C295F9ED7DC}" type="pres">
+      <dgm:prSet presAssocID="{0B8B54C6-E7D0-4816-8E1C-52E88BB8A756}" presName="spaceRect" presStyleCnt="0"/>
+      <dgm:spPr/>
+    </dgm:pt>
+    <dgm:pt modelId="{A0AECD04-79B5-4E8E-A504-B941AF4A4333}" type="pres">
+      <dgm:prSet presAssocID="{0B8B54C6-E7D0-4816-8E1C-52E88BB8A756}" presName="parTx" presStyleLbl="revTx" presStyleIdx="1" presStyleCnt="5">
+        <dgm:presLayoutVars>
+          <dgm:chMax val="0"/>
+          <dgm:chPref val="0"/>
+        </dgm:presLayoutVars>
+      </dgm:prSet>
+      <dgm:spPr/>
+    </dgm:pt>
+    <dgm:pt modelId="{F7CEA067-3ACE-4978-BBBC-3E4131261B3D}" type="pres">
+      <dgm:prSet presAssocID="{29E0E6EB-BACA-4C3C-BD15-6024A9F00F46}" presName="sibTrans" presStyleCnt="0"/>
+      <dgm:spPr/>
+    </dgm:pt>
+    <dgm:pt modelId="{11E73084-380D-425A-994E-081C9B5D251A}" type="pres">
+      <dgm:prSet presAssocID="{9556DE77-6523-447C-82F9-637739EFA175}" presName="compNode" presStyleCnt="0"/>
+      <dgm:spPr/>
+    </dgm:pt>
+    <dgm:pt modelId="{1D859763-4F3D-429E-9E6C-A4FAE85EAA5F}" type="pres">
+      <dgm:prSet presAssocID="{9556DE77-6523-447C-82F9-637739EFA175}" presName="bgRect" presStyleLbl="bgShp" presStyleIdx="2" presStyleCnt="5"/>
+      <dgm:spPr/>
+    </dgm:pt>
+    <dgm:pt modelId="{27C160D5-2FB6-4AE8-B25C-7553094F38CD}" type="pres">
+      <dgm:prSet presAssocID="{9556DE77-6523-447C-82F9-637739EFA175}" presName="iconRect" presStyleLbl="node1" presStyleIdx="2" presStyleCnt="5"/>
+      <dgm:spPr>
+        <a:blipFill>
+          <a:blip xmlns:r="http://schemas.openxmlformats.org/officeDocument/2006/relationships" r:embed="rId5">
+            <a:extLst>
+              <a:ext uri="{28A0092B-C50C-407E-A947-70E740481C1C}">
+                <a14:useLocalDpi xmlns:a14="http://schemas.microsoft.com/office/drawing/2010/main" val="0"/>
+              </a:ext>
+              <a:ext uri="{96DAC541-7B7A-43D3-8B79-37D633B846F1}">
+                <asvg:svgBlip xmlns:asvg="http://schemas.microsoft.com/office/drawing/2016/SVG/main" r:embed="rId6"/>
+              </a:ext>
+            </a:extLst>
+          </a:blip>
+          <a:stretch>
+            <a:fillRect/>
+          </a:stretch>
+        </a:blipFill>
+        <a:ln>
+          <a:noFill/>
+        </a:ln>
+      </dgm:spPr>
+      <dgm:extLst>
+        <a:ext uri="{E40237B7-FDA0-4F09-8148-C483321AD2D9}">
+          <dgm14:cNvPr xmlns:dgm14="http://schemas.microsoft.com/office/drawing/2010/diagram" id="0" name="" descr="TestPlan"/>
+        </a:ext>
+      </dgm:extLst>
+    </dgm:pt>
+    <dgm:pt modelId="{DA3A62C5-6236-4961-AF27-B3F628DEECDD}" type="pres">
+      <dgm:prSet presAssocID="{9556DE77-6523-447C-82F9-637739EFA175}" presName="spaceRect" presStyleCnt="0"/>
+      <dgm:spPr/>
+    </dgm:pt>
+    <dgm:pt modelId="{83963EB8-3A6D-4304-B0B8-552F661E7599}" type="pres">
+      <dgm:prSet presAssocID="{9556DE77-6523-447C-82F9-637739EFA175}" presName="parTx" presStyleLbl="revTx" presStyleIdx="2" presStyleCnt="5">
+        <dgm:presLayoutVars>
+          <dgm:chMax val="0"/>
+          <dgm:chPref val="0"/>
+        </dgm:presLayoutVars>
+      </dgm:prSet>
+      <dgm:spPr/>
+    </dgm:pt>
+    <dgm:pt modelId="{621ED166-FF24-4746-9DF3-09AF1F270B8F}" type="pres">
+      <dgm:prSet presAssocID="{317B72AE-A9D5-42CF-AB45-E1F9718D79BB}" presName="sibTrans" presStyleCnt="0"/>
+      <dgm:spPr/>
+    </dgm:pt>
+    <dgm:pt modelId="{D9ED75CF-0003-4487-8EBD-9855EDCAD02C}" type="pres">
+      <dgm:prSet presAssocID="{FE1DBC44-6D34-477E-8307-EFD53BD74EA7}" presName="compNode" presStyleCnt="0"/>
+      <dgm:spPr/>
+    </dgm:pt>
+    <dgm:pt modelId="{7BA6743A-BAE9-4E42-BD1F-999200E8B335}" type="pres">
+      <dgm:prSet presAssocID="{FE1DBC44-6D34-477E-8307-EFD53BD74EA7}" presName="bgRect" presStyleLbl="bgShp" presStyleIdx="3" presStyleCnt="5"/>
+      <dgm:spPr/>
+    </dgm:pt>
+    <dgm:pt modelId="{C7F766A5-82E8-48BA-BA11-1A4B5CFA454A}" type="pres">
+      <dgm:prSet presAssocID="{FE1DBC44-6D34-477E-8307-EFD53BD74EA7}" presName="iconRect" presStyleLbl="node1" presStyleIdx="3" presStyleCnt="5"/>
+      <dgm:spPr>
+        <a:blipFill>
+          <a:blip xmlns:r="http://schemas.openxmlformats.org/officeDocument/2006/relationships" r:embed="rId7">
+            <a:extLst>
+              <a:ext uri="{28A0092B-C50C-407E-A947-70E740481C1C}">
+                <a14:useLocalDpi xmlns:a14="http://schemas.microsoft.com/office/drawing/2010/main" val="0"/>
+              </a:ext>
+              <a:ext uri="{96DAC541-7B7A-43D3-8B79-37D633B846F1}">
+                <asvg:svgBlip xmlns:asvg="http://schemas.microsoft.com/office/drawing/2016/SVG/main" r:embed="rId8"/>
+              </a:ext>
+            </a:extLst>
+          </a:blip>
+          <a:stretch>
+            <a:fillRect/>
+          </a:stretch>
+        </a:blipFill>
+        <a:ln>
+          <a:noFill/>
+        </a:ln>
+      </dgm:spPr>
+      <dgm:extLst>
+        <a:ext uri="{E40237B7-FDA0-4F09-8148-C483321AD2D9}">
+          <dgm14:cNvPr xmlns:dgm14="http://schemas.microsoft.com/office/drawing/2010/diagram" id="0" name="" descr="LaptopSecure"/>
+        </a:ext>
+      </dgm:extLst>
+    </dgm:pt>
+    <dgm:pt modelId="{685E78EB-E1CD-4E9D-8645-9D0694C23391}" type="pres">
+      <dgm:prSet presAssocID="{FE1DBC44-6D34-477E-8307-EFD53BD74EA7}" presName="spaceRect" presStyleCnt="0"/>
+      <dgm:spPr/>
+    </dgm:pt>
+    <dgm:pt modelId="{6232115F-9AA5-488C-AC69-5ED7377A1338}" type="pres">
+      <dgm:prSet presAssocID="{FE1DBC44-6D34-477E-8307-EFD53BD74EA7}" presName="parTx" presStyleLbl="revTx" presStyleIdx="3" presStyleCnt="5">
+        <dgm:presLayoutVars>
+          <dgm:chMax val="0"/>
+          <dgm:chPref val="0"/>
+        </dgm:presLayoutVars>
+      </dgm:prSet>
+      <dgm:spPr/>
+    </dgm:pt>
+    <dgm:pt modelId="{B1E0E5A2-A42B-4F52-82C3-8380155665B0}" type="pres">
+      <dgm:prSet presAssocID="{BB5F36AD-1C6A-4080-85E0-16787D5E3347}" presName="sibTrans" presStyleCnt="0"/>
+      <dgm:spPr/>
+    </dgm:pt>
+    <dgm:pt modelId="{30757B57-3CE3-4C0F-A926-E3D46C0C2815}" type="pres">
+      <dgm:prSet presAssocID="{7BE0D933-490C-4D59-81C6-F0A88F733410}" presName="compNode" presStyleCnt="0"/>
+      <dgm:spPr/>
+    </dgm:pt>
+    <dgm:pt modelId="{0152C69B-CB95-4C4D-AF19-74D5089E4915}" type="pres">
+      <dgm:prSet presAssocID="{7BE0D933-490C-4D59-81C6-F0A88F733410}" presName="bgRect" presStyleLbl="bgShp" presStyleIdx="4" presStyleCnt="5"/>
+      <dgm:spPr/>
+    </dgm:pt>
+    <dgm:pt modelId="{24C1DB9B-05FA-4EC7-9E35-8CCFA1DD2D01}" type="pres">
+      <dgm:prSet presAssocID="{7BE0D933-490C-4D59-81C6-F0A88F733410}" presName="iconRect" presStyleLbl="node1" presStyleIdx="4" presStyleCnt="5"/>
+      <dgm:spPr>
+        <a:blipFill>
+          <a:blip xmlns:r="http://schemas.openxmlformats.org/officeDocument/2006/relationships" r:embed="rId9">
+            <a:extLst>
+              <a:ext uri="{28A0092B-C50C-407E-A947-70E740481C1C}">
+                <a14:useLocalDpi xmlns:a14="http://schemas.microsoft.com/office/drawing/2010/main" val="0"/>
+              </a:ext>
+              <a:ext uri="{96DAC541-7B7A-43D3-8B79-37D633B846F1}">
+                <asvg:svgBlip xmlns:asvg="http://schemas.microsoft.com/office/drawing/2016/SVG/main" r:embed="rId10"/>
+              </a:ext>
+            </a:extLst>
+          </a:blip>
+          <a:stretch>
+            <a:fillRect/>
+          </a:stretch>
+        </a:blipFill>
+        <a:ln>
+          <a:noFill/>
+        </a:ln>
+      </dgm:spPr>
+      <dgm:extLst>
+        <a:ext uri="{E40237B7-FDA0-4F09-8148-C483321AD2D9}">
+          <dgm14:cNvPr xmlns:dgm14="http://schemas.microsoft.com/office/drawing/2010/diagram" id="0" name="" descr="Deploy"/>
+        </a:ext>
+      </dgm:extLst>
+    </dgm:pt>
+    <dgm:pt modelId="{2BF4A8AC-D866-4899-9CF4-311451355F9B}" type="pres">
+      <dgm:prSet presAssocID="{7BE0D933-490C-4D59-81C6-F0A88F733410}" presName="spaceRect" presStyleCnt="0"/>
+      <dgm:spPr/>
+    </dgm:pt>
+    <dgm:pt modelId="{A73BAE76-BC20-4476-9174-D68D4BE0C55D}" type="pres">
+      <dgm:prSet presAssocID="{7BE0D933-490C-4D59-81C6-F0A88F733410}" presName="parTx" presStyleLbl="revTx" presStyleIdx="4" presStyleCnt="5">
+        <dgm:presLayoutVars>
+          <dgm:chMax val="0"/>
+          <dgm:chPref val="0"/>
+        </dgm:presLayoutVars>
+      </dgm:prSet>
+      <dgm:spPr/>
+    </dgm:pt>
+  </dgm:ptLst>
+  <dgm:cxnLst>
+    <dgm:cxn modelId="{056F8201-E602-4748-9130-082F9BE39012}" type="presOf" srcId="{0B8B54C6-E7D0-4816-8E1C-52E88BB8A756}" destId="{A0AECD04-79B5-4E8E-A504-B941AF4A4333}" srcOrd="0" destOrd="0" presId="urn:microsoft.com/office/officeart/2018/2/layout/IconVerticalSolidList"/>
+    <dgm:cxn modelId="{6D380F21-95DD-4121-B717-93FAB11CC976}" type="presOf" srcId="{9E4BD2CD-3855-44AA-8262-EC4F3896E322}" destId="{E97B8C3C-397E-41F1-8C0C-03FC9B7DEA17}" srcOrd="0" destOrd="0" presId="urn:microsoft.com/office/officeart/2018/2/layout/IconVerticalSolidList"/>
+    <dgm:cxn modelId="{54470423-B25F-4954-919C-EB1CA1FF5BFE}" type="presOf" srcId="{8260FFF6-B8F7-49A0-8A10-EAC21056FC9C}" destId="{6564E6AA-60EC-4BC6-8120-A6B34E5A4BB6}" srcOrd="0" destOrd="0" presId="urn:microsoft.com/office/officeart/2018/2/layout/IconVerticalSolidList"/>
+    <dgm:cxn modelId="{D7D23D25-A710-4262-807E-0D92124741DA}" srcId="{8260FFF6-B8F7-49A0-8A10-EAC21056FC9C}" destId="{9E4BD2CD-3855-44AA-8262-EC4F3896E322}" srcOrd="0" destOrd="0" parTransId="{2CE589F7-1648-404C-BE20-9A61442C5797}" sibTransId="{4139CAD0-EF57-4C83-9E8B-DB24C6B0F1AE}"/>
+    <dgm:cxn modelId="{AA436A4C-4CF8-45C5-BDD2-3D57CE2AEF28}" type="presOf" srcId="{9556DE77-6523-447C-82F9-637739EFA175}" destId="{83963EB8-3A6D-4304-B0B8-552F661E7599}" srcOrd="0" destOrd="0" presId="urn:microsoft.com/office/officeart/2018/2/layout/IconVerticalSolidList"/>
+    <dgm:cxn modelId="{AA9CE16F-C290-4FE6-B6E9-1040CB0F72E9}" srcId="{8260FFF6-B8F7-49A0-8A10-EAC21056FC9C}" destId="{9556DE77-6523-447C-82F9-637739EFA175}" srcOrd="2" destOrd="0" parTransId="{F4548DC9-1780-4136-A1B7-CB04000DC50A}" sibTransId="{317B72AE-A9D5-42CF-AB45-E1F9718D79BB}"/>
+    <dgm:cxn modelId="{1EAD3652-52C4-4910-9716-3B700B98AC05}" type="presOf" srcId="{7BE0D933-490C-4D59-81C6-F0A88F733410}" destId="{A73BAE76-BC20-4476-9174-D68D4BE0C55D}" srcOrd="0" destOrd="0" presId="urn:microsoft.com/office/officeart/2018/2/layout/IconVerticalSolidList"/>
+    <dgm:cxn modelId="{AE217D7C-C727-4520-B313-1C181341F5F0}" srcId="{8260FFF6-B8F7-49A0-8A10-EAC21056FC9C}" destId="{7BE0D933-490C-4D59-81C6-F0A88F733410}" srcOrd="4" destOrd="0" parTransId="{BE4A08CA-46B1-4A0B-AEC5-B6295D860D0D}" sibTransId="{1470C28C-FE74-45BD-8AE3-7DC2AA92B834}"/>
+    <dgm:cxn modelId="{D5A8C2C0-37DD-4F1A-81D7-34ACFA671745}" type="presOf" srcId="{FE1DBC44-6D34-477E-8307-EFD53BD74EA7}" destId="{6232115F-9AA5-488C-AC69-5ED7377A1338}" srcOrd="0" destOrd="0" presId="urn:microsoft.com/office/officeart/2018/2/layout/IconVerticalSolidList"/>
+    <dgm:cxn modelId="{73BCCFC3-8976-4595-9A9E-BC4559827AF0}" srcId="{8260FFF6-B8F7-49A0-8A10-EAC21056FC9C}" destId="{0B8B54C6-E7D0-4816-8E1C-52E88BB8A756}" srcOrd="1" destOrd="0" parTransId="{17D9746A-C899-4CC7-A724-B2CEE19B3DA9}" sibTransId="{29E0E6EB-BACA-4C3C-BD15-6024A9F00F46}"/>
+    <dgm:cxn modelId="{A7AA69D7-04F5-4740-949C-450B771C905C}" srcId="{8260FFF6-B8F7-49A0-8A10-EAC21056FC9C}" destId="{FE1DBC44-6D34-477E-8307-EFD53BD74EA7}" srcOrd="3" destOrd="0" parTransId="{3683FF7E-810D-4595-B247-C211483F4CF2}" sibTransId="{BB5F36AD-1C6A-4080-85E0-16787D5E3347}"/>
+    <dgm:cxn modelId="{193CBE69-01D6-4922-97D7-6CA6C1B4668D}" type="presParOf" srcId="{6564E6AA-60EC-4BC6-8120-A6B34E5A4BB6}" destId="{A75DB5E7-F489-43AF-94B7-9BA58594F098}" srcOrd="0" destOrd="0" presId="urn:microsoft.com/office/officeart/2018/2/layout/IconVerticalSolidList"/>
+    <dgm:cxn modelId="{085B46A1-CD71-464F-8CF8-38C54E3553B6}" type="presParOf" srcId="{A75DB5E7-F489-43AF-94B7-9BA58594F098}" destId="{7899D776-A8BA-4F83-954D-0DAFA7A6A9AB}" srcOrd="0" destOrd="0" presId="urn:microsoft.com/office/officeart/2018/2/layout/IconVerticalSolidList"/>
+    <dgm:cxn modelId="{F44CE1B9-6777-4974-A8E0-CBEC256A4ED8}" type="presParOf" srcId="{A75DB5E7-F489-43AF-94B7-9BA58594F098}" destId="{D9A771D7-CB22-462E-9209-D7F5713E08C7}" srcOrd="1" destOrd="0" presId="urn:microsoft.com/office/officeart/2018/2/layout/IconVerticalSolidList"/>
+    <dgm:cxn modelId="{D5B893F2-26E3-478A-BA74-00A7C37C1B37}" type="presParOf" srcId="{A75DB5E7-F489-43AF-94B7-9BA58594F098}" destId="{6B9134B6-1568-4720-9E36-13663C364543}" srcOrd="2" destOrd="0" presId="urn:microsoft.com/office/officeart/2018/2/layout/IconVerticalSolidList"/>
+    <dgm:cxn modelId="{CC7335D7-C793-45F4-A7B1-DD3E4C630832}" type="presParOf" srcId="{A75DB5E7-F489-43AF-94B7-9BA58594F098}" destId="{E97B8C3C-397E-41F1-8C0C-03FC9B7DEA17}" srcOrd="3" destOrd="0" presId="urn:microsoft.com/office/officeart/2018/2/layout/IconVerticalSolidList"/>
+    <dgm:cxn modelId="{9F123B85-7C34-492D-8BFD-6BA90C43C60D}" type="presParOf" srcId="{6564E6AA-60EC-4BC6-8120-A6B34E5A4BB6}" destId="{5687413E-D026-43D7-ABCF-3A7F3C8B73BE}" srcOrd="1" destOrd="0" presId="urn:microsoft.com/office/officeart/2018/2/layout/IconVerticalSolidList"/>
+    <dgm:cxn modelId="{66FDDC9A-44F0-436B-B09D-5D834F1E59D7}" type="presParOf" srcId="{6564E6AA-60EC-4BC6-8120-A6B34E5A4BB6}" destId="{3DD0B92A-1473-4274-968C-20310C920E24}" srcOrd="2" destOrd="0" presId="urn:microsoft.com/office/officeart/2018/2/layout/IconVerticalSolidList"/>
+    <dgm:cxn modelId="{20608632-2A33-4318-833A-FBAF1535E2AA}" type="presParOf" srcId="{3DD0B92A-1473-4274-968C-20310C920E24}" destId="{04FCB632-B376-4CF6-B034-E2233A40F317}" srcOrd="0" destOrd="0" presId="urn:microsoft.com/office/officeart/2018/2/layout/IconVerticalSolidList"/>
+    <dgm:cxn modelId="{92984FD2-CED0-469D-808D-53F76905C5E9}" type="presParOf" srcId="{3DD0B92A-1473-4274-968C-20310C920E24}" destId="{EDB0E0FD-0776-4396-B337-614EC17D7EE3}" srcOrd="1" destOrd="0" presId="urn:microsoft.com/office/officeart/2018/2/layout/IconVerticalSolidList"/>
+    <dgm:cxn modelId="{AD8DF7E0-D839-4DA2-A79E-E410D84FFA16}" type="presParOf" srcId="{3DD0B92A-1473-4274-968C-20310C920E24}" destId="{F699D5FA-3D9A-49E4-B99A-8C295F9ED7DC}" srcOrd="2" destOrd="0" presId="urn:microsoft.com/office/officeart/2018/2/layout/IconVerticalSolidList"/>
+    <dgm:cxn modelId="{3BD405FD-21E3-4BD3-BD98-B00594FDDA5B}" type="presParOf" srcId="{3DD0B92A-1473-4274-968C-20310C920E24}" destId="{A0AECD04-79B5-4E8E-A504-B941AF4A4333}" srcOrd="3" destOrd="0" presId="urn:microsoft.com/office/officeart/2018/2/layout/IconVerticalSolidList"/>
+    <dgm:cxn modelId="{CE048C1C-006A-4484-BF19-9AEB2247ADC4}" type="presParOf" srcId="{6564E6AA-60EC-4BC6-8120-A6B34E5A4BB6}" destId="{F7CEA067-3ACE-4978-BBBC-3E4131261B3D}" srcOrd="3" destOrd="0" presId="urn:microsoft.com/office/officeart/2018/2/layout/IconVerticalSolidList"/>
+    <dgm:cxn modelId="{D9CC2714-C89F-48BD-A198-453D53C09662}" type="presParOf" srcId="{6564E6AA-60EC-4BC6-8120-A6B34E5A4BB6}" destId="{11E73084-380D-425A-994E-081C9B5D251A}" srcOrd="4" destOrd="0" presId="urn:microsoft.com/office/officeart/2018/2/layout/IconVerticalSolidList"/>
+    <dgm:cxn modelId="{31926D0D-E956-4F7E-8A0F-EEED7933A3FE}" type="presParOf" srcId="{11E73084-380D-425A-994E-081C9B5D251A}" destId="{1D859763-4F3D-429E-9E6C-A4FAE85EAA5F}" srcOrd="0" destOrd="0" presId="urn:microsoft.com/office/officeart/2018/2/layout/IconVerticalSolidList"/>
+    <dgm:cxn modelId="{A6F4DC58-2A94-489D-9551-90575A4EF511}" type="presParOf" srcId="{11E73084-380D-425A-994E-081C9B5D251A}" destId="{27C160D5-2FB6-4AE8-B25C-7553094F38CD}" srcOrd="1" destOrd="0" presId="urn:microsoft.com/office/officeart/2018/2/layout/IconVerticalSolidList"/>
+    <dgm:cxn modelId="{9A4E498E-2033-4A97-8CE3-8DFB27F28C5F}" type="presParOf" srcId="{11E73084-380D-425A-994E-081C9B5D251A}" destId="{DA3A62C5-6236-4961-AF27-B3F628DEECDD}" srcOrd="2" destOrd="0" presId="urn:microsoft.com/office/officeart/2018/2/layout/IconVerticalSolidList"/>
+    <dgm:cxn modelId="{FDE39EA9-F06E-4D21-AB41-12FC07FBCDF9}" type="presParOf" srcId="{11E73084-380D-425A-994E-081C9B5D251A}" destId="{83963EB8-3A6D-4304-B0B8-552F661E7599}" srcOrd="3" destOrd="0" presId="urn:microsoft.com/office/officeart/2018/2/layout/IconVerticalSolidList"/>
+    <dgm:cxn modelId="{BBBCA756-AC0C-47BC-AEC4-725BBE055F1E}" type="presParOf" srcId="{6564E6AA-60EC-4BC6-8120-A6B34E5A4BB6}" destId="{621ED166-FF24-4746-9DF3-09AF1F270B8F}" srcOrd="5" destOrd="0" presId="urn:microsoft.com/office/officeart/2018/2/layout/IconVerticalSolidList"/>
+    <dgm:cxn modelId="{1A2F5085-6D1C-4014-BE39-5AF315C3E3A9}" type="presParOf" srcId="{6564E6AA-60EC-4BC6-8120-A6B34E5A4BB6}" destId="{D9ED75CF-0003-4487-8EBD-9855EDCAD02C}" srcOrd="6" destOrd="0" presId="urn:microsoft.com/office/officeart/2018/2/layout/IconVerticalSolidList"/>
+    <dgm:cxn modelId="{4D206E2C-D81E-4D1E-B8AE-AA6424D789EC}" type="presParOf" srcId="{D9ED75CF-0003-4487-8EBD-9855EDCAD02C}" destId="{7BA6743A-BAE9-4E42-BD1F-999200E8B335}" srcOrd="0" destOrd="0" presId="urn:microsoft.com/office/officeart/2018/2/layout/IconVerticalSolidList"/>
+    <dgm:cxn modelId="{440CFC92-35B5-42C2-B248-EE2C59DCA27B}" type="presParOf" srcId="{D9ED75CF-0003-4487-8EBD-9855EDCAD02C}" destId="{C7F766A5-82E8-48BA-BA11-1A4B5CFA454A}" srcOrd="1" destOrd="0" presId="urn:microsoft.com/office/officeart/2018/2/layout/IconVerticalSolidList"/>
+    <dgm:cxn modelId="{B7BC8E36-7B5C-4B90-AAA5-225B9A86ED25}" type="presParOf" srcId="{D9ED75CF-0003-4487-8EBD-9855EDCAD02C}" destId="{685E78EB-E1CD-4E9D-8645-9D0694C23391}" srcOrd="2" destOrd="0" presId="urn:microsoft.com/office/officeart/2018/2/layout/IconVerticalSolidList"/>
+    <dgm:cxn modelId="{65C526C7-A150-4978-A530-4A8F856C8854}" type="presParOf" srcId="{D9ED75CF-0003-4487-8EBD-9855EDCAD02C}" destId="{6232115F-9AA5-488C-AC69-5ED7377A1338}" srcOrd="3" destOrd="0" presId="urn:microsoft.com/office/officeart/2018/2/layout/IconVerticalSolidList"/>
+    <dgm:cxn modelId="{B2E2676A-00E0-47C0-8604-98C56E932000}" type="presParOf" srcId="{6564E6AA-60EC-4BC6-8120-A6B34E5A4BB6}" destId="{B1E0E5A2-A42B-4F52-82C3-8380155665B0}" srcOrd="7" destOrd="0" presId="urn:microsoft.com/office/officeart/2018/2/layout/IconVerticalSolidList"/>
+    <dgm:cxn modelId="{B5020D9A-71FC-46D9-9FFA-44B227201C0D}" type="presParOf" srcId="{6564E6AA-60EC-4BC6-8120-A6B34E5A4BB6}" destId="{30757B57-3CE3-4C0F-A926-E3D46C0C2815}" srcOrd="8" destOrd="0" presId="urn:microsoft.com/office/officeart/2018/2/layout/IconVerticalSolidList"/>
+    <dgm:cxn modelId="{313C1C64-DF5E-4BBB-AEC2-07699EBA9C6D}" type="presParOf" srcId="{30757B57-3CE3-4C0F-A926-E3D46C0C2815}" destId="{0152C69B-CB95-4C4D-AF19-74D5089E4915}" srcOrd="0" destOrd="0" presId="urn:microsoft.com/office/officeart/2018/2/layout/IconVerticalSolidList"/>
+    <dgm:cxn modelId="{E0627A2C-59A1-4E48-BD44-DA131BF66DC3}" type="presParOf" srcId="{30757B57-3CE3-4C0F-A926-E3D46C0C2815}" destId="{24C1DB9B-05FA-4EC7-9E35-8CCFA1DD2D01}" srcOrd="1" destOrd="0" presId="urn:microsoft.com/office/officeart/2018/2/layout/IconVerticalSolidList"/>
+    <dgm:cxn modelId="{B82763F9-DC1E-4664-9958-32D39C64CE88}" type="presParOf" srcId="{30757B57-3CE3-4C0F-A926-E3D46C0C2815}" destId="{2BF4A8AC-D866-4899-9CF4-311451355F9B}" srcOrd="2" destOrd="0" presId="urn:microsoft.com/office/officeart/2018/2/layout/IconVerticalSolidList"/>
+    <dgm:cxn modelId="{998FDEBE-A53C-4B14-BB39-C71D8221803B}" type="presParOf" srcId="{30757B57-3CE3-4C0F-A926-E3D46C0C2815}" destId="{A73BAE76-BC20-4476-9174-D68D4BE0C55D}" srcOrd="3" destOrd="0" presId="urn:microsoft.com/office/officeart/2018/2/layout/IconVerticalSolidList"/>
+  </dgm:cxnLst>
+  <dgm:bg/>
+  <dgm:whole/>
+  <dgm:extLst>
+    <a:ext uri="http://schemas.microsoft.com/office/drawing/2008/diagram">
+      <dsp:dataModelExt xmlns:dsp="http://schemas.microsoft.com/office/drawing/2008/diagram" relId="rId6" minVer="http://schemas.openxmlformats.org/drawingml/2006/diagram"/>
+    </a:ext>
+  </dgm:extLst>
+</dgm:dataModel>
+</file>
+
+<file path=ppt/diagrams/data2.xml><?xml version="1.0" encoding="utf-8"?>
+<dgm:dataModel xmlns:dgm="http://schemas.openxmlformats.org/drawingml/2006/diagram" xmlns:a="http://schemas.openxmlformats.org/drawingml/2006/main">
+  <dgm:ptLst>
+    <dgm:pt modelId="{775D6C0E-4146-46CB-8ACE-406206278532}" type="doc">
+      <dgm:prSet loTypeId="urn:microsoft.com/office/officeart/2018/5/layout/IconLeafLabelList" loCatId="icon" qsTypeId="urn:microsoft.com/office/officeart/2005/8/quickstyle/simple1" qsCatId="simple" csTypeId="urn:microsoft.com/office/officeart/2018/5/colors/Iconchunking_neutralicon_colorful1" csCatId="colorful" phldr="1"/>
+      <dgm:spPr/>
+      <dgm:t>
+        <a:bodyPr/>
+        <a:lstStyle/>
+        <a:p>
+          <a:endParaRPr lang="en-US"/>
+        </a:p>
+      </dgm:t>
+    </dgm:pt>
+    <dgm:pt modelId="{456B3AAF-47E7-4C7F-9CDD-1D962C820E8D}">
+      <dgm:prSet/>
+      <dgm:spPr/>
+      <dgm:t>
+        <a:bodyPr/>
+        <a:lstStyle/>
+        <a:p>
+          <a:pPr>
+            <a:lnSpc>
+              <a:spcPct val="100000"/>
+            </a:lnSpc>
+            <a:defRPr cap="all"/>
+          </a:pPr>
+          <a:r>
+            <a:rPr lang="en-US"/>
+            <a:t>Under $250,000</a:t>
+          </a:r>
+        </a:p>
+      </dgm:t>
+    </dgm:pt>
+    <dgm:pt modelId="{96C0D76C-6AC6-4324-9E70-62204270D5E0}" type="parTrans" cxnId="{0FE52990-8853-4C4D-AFF6-E228020309F2}">
+      <dgm:prSet/>
+      <dgm:spPr/>
+      <dgm:t>
+        <a:bodyPr/>
+        <a:lstStyle/>
+        <a:p>
+          <a:endParaRPr lang="en-US"/>
+        </a:p>
+      </dgm:t>
+    </dgm:pt>
+    <dgm:pt modelId="{B3D82D59-5472-4517-8C30-BE34EDF43F95}" type="sibTrans" cxnId="{0FE52990-8853-4C4D-AFF6-E228020309F2}">
+      <dgm:prSet/>
+      <dgm:spPr/>
+      <dgm:t>
+        <a:bodyPr/>
+        <a:lstStyle/>
+        <a:p>
+          <a:endParaRPr lang="en-US"/>
+        </a:p>
+      </dgm:t>
+    </dgm:pt>
+    <dgm:pt modelId="{043BADB6-82A6-4156-A6F3-58F4907B7DF4}">
+      <dgm:prSet/>
+      <dgm:spPr/>
+      <dgm:t>
+        <a:bodyPr/>
+        <a:lstStyle/>
+        <a:p>
+          <a:pPr>
+            <a:lnSpc>
+              <a:spcPct val="100000"/>
+            </a:lnSpc>
+            <a:defRPr cap="all"/>
+          </a:pPr>
+          <a:r>
+            <a:rPr lang="en-US"/>
+            <a:t>3 months</a:t>
+          </a:r>
+        </a:p>
+      </dgm:t>
+    </dgm:pt>
+    <dgm:pt modelId="{252E91BE-791C-444D-991E-F836C06AC8AB}" type="parTrans" cxnId="{32832561-339B-4240-98F7-2088F59DD5A1}">
+      <dgm:prSet/>
+      <dgm:spPr/>
+      <dgm:t>
+        <a:bodyPr/>
+        <a:lstStyle/>
+        <a:p>
+          <a:endParaRPr lang="en-US"/>
+        </a:p>
+      </dgm:t>
+    </dgm:pt>
+    <dgm:pt modelId="{7A422DD1-E8B0-42C9-B04A-D9975A815164}" type="sibTrans" cxnId="{32832561-339B-4240-98F7-2088F59DD5A1}">
+      <dgm:prSet/>
+      <dgm:spPr/>
+      <dgm:t>
+        <a:bodyPr/>
+        <a:lstStyle/>
+        <a:p>
+          <a:endParaRPr lang="en-US"/>
+        </a:p>
+      </dgm:t>
+    </dgm:pt>
+    <dgm:pt modelId="{273D450B-D090-4156-A037-693938497D9F}" type="pres">
+      <dgm:prSet presAssocID="{775D6C0E-4146-46CB-8ACE-406206278532}" presName="root" presStyleCnt="0">
+        <dgm:presLayoutVars>
+          <dgm:dir/>
+          <dgm:resizeHandles val="exact"/>
+        </dgm:presLayoutVars>
+      </dgm:prSet>
+      <dgm:spPr/>
+    </dgm:pt>
+    <dgm:pt modelId="{95A5CC68-D7C4-40B0-9552-7B6767D13EF6}" type="pres">
+      <dgm:prSet presAssocID="{456B3AAF-47E7-4C7F-9CDD-1D962C820E8D}" presName="compNode" presStyleCnt="0"/>
+      <dgm:spPr/>
+    </dgm:pt>
+    <dgm:pt modelId="{52228C79-4F7A-4DE8-8C6E-2B78C8E644A9}" type="pres">
+      <dgm:prSet presAssocID="{456B3AAF-47E7-4C7F-9CDD-1D962C820E8D}" presName="iconBgRect" presStyleLbl="bgShp" presStyleIdx="0" presStyleCnt="2"/>
+      <dgm:spPr>
+        <a:prstGeom prst="round2DiagRect">
+          <a:avLst>
+            <a:gd name="adj1" fmla="val 29727"/>
+            <a:gd name="adj2" fmla="val 0"/>
+          </a:avLst>
+        </a:prstGeom>
+      </dgm:spPr>
+    </dgm:pt>
+    <dgm:pt modelId="{27D3CD17-DE27-4109-89C3-A85C99BA8913}" type="pres">
+      <dgm:prSet presAssocID="{456B3AAF-47E7-4C7F-9CDD-1D962C820E8D}" presName="iconRect" presStyleLbl="node1" presStyleIdx="0" presStyleCnt="2"/>
+      <dgm:spPr>
+        <a:blipFill>
+          <a:blip xmlns:r="http://schemas.openxmlformats.org/officeDocument/2006/relationships" r:embed="rId1">
+            <a:extLst>
+              <a:ext uri="{28A0092B-C50C-407E-A947-70E740481C1C}">
+                <a14:useLocalDpi xmlns:a14="http://schemas.microsoft.com/office/drawing/2010/main" val="0"/>
+              </a:ext>
+              <a:ext uri="{96DAC541-7B7A-43D3-8B79-37D633B846F1}">
+                <asvg:svgBlip xmlns:asvg="http://schemas.microsoft.com/office/drawing/2016/SVG/main" r:embed="rId2"/>
+              </a:ext>
+            </a:extLst>
+          </a:blip>
+          <a:stretch>
+            <a:fillRect/>
+          </a:stretch>
+        </a:blipFill>
+        <a:ln>
+          <a:noFill/>
+        </a:ln>
+      </dgm:spPr>
+      <dgm:extLst>
+        <a:ext uri="{E40237B7-FDA0-4F09-8148-C483321AD2D9}">
+          <dgm14:cNvPr xmlns:dgm14="http://schemas.microsoft.com/office/drawing/2010/diagram" id="0" name="" descr="Money"/>
+        </a:ext>
+      </dgm:extLst>
+    </dgm:pt>
+    <dgm:pt modelId="{9A3A4BD3-DF13-454A-A459-9F1C64DFD8D2}" type="pres">
+      <dgm:prSet presAssocID="{456B3AAF-47E7-4C7F-9CDD-1D962C820E8D}" presName="spaceRect" presStyleCnt="0"/>
+      <dgm:spPr/>
+    </dgm:pt>
+    <dgm:pt modelId="{BD433759-292A-4411-B68F-7F27484C28C2}" type="pres">
+      <dgm:prSet presAssocID="{456B3AAF-47E7-4C7F-9CDD-1D962C820E8D}" presName="textRect" presStyleLbl="revTx" presStyleIdx="0" presStyleCnt="2">
+        <dgm:presLayoutVars>
+          <dgm:chMax val="1"/>
+          <dgm:chPref val="1"/>
+        </dgm:presLayoutVars>
+      </dgm:prSet>
+      <dgm:spPr/>
+    </dgm:pt>
+    <dgm:pt modelId="{7B40D692-1166-42FC-BB02-A276140BC0F9}" type="pres">
+      <dgm:prSet presAssocID="{B3D82D59-5472-4517-8C30-BE34EDF43F95}" presName="sibTrans" presStyleCnt="0"/>
+      <dgm:spPr/>
+    </dgm:pt>
+    <dgm:pt modelId="{8D9A024C-FE97-4BC2-87C3-0D80D3B75198}" type="pres">
+      <dgm:prSet presAssocID="{043BADB6-82A6-4156-A6F3-58F4907B7DF4}" presName="compNode" presStyleCnt="0"/>
+      <dgm:spPr/>
+    </dgm:pt>
+    <dgm:pt modelId="{AF8AB527-2BDB-428D-9C4C-31EF00AD2ACE}" type="pres">
+      <dgm:prSet presAssocID="{043BADB6-82A6-4156-A6F3-58F4907B7DF4}" presName="iconBgRect" presStyleLbl="bgShp" presStyleIdx="1" presStyleCnt="2"/>
+      <dgm:spPr>
+        <a:prstGeom prst="round2DiagRect">
+          <a:avLst>
+            <a:gd name="adj1" fmla="val 29727"/>
+            <a:gd name="adj2" fmla="val 0"/>
+          </a:avLst>
+        </a:prstGeom>
+      </dgm:spPr>
+    </dgm:pt>
+    <dgm:pt modelId="{536673CC-BB44-4DFE-9749-3BE2D1FC2C28}" type="pres">
+      <dgm:prSet presAssocID="{043BADB6-82A6-4156-A6F3-58F4907B7DF4}" presName="iconRect" presStyleLbl="node1" presStyleIdx="1" presStyleCnt="2"/>
+      <dgm:spPr>
+        <a:blipFill>
+          <a:blip xmlns:r="http://schemas.openxmlformats.org/officeDocument/2006/relationships" r:embed="rId3">
+            <a:extLst>
+              <a:ext uri="{28A0092B-C50C-407E-A947-70E740481C1C}">
+                <a14:useLocalDpi xmlns:a14="http://schemas.microsoft.com/office/drawing/2010/main" val="0"/>
+              </a:ext>
+              <a:ext uri="{96DAC541-7B7A-43D3-8B79-37D633B846F1}">
+                <asvg:svgBlip xmlns:asvg="http://schemas.microsoft.com/office/drawing/2016/SVG/main" r:embed="rId4"/>
+              </a:ext>
+            </a:extLst>
+          </a:blip>
+          <a:stretch>
+            <a:fillRect/>
+          </a:stretch>
+        </a:blipFill>
+        <a:ln>
+          <a:noFill/>
+        </a:ln>
+      </dgm:spPr>
+      <dgm:extLst>
+        <a:ext uri="{E40237B7-FDA0-4F09-8148-C483321AD2D9}">
+          <dgm14:cNvPr xmlns:dgm14="http://schemas.microsoft.com/office/drawing/2010/diagram" id="0" name="" descr="Stopwatch"/>
+        </a:ext>
+      </dgm:extLst>
+    </dgm:pt>
+    <dgm:pt modelId="{0ED6CF9C-3EEB-40E9-9E5A-2CAB76477E83}" type="pres">
+      <dgm:prSet presAssocID="{043BADB6-82A6-4156-A6F3-58F4907B7DF4}" presName="spaceRect" presStyleCnt="0"/>
+      <dgm:spPr/>
+    </dgm:pt>
+    <dgm:pt modelId="{A2998AF6-EA69-4345-B8A2-050A64CD2AF9}" type="pres">
+      <dgm:prSet presAssocID="{043BADB6-82A6-4156-A6F3-58F4907B7DF4}" presName="textRect" presStyleLbl="revTx" presStyleIdx="1" presStyleCnt="2">
+        <dgm:presLayoutVars>
+          <dgm:chMax val="1"/>
+          <dgm:chPref val="1"/>
+        </dgm:presLayoutVars>
+      </dgm:prSet>
+      <dgm:spPr/>
+    </dgm:pt>
+  </dgm:ptLst>
+  <dgm:cxnLst>
+    <dgm:cxn modelId="{72C33301-5BC4-40F5-9272-C07DF3A6114B}" type="presOf" srcId="{775D6C0E-4146-46CB-8ACE-406206278532}" destId="{273D450B-D090-4156-A037-693938497D9F}" srcOrd="0" destOrd="0" presId="urn:microsoft.com/office/officeart/2018/5/layout/IconLeafLabelList"/>
+    <dgm:cxn modelId="{32832561-339B-4240-98F7-2088F59DD5A1}" srcId="{775D6C0E-4146-46CB-8ACE-406206278532}" destId="{043BADB6-82A6-4156-A6F3-58F4907B7DF4}" srcOrd="1" destOrd="0" parTransId="{252E91BE-791C-444D-991E-F836C06AC8AB}" sibTransId="{7A422DD1-E8B0-42C9-B04A-D9975A815164}"/>
+    <dgm:cxn modelId="{0FE52990-8853-4C4D-AFF6-E228020309F2}" srcId="{775D6C0E-4146-46CB-8ACE-406206278532}" destId="{456B3AAF-47E7-4C7F-9CDD-1D962C820E8D}" srcOrd="0" destOrd="0" parTransId="{96C0D76C-6AC6-4324-9E70-62204270D5E0}" sibTransId="{B3D82D59-5472-4517-8C30-BE34EDF43F95}"/>
+    <dgm:cxn modelId="{1CC124B7-8B11-4501-B76B-4766E016E48D}" type="presOf" srcId="{456B3AAF-47E7-4C7F-9CDD-1D962C820E8D}" destId="{BD433759-292A-4411-B68F-7F27484C28C2}" srcOrd="0" destOrd="0" presId="urn:microsoft.com/office/officeart/2018/5/layout/IconLeafLabelList"/>
+    <dgm:cxn modelId="{9A64D4E1-598A-4B8B-8998-BDD91ACADE22}" type="presOf" srcId="{043BADB6-82A6-4156-A6F3-58F4907B7DF4}" destId="{A2998AF6-EA69-4345-B8A2-050A64CD2AF9}" srcOrd="0" destOrd="0" presId="urn:microsoft.com/office/officeart/2018/5/layout/IconLeafLabelList"/>
+    <dgm:cxn modelId="{0EF11C50-50CE-4BE5-BBB4-DF64156728BB}" type="presParOf" srcId="{273D450B-D090-4156-A037-693938497D9F}" destId="{95A5CC68-D7C4-40B0-9552-7B6767D13EF6}" srcOrd="0" destOrd="0" presId="urn:microsoft.com/office/officeart/2018/5/layout/IconLeafLabelList"/>
+    <dgm:cxn modelId="{AC593640-F079-4985-B7A1-EEB853E14969}" type="presParOf" srcId="{95A5CC68-D7C4-40B0-9552-7B6767D13EF6}" destId="{52228C79-4F7A-4DE8-8C6E-2B78C8E644A9}" srcOrd="0" destOrd="0" presId="urn:microsoft.com/office/officeart/2018/5/layout/IconLeafLabelList"/>
+    <dgm:cxn modelId="{CF63D1EB-B0C6-454C-BC4A-6595FE6FF9EC}" type="presParOf" srcId="{95A5CC68-D7C4-40B0-9552-7B6767D13EF6}" destId="{27D3CD17-DE27-4109-89C3-A85C99BA8913}" srcOrd="1" destOrd="0" presId="urn:microsoft.com/office/officeart/2018/5/layout/IconLeafLabelList"/>
+    <dgm:cxn modelId="{37F941A2-BF00-42F1-B6EB-AB9128FD009E}" type="presParOf" srcId="{95A5CC68-D7C4-40B0-9552-7B6767D13EF6}" destId="{9A3A4BD3-DF13-454A-A459-9F1C64DFD8D2}" srcOrd="2" destOrd="0" presId="urn:microsoft.com/office/officeart/2018/5/layout/IconLeafLabelList"/>
+    <dgm:cxn modelId="{D57569AA-8724-472B-885C-40D74377161D}" type="presParOf" srcId="{95A5CC68-D7C4-40B0-9552-7B6767D13EF6}" destId="{BD433759-292A-4411-B68F-7F27484C28C2}" srcOrd="3" destOrd="0" presId="urn:microsoft.com/office/officeart/2018/5/layout/IconLeafLabelList"/>
+    <dgm:cxn modelId="{DEB06A1B-9E8B-4C03-83D5-BEA8AC7E0072}" type="presParOf" srcId="{273D450B-D090-4156-A037-693938497D9F}" destId="{7B40D692-1166-42FC-BB02-A276140BC0F9}" srcOrd="1" destOrd="0" presId="urn:microsoft.com/office/officeart/2018/5/layout/IconLeafLabelList"/>
+    <dgm:cxn modelId="{5D985B59-2DE0-4A49-850A-6E4193A25B1A}" type="presParOf" srcId="{273D450B-D090-4156-A037-693938497D9F}" destId="{8D9A024C-FE97-4BC2-87C3-0D80D3B75198}" srcOrd="2" destOrd="0" presId="urn:microsoft.com/office/officeart/2018/5/layout/IconLeafLabelList"/>
+    <dgm:cxn modelId="{EA5092B6-8DC8-4D67-8F47-8404D02CA9D4}" type="presParOf" srcId="{8D9A024C-FE97-4BC2-87C3-0D80D3B75198}" destId="{AF8AB527-2BDB-428D-9C4C-31EF00AD2ACE}" srcOrd="0" destOrd="0" presId="urn:microsoft.com/office/officeart/2018/5/layout/IconLeafLabelList"/>
+    <dgm:cxn modelId="{38A83561-8EFF-4683-9B23-8DDF735019E4}" type="presParOf" srcId="{8D9A024C-FE97-4BC2-87C3-0D80D3B75198}" destId="{536673CC-BB44-4DFE-9749-3BE2D1FC2C28}" srcOrd="1" destOrd="0" presId="urn:microsoft.com/office/officeart/2018/5/layout/IconLeafLabelList"/>
+    <dgm:cxn modelId="{EAF1D91C-E0AF-49B9-AA29-22344D301001}" type="presParOf" srcId="{8D9A024C-FE97-4BC2-87C3-0D80D3B75198}" destId="{0ED6CF9C-3EEB-40E9-9E5A-2CAB76477E83}" srcOrd="2" destOrd="0" presId="urn:microsoft.com/office/officeart/2018/5/layout/IconLeafLabelList"/>
+    <dgm:cxn modelId="{44B42703-073F-4585-8FD5-EE42DF3AB31F}" type="presParOf" srcId="{8D9A024C-FE97-4BC2-87C3-0D80D3B75198}" destId="{A2998AF6-EA69-4345-B8A2-050A64CD2AF9}" srcOrd="3" destOrd="0" presId="urn:microsoft.com/office/officeart/2018/5/layout/IconLeafLabelList"/>
+  </dgm:cxnLst>
+  <dgm:bg/>
+  <dgm:whole/>
+  <dgm:extLst>
+    <a:ext uri="http://schemas.microsoft.com/office/drawing/2008/diagram">
+      <dsp:dataModelExt xmlns:dsp="http://schemas.microsoft.com/office/drawing/2008/diagram" relId="rId6" minVer="http://schemas.openxmlformats.org/drawingml/2006/diagram"/>
+    </a:ext>
+  </dgm:extLst>
+</dgm:dataModel>
+</file>
+
+<file path=ppt/diagrams/drawing1.xml><?xml version="1.0" encoding="utf-8"?>
+<dsp:drawing xmlns:dgm="http://schemas.openxmlformats.org/drawingml/2006/diagram" xmlns:dsp="http://schemas.microsoft.com/office/drawing/2008/diagram" xmlns:a="http://schemas.openxmlformats.org/drawingml/2006/main">
+  <dsp:spTree>
+    <dsp:nvGrpSpPr>
+      <dsp:cNvPr id="0" name=""/>
+      <dsp:cNvGrpSpPr/>
+    </dsp:nvGrpSpPr>
+    <dsp:grpSpPr/>
+    <dsp:sp modelId="{7899D776-A8BA-4F83-954D-0DAFA7A6A9AB}">
+      <dsp:nvSpPr>
+        <dsp:cNvPr id="0" name=""/>
+        <dsp:cNvSpPr/>
+      </dsp:nvSpPr>
+      <dsp:spPr>
+        <a:xfrm>
+          <a:off x="0" y="3032"/>
+          <a:ext cx="8596312" cy="645895"/>
+        </a:xfrm>
+        <a:prstGeom prst="roundRect">
+          <a:avLst>
+            <a:gd name="adj" fmla="val 10000"/>
+          </a:avLst>
+        </a:prstGeom>
+        <a:solidFill>
+          <a:schemeClr val="dk2">
+            <a:hueOff val="0"/>
+            <a:satOff val="0"/>
+            <a:lumOff val="0"/>
+            <a:alphaOff val="0"/>
+          </a:schemeClr>
+        </a:solidFill>
+        <a:ln>
+          <a:noFill/>
+        </a:ln>
+        <a:effectLst/>
+      </dsp:spPr>
+      <dsp:style>
+        <a:lnRef idx="0">
+          <a:scrgbClr r="0" g="0" b="0"/>
+        </a:lnRef>
+        <a:fillRef idx="1">
+          <a:scrgbClr r="0" g="0" b="0"/>
+        </a:fillRef>
+        <a:effectRef idx="0">
+          <a:scrgbClr r="0" g="0" b="0"/>
+        </a:effectRef>
+        <a:fontRef idx="minor"/>
+      </dsp:style>
+    </dsp:sp>
+    <dsp:sp modelId="{D9A771D7-CB22-462E-9209-D7F5713E08C7}">
+      <dsp:nvSpPr>
+        <dsp:cNvPr id="0" name=""/>
+        <dsp:cNvSpPr/>
+      </dsp:nvSpPr>
+      <dsp:spPr>
+        <a:xfrm>
+          <a:off x="195383" y="148358"/>
+          <a:ext cx="355242" cy="355242"/>
+        </a:xfrm>
+        <a:prstGeom prst="rect">
+          <a:avLst/>
+        </a:prstGeom>
+        <a:blipFill>
+          <a:blip xmlns:r="http://schemas.openxmlformats.org/officeDocument/2006/relationships" r:embed="rId1">
+            <a:extLst>
+              <a:ext uri="{28A0092B-C50C-407E-A947-70E740481C1C}">
+                <a14:useLocalDpi xmlns:a14="http://schemas.microsoft.com/office/drawing/2010/main" val="0"/>
+              </a:ext>
+              <a:ext uri="{96DAC541-7B7A-43D3-8B79-37D633B846F1}">
+                <asvg:svgBlip xmlns:asvg="http://schemas.microsoft.com/office/drawing/2016/SVG/main" r:embed="rId2"/>
+              </a:ext>
+            </a:extLst>
+          </a:blip>
+          <a:stretch>
+            <a:fillRect/>
+          </a:stretch>
+        </a:blipFill>
+        <a:ln w="19050" cap="rnd" cmpd="sng" algn="ctr">
+          <a:noFill/>
+          <a:prstDash val="solid"/>
+        </a:ln>
+        <a:effectLst/>
+      </dsp:spPr>
+      <dsp:style>
+        <a:lnRef idx="2">
+          <a:scrgbClr r="0" g="0" b="0"/>
+        </a:lnRef>
+        <a:fillRef idx="1">
+          <a:scrgbClr r="0" g="0" b="0"/>
+        </a:fillRef>
+        <a:effectRef idx="0">
+          <a:scrgbClr r="0" g="0" b="0"/>
+        </a:effectRef>
+        <a:fontRef idx="minor">
+          <a:schemeClr val="lt1"/>
+        </a:fontRef>
+      </dsp:style>
+    </dsp:sp>
+    <dsp:sp modelId="{E97B8C3C-397E-41F1-8C0C-03FC9B7DEA17}">
+      <dsp:nvSpPr>
+        <dsp:cNvPr id="0" name=""/>
+        <dsp:cNvSpPr/>
+      </dsp:nvSpPr>
+      <dsp:spPr>
+        <a:xfrm>
+          <a:off x="746009" y="3032"/>
+          <a:ext cx="7850302" cy="645895"/>
+        </a:xfrm>
+        <a:prstGeom prst="rect">
+          <a:avLst/>
+        </a:prstGeom>
+        <a:noFill/>
+        <a:ln>
+          <a:noFill/>
+        </a:ln>
+        <a:effectLst/>
+      </dsp:spPr>
+      <dsp:style>
+        <a:lnRef idx="0">
+          <a:scrgbClr r="0" g="0" b="0"/>
+        </a:lnRef>
+        <a:fillRef idx="0">
+          <a:scrgbClr r="0" g="0" b="0"/>
+        </a:fillRef>
+        <a:effectRef idx="0">
+          <a:scrgbClr r="0" g="0" b="0"/>
+        </a:effectRef>
+        <a:fontRef idx="minor"/>
+      </dsp:style>
+      <dsp:txBody>
+        <a:bodyPr spcFirstLastPara="0" vert="horz" wrap="square" lIns="68357" tIns="68357" rIns="68357" bIns="68357" numCol="1" spcCol="1270" anchor="ctr" anchorCtr="0">
+          <a:noAutofit/>
+        </a:bodyPr>
+        <a:lstStyle/>
+        <a:p>
+          <a:pPr marL="0" lvl="0" indent="0" algn="l" defTabSz="844550">
+            <a:lnSpc>
+              <a:spcPct val="100000"/>
+            </a:lnSpc>
+            <a:spcBef>
+              <a:spcPct val="0"/>
+            </a:spcBef>
+            <a:spcAft>
+              <a:spcPct val="35000"/>
+            </a:spcAft>
+            <a:buNone/>
+          </a:pPr>
+          <a:r>
+            <a:rPr lang="en-US" sz="1900" kern="1200"/>
+            <a:t>Research existing travel agency products and services</a:t>
+          </a:r>
+        </a:p>
+      </dsp:txBody>
+      <dsp:txXfrm>
+        <a:off x="746009" y="3032"/>
+        <a:ext cx="7850302" cy="645895"/>
+      </dsp:txXfrm>
+    </dsp:sp>
+    <dsp:sp modelId="{04FCB632-B376-4CF6-B034-E2233A40F317}">
+      <dsp:nvSpPr>
+        <dsp:cNvPr id="0" name=""/>
+        <dsp:cNvSpPr/>
+      </dsp:nvSpPr>
+      <dsp:spPr>
+        <a:xfrm>
+          <a:off x="0" y="810401"/>
+          <a:ext cx="8596312" cy="645895"/>
+        </a:xfrm>
+        <a:prstGeom prst="roundRect">
+          <a:avLst>
+            <a:gd name="adj" fmla="val 10000"/>
+          </a:avLst>
+        </a:prstGeom>
+        <a:solidFill>
+          <a:schemeClr val="dk2">
+            <a:hueOff val="0"/>
+            <a:satOff val="0"/>
+            <a:lumOff val="0"/>
+            <a:alphaOff val="0"/>
+          </a:schemeClr>
+        </a:solidFill>
+        <a:ln>
+          <a:noFill/>
+        </a:ln>
+        <a:effectLst/>
+      </dsp:spPr>
+      <dsp:style>
+        <a:lnRef idx="0">
+          <a:scrgbClr r="0" g="0" b="0"/>
+        </a:lnRef>
+        <a:fillRef idx="1">
+          <a:scrgbClr r="0" g="0" b="0"/>
+        </a:fillRef>
+        <a:effectRef idx="0">
+          <a:scrgbClr r="0" g="0" b="0"/>
+        </a:effectRef>
+        <a:fontRef idx="minor"/>
+      </dsp:style>
+    </dsp:sp>
+    <dsp:sp modelId="{EDB0E0FD-0776-4396-B337-614EC17D7EE3}">
+      <dsp:nvSpPr>
+        <dsp:cNvPr id="0" name=""/>
+        <dsp:cNvSpPr/>
+      </dsp:nvSpPr>
+      <dsp:spPr>
+        <a:xfrm>
+          <a:off x="195383" y="955728"/>
+          <a:ext cx="355242" cy="355242"/>
+        </a:xfrm>
+        <a:prstGeom prst="rect">
+          <a:avLst/>
+        </a:prstGeom>
+        <a:blipFill>
+          <a:blip xmlns:r="http://schemas.openxmlformats.org/officeDocument/2006/relationships" r:embed="rId3">
+            <a:extLst>
+              <a:ext uri="{28A0092B-C50C-407E-A947-70E740481C1C}">
+                <a14:useLocalDpi xmlns:a14="http://schemas.microsoft.com/office/drawing/2010/main" val="0"/>
+              </a:ext>
+              <a:ext uri="{96DAC541-7B7A-43D3-8B79-37D633B846F1}">
+                <asvg:svgBlip xmlns:asvg="http://schemas.microsoft.com/office/drawing/2016/SVG/main" r:embed="rId4"/>
+              </a:ext>
+            </a:extLst>
+          </a:blip>
+          <a:stretch>
+            <a:fillRect/>
+          </a:stretch>
+        </a:blipFill>
+        <a:ln w="19050" cap="rnd" cmpd="sng" algn="ctr">
+          <a:noFill/>
+          <a:prstDash val="solid"/>
+        </a:ln>
+        <a:effectLst/>
+      </dsp:spPr>
+      <dsp:style>
+        <a:lnRef idx="2">
+          <a:scrgbClr r="0" g="0" b="0"/>
+        </a:lnRef>
+        <a:fillRef idx="1">
+          <a:scrgbClr r="0" g="0" b="0"/>
+        </a:fillRef>
+        <a:effectRef idx="0">
+          <a:scrgbClr r="0" g="0" b="0"/>
+        </a:effectRef>
+        <a:fontRef idx="minor">
+          <a:schemeClr val="lt1"/>
+        </a:fontRef>
+      </dsp:style>
+    </dsp:sp>
+    <dsp:sp modelId="{A0AECD04-79B5-4E8E-A504-B941AF4A4333}">
+      <dsp:nvSpPr>
+        <dsp:cNvPr id="0" name=""/>
+        <dsp:cNvSpPr/>
+      </dsp:nvSpPr>
+      <dsp:spPr>
+        <a:xfrm>
+          <a:off x="746009" y="810401"/>
+          <a:ext cx="7850302" cy="645895"/>
+        </a:xfrm>
+        <a:prstGeom prst="rect">
+          <a:avLst/>
+        </a:prstGeom>
+        <a:noFill/>
+        <a:ln>
+          <a:noFill/>
+        </a:ln>
+        <a:effectLst/>
+      </dsp:spPr>
+      <dsp:style>
+        <a:lnRef idx="0">
+          <a:scrgbClr r="0" g="0" b="0"/>
+        </a:lnRef>
+        <a:fillRef idx="0">
+          <a:scrgbClr r="0" g="0" b="0"/>
+        </a:fillRef>
+        <a:effectRef idx="0">
+          <a:scrgbClr r="0" g="0" b="0"/>
+        </a:effectRef>
+        <a:fontRef idx="minor"/>
+      </dsp:style>
+      <dsp:txBody>
+        <a:bodyPr spcFirstLastPara="0" vert="horz" wrap="square" lIns="68357" tIns="68357" rIns="68357" bIns="68357" numCol="1" spcCol="1270" anchor="ctr" anchorCtr="0">
+          <a:noAutofit/>
+        </a:bodyPr>
+        <a:lstStyle/>
+        <a:p>
+          <a:pPr marL="0" lvl="0" indent="0" algn="l" defTabSz="844550">
+            <a:lnSpc>
+              <a:spcPct val="100000"/>
+            </a:lnSpc>
+            <a:spcBef>
+              <a:spcPct val="0"/>
+            </a:spcBef>
+            <a:spcAft>
+              <a:spcPct val="35000"/>
+            </a:spcAft>
+            <a:buNone/>
+          </a:pPr>
+          <a:r>
+            <a:rPr lang="en-US" sz="1900" kern="1200"/>
+            <a:t>Talk to employees</a:t>
+          </a:r>
+        </a:p>
+      </dsp:txBody>
+      <dsp:txXfrm>
+        <a:off x="746009" y="810401"/>
+        <a:ext cx="7850302" cy="645895"/>
+      </dsp:txXfrm>
+    </dsp:sp>
+    <dsp:sp modelId="{1D859763-4F3D-429E-9E6C-A4FAE85EAA5F}">
+      <dsp:nvSpPr>
+        <dsp:cNvPr id="0" name=""/>
+        <dsp:cNvSpPr/>
+      </dsp:nvSpPr>
+      <dsp:spPr>
+        <a:xfrm>
+          <a:off x="0" y="1617770"/>
+          <a:ext cx="8596312" cy="645895"/>
+        </a:xfrm>
+        <a:prstGeom prst="roundRect">
+          <a:avLst>
+            <a:gd name="adj" fmla="val 10000"/>
+          </a:avLst>
+        </a:prstGeom>
+        <a:solidFill>
+          <a:schemeClr val="dk2">
+            <a:hueOff val="0"/>
+            <a:satOff val="0"/>
+            <a:lumOff val="0"/>
+            <a:alphaOff val="0"/>
+          </a:schemeClr>
+        </a:solidFill>
+        <a:ln>
+          <a:noFill/>
+        </a:ln>
+        <a:effectLst/>
+      </dsp:spPr>
+      <dsp:style>
+        <a:lnRef idx="0">
+          <a:scrgbClr r="0" g="0" b="0"/>
+        </a:lnRef>
+        <a:fillRef idx="1">
+          <a:scrgbClr r="0" g="0" b="0"/>
+        </a:fillRef>
+        <a:effectRef idx="0">
+          <a:scrgbClr r="0" g="0" b="0"/>
+        </a:effectRef>
+        <a:fontRef idx="minor"/>
+      </dsp:style>
+    </dsp:sp>
+    <dsp:sp modelId="{27C160D5-2FB6-4AE8-B25C-7553094F38CD}">
+      <dsp:nvSpPr>
+        <dsp:cNvPr id="0" name=""/>
+        <dsp:cNvSpPr/>
+      </dsp:nvSpPr>
+      <dsp:spPr>
+        <a:xfrm>
+          <a:off x="195383" y="1763097"/>
+          <a:ext cx="355242" cy="355242"/>
+        </a:xfrm>
+        <a:prstGeom prst="rect">
+          <a:avLst/>
+        </a:prstGeom>
+        <a:blipFill>
+          <a:blip xmlns:r="http://schemas.openxmlformats.org/officeDocument/2006/relationships" r:embed="rId5">
+            <a:extLst>
+              <a:ext uri="{28A0092B-C50C-407E-A947-70E740481C1C}">
+                <a14:useLocalDpi xmlns:a14="http://schemas.microsoft.com/office/drawing/2010/main" val="0"/>
+              </a:ext>
+              <a:ext uri="{96DAC541-7B7A-43D3-8B79-37D633B846F1}">
+                <asvg:svgBlip xmlns:asvg="http://schemas.microsoft.com/office/drawing/2016/SVG/main" r:embed="rId6"/>
+              </a:ext>
+            </a:extLst>
+          </a:blip>
+          <a:stretch>
+            <a:fillRect/>
+          </a:stretch>
+        </a:blipFill>
+        <a:ln w="19050" cap="rnd" cmpd="sng" algn="ctr">
+          <a:noFill/>
+          <a:prstDash val="solid"/>
+        </a:ln>
+        <a:effectLst/>
+      </dsp:spPr>
+      <dsp:style>
+        <a:lnRef idx="2">
+          <a:scrgbClr r="0" g="0" b="0"/>
+        </a:lnRef>
+        <a:fillRef idx="1">
+          <a:scrgbClr r="0" g="0" b="0"/>
+        </a:fillRef>
+        <a:effectRef idx="0">
+          <a:scrgbClr r="0" g="0" b="0"/>
+        </a:effectRef>
+        <a:fontRef idx="minor">
+          <a:schemeClr val="lt1"/>
+        </a:fontRef>
+      </dsp:style>
+    </dsp:sp>
+    <dsp:sp modelId="{83963EB8-3A6D-4304-B0B8-552F661E7599}">
+      <dsp:nvSpPr>
+        <dsp:cNvPr id="0" name=""/>
+        <dsp:cNvSpPr/>
+      </dsp:nvSpPr>
+      <dsp:spPr>
+        <a:xfrm>
+          <a:off x="746009" y="1617770"/>
+          <a:ext cx="7850302" cy="645895"/>
+        </a:xfrm>
+        <a:prstGeom prst="rect">
+          <a:avLst/>
+        </a:prstGeom>
+        <a:noFill/>
+        <a:ln>
+          <a:noFill/>
+        </a:ln>
+        <a:effectLst/>
+      </dsp:spPr>
+      <dsp:style>
+        <a:lnRef idx="0">
+          <a:scrgbClr r="0" g="0" b="0"/>
+        </a:lnRef>
+        <a:fillRef idx="0">
+          <a:scrgbClr r="0" g="0" b="0"/>
+        </a:fillRef>
+        <a:effectRef idx="0">
+          <a:scrgbClr r="0" g="0" b="0"/>
+        </a:effectRef>
+        <a:fontRef idx="minor"/>
+      </dsp:style>
+      <dsp:txBody>
+        <a:bodyPr spcFirstLastPara="0" vert="horz" wrap="square" lIns="68357" tIns="68357" rIns="68357" bIns="68357" numCol="1" spcCol="1270" anchor="ctr" anchorCtr="0">
+          <a:noAutofit/>
+        </a:bodyPr>
+        <a:lstStyle/>
+        <a:p>
+          <a:pPr marL="0" lvl="0" indent="0" algn="l" defTabSz="844550">
+            <a:lnSpc>
+              <a:spcPct val="100000"/>
+            </a:lnSpc>
+            <a:spcBef>
+              <a:spcPct val="0"/>
+            </a:spcBef>
+            <a:spcAft>
+              <a:spcPct val="35000"/>
+            </a:spcAft>
+            <a:buNone/>
+          </a:pPr>
+          <a:r>
+            <a:rPr lang="en-US" sz="1900" kern="1200"/>
+            <a:t>Developers plan, create and test software and databases</a:t>
+          </a:r>
+        </a:p>
+      </dsp:txBody>
+      <dsp:txXfrm>
+        <a:off x="746009" y="1617770"/>
+        <a:ext cx="7850302" cy="645895"/>
+      </dsp:txXfrm>
+    </dsp:sp>
+    <dsp:sp modelId="{7BA6743A-BAE9-4E42-BD1F-999200E8B335}">
+      <dsp:nvSpPr>
+        <dsp:cNvPr id="0" name=""/>
+        <dsp:cNvSpPr/>
+      </dsp:nvSpPr>
+      <dsp:spPr>
+        <a:xfrm>
+          <a:off x="0" y="2425140"/>
+          <a:ext cx="8596312" cy="645895"/>
+        </a:xfrm>
+        <a:prstGeom prst="roundRect">
+          <a:avLst>
+            <a:gd name="adj" fmla="val 10000"/>
+          </a:avLst>
+        </a:prstGeom>
+        <a:solidFill>
+          <a:schemeClr val="dk2">
+            <a:hueOff val="0"/>
+            <a:satOff val="0"/>
+            <a:lumOff val="0"/>
+            <a:alphaOff val="0"/>
+          </a:schemeClr>
+        </a:solidFill>
+        <a:ln>
+          <a:noFill/>
+        </a:ln>
+        <a:effectLst/>
+      </dsp:spPr>
+      <dsp:style>
+        <a:lnRef idx="0">
+          <a:scrgbClr r="0" g="0" b="0"/>
+        </a:lnRef>
+        <a:fillRef idx="1">
+          <a:scrgbClr r="0" g="0" b="0"/>
+        </a:fillRef>
+        <a:effectRef idx="0">
+          <a:scrgbClr r="0" g="0" b="0"/>
+        </a:effectRef>
+        <a:fontRef idx="minor"/>
+      </dsp:style>
+    </dsp:sp>
+    <dsp:sp modelId="{C7F766A5-82E8-48BA-BA11-1A4B5CFA454A}">
+      <dsp:nvSpPr>
+        <dsp:cNvPr id="0" name=""/>
+        <dsp:cNvSpPr/>
+      </dsp:nvSpPr>
+      <dsp:spPr>
+        <a:xfrm>
+          <a:off x="195383" y="2570466"/>
+          <a:ext cx="355242" cy="355242"/>
+        </a:xfrm>
+        <a:prstGeom prst="rect">
+          <a:avLst/>
+        </a:prstGeom>
+        <a:blipFill>
+          <a:blip xmlns:r="http://schemas.openxmlformats.org/officeDocument/2006/relationships" r:embed="rId7">
+            <a:extLst>
+              <a:ext uri="{28A0092B-C50C-407E-A947-70E740481C1C}">
+                <a14:useLocalDpi xmlns:a14="http://schemas.microsoft.com/office/drawing/2010/main" val="0"/>
+              </a:ext>
+              <a:ext uri="{96DAC541-7B7A-43D3-8B79-37D633B846F1}">
+                <asvg:svgBlip xmlns:asvg="http://schemas.microsoft.com/office/drawing/2016/SVG/main" r:embed="rId8"/>
+              </a:ext>
+            </a:extLst>
+          </a:blip>
+          <a:stretch>
+            <a:fillRect/>
+          </a:stretch>
+        </a:blipFill>
+        <a:ln w="19050" cap="rnd" cmpd="sng" algn="ctr">
+          <a:noFill/>
+          <a:prstDash val="solid"/>
+        </a:ln>
+        <a:effectLst/>
+      </dsp:spPr>
+      <dsp:style>
+        <a:lnRef idx="2">
+          <a:scrgbClr r="0" g="0" b="0"/>
+        </a:lnRef>
+        <a:fillRef idx="1">
+          <a:scrgbClr r="0" g="0" b="0"/>
+        </a:fillRef>
+        <a:effectRef idx="0">
+          <a:scrgbClr r="0" g="0" b="0"/>
+        </a:effectRef>
+        <a:fontRef idx="minor">
+          <a:schemeClr val="lt1"/>
+        </a:fontRef>
+      </dsp:style>
+    </dsp:sp>
+    <dsp:sp modelId="{6232115F-9AA5-488C-AC69-5ED7377A1338}">
+      <dsp:nvSpPr>
+        <dsp:cNvPr id="0" name=""/>
+        <dsp:cNvSpPr/>
+      </dsp:nvSpPr>
+      <dsp:spPr>
+        <a:xfrm>
+          <a:off x="746009" y="2425140"/>
+          <a:ext cx="7850302" cy="645895"/>
+        </a:xfrm>
+        <a:prstGeom prst="rect">
+          <a:avLst/>
+        </a:prstGeom>
+        <a:noFill/>
+        <a:ln>
+          <a:noFill/>
+        </a:ln>
+        <a:effectLst/>
+      </dsp:spPr>
+      <dsp:style>
+        <a:lnRef idx="0">
+          <a:scrgbClr r="0" g="0" b="0"/>
+        </a:lnRef>
+        <a:fillRef idx="0">
+          <a:scrgbClr r="0" g="0" b="0"/>
+        </a:fillRef>
+        <a:effectRef idx="0">
+          <a:scrgbClr r="0" g="0" b="0"/>
+        </a:effectRef>
+        <a:fontRef idx="minor"/>
+      </dsp:style>
+      <dsp:txBody>
+        <a:bodyPr spcFirstLastPara="0" vert="horz" wrap="square" lIns="68357" tIns="68357" rIns="68357" bIns="68357" numCol="1" spcCol="1270" anchor="ctr" anchorCtr="0">
+          <a:noAutofit/>
+        </a:bodyPr>
+        <a:lstStyle/>
+        <a:p>
+          <a:pPr marL="0" lvl="0" indent="0" algn="l" defTabSz="844550">
+            <a:lnSpc>
+              <a:spcPct val="100000"/>
+            </a:lnSpc>
+            <a:spcBef>
+              <a:spcPct val="0"/>
+            </a:spcBef>
+            <a:spcAft>
+              <a:spcPct val="35000"/>
+            </a:spcAft>
+            <a:buNone/>
+          </a:pPr>
+          <a:r>
+            <a:rPr lang="en-US" sz="1900" kern="1200"/>
+            <a:t>Plan and price hardware purchases</a:t>
+          </a:r>
+        </a:p>
+      </dsp:txBody>
+      <dsp:txXfrm>
+        <a:off x="746009" y="2425140"/>
+        <a:ext cx="7850302" cy="645895"/>
+      </dsp:txXfrm>
+    </dsp:sp>
+    <dsp:sp modelId="{0152C69B-CB95-4C4D-AF19-74D5089E4915}">
+      <dsp:nvSpPr>
+        <dsp:cNvPr id="0" name=""/>
+        <dsp:cNvSpPr/>
+      </dsp:nvSpPr>
+      <dsp:spPr>
+        <a:xfrm>
+          <a:off x="0" y="3232509"/>
+          <a:ext cx="8596312" cy="645895"/>
+        </a:xfrm>
+        <a:prstGeom prst="roundRect">
+          <a:avLst>
+            <a:gd name="adj" fmla="val 10000"/>
+          </a:avLst>
+        </a:prstGeom>
+        <a:solidFill>
+          <a:schemeClr val="dk2">
+            <a:hueOff val="0"/>
+            <a:satOff val="0"/>
+            <a:lumOff val="0"/>
+            <a:alphaOff val="0"/>
+          </a:schemeClr>
+        </a:solidFill>
+        <a:ln>
+          <a:noFill/>
+        </a:ln>
+        <a:effectLst/>
+      </dsp:spPr>
+      <dsp:style>
+        <a:lnRef idx="0">
+          <a:scrgbClr r="0" g="0" b="0"/>
+        </a:lnRef>
+        <a:fillRef idx="1">
+          <a:scrgbClr r="0" g="0" b="0"/>
+        </a:fillRef>
+        <a:effectRef idx="0">
+          <a:scrgbClr r="0" g="0" b="0"/>
+        </a:effectRef>
+        <a:fontRef idx="minor"/>
+      </dsp:style>
+    </dsp:sp>
+    <dsp:sp modelId="{24C1DB9B-05FA-4EC7-9E35-8CCFA1DD2D01}">
+      <dsp:nvSpPr>
+        <dsp:cNvPr id="0" name=""/>
+        <dsp:cNvSpPr/>
+      </dsp:nvSpPr>
+      <dsp:spPr>
+        <a:xfrm>
+          <a:off x="195383" y="3377835"/>
+          <a:ext cx="355242" cy="355242"/>
+        </a:xfrm>
+        <a:prstGeom prst="rect">
+          <a:avLst/>
+        </a:prstGeom>
+        <a:blipFill>
+          <a:blip xmlns:r="http://schemas.openxmlformats.org/officeDocument/2006/relationships" r:embed="rId9">
+            <a:extLst>
+              <a:ext uri="{28A0092B-C50C-407E-A947-70E740481C1C}">
+                <a14:useLocalDpi xmlns:a14="http://schemas.microsoft.com/office/drawing/2010/main" val="0"/>
+              </a:ext>
+              <a:ext uri="{96DAC541-7B7A-43D3-8B79-37D633B846F1}">
+                <asvg:svgBlip xmlns:asvg="http://schemas.microsoft.com/office/drawing/2016/SVG/main" r:embed="rId10"/>
+              </a:ext>
+            </a:extLst>
+          </a:blip>
+          <a:stretch>
+            <a:fillRect/>
+          </a:stretch>
+        </a:blipFill>
+        <a:ln w="19050" cap="rnd" cmpd="sng" algn="ctr">
+          <a:noFill/>
+          <a:prstDash val="solid"/>
+        </a:ln>
+        <a:effectLst/>
+      </dsp:spPr>
+      <dsp:style>
+        <a:lnRef idx="2">
+          <a:scrgbClr r="0" g="0" b="0"/>
+        </a:lnRef>
+        <a:fillRef idx="1">
+          <a:scrgbClr r="0" g="0" b="0"/>
+        </a:fillRef>
+        <a:effectRef idx="0">
+          <a:scrgbClr r="0" g="0" b="0"/>
+        </a:effectRef>
+        <a:fontRef idx="minor">
+          <a:schemeClr val="lt1"/>
+        </a:fontRef>
+      </dsp:style>
+    </dsp:sp>
+    <dsp:sp modelId="{A73BAE76-BC20-4476-9174-D68D4BE0C55D}">
+      <dsp:nvSpPr>
+        <dsp:cNvPr id="0" name=""/>
+        <dsp:cNvSpPr/>
+      </dsp:nvSpPr>
+      <dsp:spPr>
+        <a:xfrm>
+          <a:off x="746009" y="3232509"/>
+          <a:ext cx="7850302" cy="645895"/>
+        </a:xfrm>
+        <a:prstGeom prst="rect">
+          <a:avLst/>
+        </a:prstGeom>
+        <a:noFill/>
+        <a:ln>
+          <a:noFill/>
+        </a:ln>
+        <a:effectLst/>
+      </dsp:spPr>
+      <dsp:style>
+        <a:lnRef idx="0">
+          <a:scrgbClr r="0" g="0" b="0"/>
+        </a:lnRef>
+        <a:fillRef idx="0">
+          <a:scrgbClr r="0" g="0" b="0"/>
+        </a:fillRef>
+        <a:effectRef idx="0">
+          <a:scrgbClr r="0" g="0" b="0"/>
+        </a:effectRef>
+        <a:fontRef idx="minor"/>
+      </dsp:style>
+      <dsp:txBody>
+        <a:bodyPr spcFirstLastPara="0" vert="horz" wrap="square" lIns="68357" tIns="68357" rIns="68357" bIns="68357" numCol="1" spcCol="1270" anchor="ctr" anchorCtr="0">
+          <a:noAutofit/>
+        </a:bodyPr>
+        <a:lstStyle/>
+        <a:p>
+          <a:pPr marL="0" lvl="0" indent="0" algn="l" defTabSz="844550">
+            <a:lnSpc>
+              <a:spcPct val="100000"/>
+            </a:lnSpc>
+            <a:spcBef>
+              <a:spcPct val="0"/>
+            </a:spcBef>
+            <a:spcAft>
+              <a:spcPct val="35000"/>
+            </a:spcAft>
+            <a:buNone/>
+          </a:pPr>
+          <a:r>
+            <a:rPr lang="en-US" sz="1900" kern="1200"/>
+            <a:t>Review and deploy font and back end software</a:t>
+          </a:r>
+        </a:p>
+      </dsp:txBody>
+      <dsp:txXfrm>
+        <a:off x="746009" y="3232509"/>
+        <a:ext cx="7850302" cy="645895"/>
+      </dsp:txXfrm>
+    </dsp:sp>
+  </dsp:spTree>
+</dsp:drawing>
+</file>
+
+<file path=ppt/diagrams/drawing2.xml><?xml version="1.0" encoding="utf-8"?>
+<dsp:drawing xmlns:dgm="http://schemas.openxmlformats.org/drawingml/2006/diagram" xmlns:dsp="http://schemas.microsoft.com/office/drawing/2008/diagram" xmlns:a="http://schemas.openxmlformats.org/drawingml/2006/main">
+  <dsp:spTree>
+    <dsp:nvGrpSpPr>
+      <dsp:cNvPr id="0" name=""/>
+      <dsp:cNvGrpSpPr/>
+    </dsp:nvGrpSpPr>
+    <dsp:grpSpPr/>
+    <dsp:sp modelId="{52228C79-4F7A-4DE8-8C6E-2B78C8E644A9}">
+      <dsp:nvSpPr>
+        <dsp:cNvPr id="0" name=""/>
+        <dsp:cNvSpPr/>
+      </dsp:nvSpPr>
+      <dsp:spPr>
+        <a:xfrm>
+          <a:off x="1085155" y="140718"/>
+          <a:ext cx="2196000" cy="2196000"/>
+        </a:xfrm>
+        <a:prstGeom prst="round2DiagRect">
+          <a:avLst>
+            <a:gd name="adj1" fmla="val 29727"/>
+            <a:gd name="adj2" fmla="val 0"/>
+          </a:avLst>
+        </a:prstGeom>
+        <a:solidFill>
+          <a:schemeClr val="accent2">
+            <a:hueOff val="0"/>
+            <a:satOff val="0"/>
+            <a:lumOff val="0"/>
+            <a:alphaOff val="0"/>
+          </a:schemeClr>
+        </a:solidFill>
+        <a:ln>
+          <a:noFill/>
+        </a:ln>
+        <a:effectLst/>
+      </dsp:spPr>
+      <dsp:style>
+        <a:lnRef idx="0">
+          <a:scrgbClr r="0" g="0" b="0"/>
+        </a:lnRef>
+        <a:fillRef idx="1">
+          <a:scrgbClr r="0" g="0" b="0"/>
+        </a:fillRef>
+        <a:effectRef idx="0">
+          <a:scrgbClr r="0" g="0" b="0"/>
+        </a:effectRef>
+        <a:fontRef idx="minor"/>
+      </dsp:style>
+    </dsp:sp>
+    <dsp:sp modelId="{27D3CD17-DE27-4109-89C3-A85C99BA8913}">
+      <dsp:nvSpPr>
+        <dsp:cNvPr id="0" name=""/>
+        <dsp:cNvSpPr/>
+      </dsp:nvSpPr>
+      <dsp:spPr>
+        <a:xfrm>
+          <a:off x="1553156" y="608718"/>
+          <a:ext cx="1260000" cy="1260000"/>
+        </a:xfrm>
+        <a:prstGeom prst="rect">
+          <a:avLst/>
+        </a:prstGeom>
+        <a:blipFill>
+          <a:blip xmlns:r="http://schemas.openxmlformats.org/officeDocument/2006/relationships" r:embed="rId1">
+            <a:extLst>
+              <a:ext uri="{28A0092B-C50C-407E-A947-70E740481C1C}">
+                <a14:useLocalDpi xmlns:a14="http://schemas.microsoft.com/office/drawing/2010/main" val="0"/>
+              </a:ext>
+              <a:ext uri="{96DAC541-7B7A-43D3-8B79-37D633B846F1}">
+                <asvg:svgBlip xmlns:asvg="http://schemas.microsoft.com/office/drawing/2016/SVG/main" r:embed="rId2"/>
+              </a:ext>
+            </a:extLst>
+          </a:blip>
+          <a:stretch>
+            <a:fillRect/>
+          </a:stretch>
+        </a:blipFill>
+        <a:ln w="19050" cap="rnd" cmpd="sng" algn="ctr">
+          <a:noFill/>
+          <a:prstDash val="solid"/>
+        </a:ln>
+        <a:effectLst/>
+      </dsp:spPr>
+      <dsp:style>
+        <a:lnRef idx="2">
+          <a:scrgbClr r="0" g="0" b="0"/>
+        </a:lnRef>
+        <a:fillRef idx="1">
+          <a:scrgbClr r="0" g="0" b="0"/>
+        </a:fillRef>
+        <a:effectRef idx="0">
+          <a:scrgbClr r="0" g="0" b="0"/>
+        </a:effectRef>
+        <a:fontRef idx="minor">
+          <a:schemeClr val="lt1"/>
+        </a:fontRef>
+      </dsp:style>
+    </dsp:sp>
+    <dsp:sp modelId="{BD433759-292A-4411-B68F-7F27484C28C2}">
+      <dsp:nvSpPr>
+        <dsp:cNvPr id="0" name=""/>
+        <dsp:cNvSpPr/>
+      </dsp:nvSpPr>
+      <dsp:spPr>
+        <a:xfrm>
+          <a:off x="383155" y="3020718"/>
+          <a:ext cx="3600000" cy="720000"/>
+        </a:xfrm>
+        <a:prstGeom prst="rect">
+          <a:avLst/>
+        </a:prstGeom>
+        <a:noFill/>
+        <a:ln>
+          <a:noFill/>
+        </a:ln>
+        <a:effectLst/>
+      </dsp:spPr>
+      <dsp:style>
+        <a:lnRef idx="0">
+          <a:scrgbClr r="0" g="0" b="0"/>
+        </a:lnRef>
+        <a:fillRef idx="0">
+          <a:scrgbClr r="0" g="0" b="0"/>
+        </a:fillRef>
+        <a:effectRef idx="0">
+          <a:scrgbClr r="0" g="0" b="0"/>
+        </a:effectRef>
+        <a:fontRef idx="minor"/>
+      </dsp:style>
+      <dsp:txBody>
+        <a:bodyPr spcFirstLastPara="0" vert="horz" wrap="square" lIns="0" tIns="0" rIns="0" bIns="0" numCol="1" spcCol="1270" anchor="t" anchorCtr="0">
+          <a:noAutofit/>
+        </a:bodyPr>
+        <a:lstStyle/>
+        <a:p>
+          <a:pPr marL="0" lvl="0" indent="0" algn="ctr" defTabSz="1600200">
+            <a:lnSpc>
+              <a:spcPct val="100000"/>
+            </a:lnSpc>
+            <a:spcBef>
+              <a:spcPct val="0"/>
+            </a:spcBef>
+            <a:spcAft>
+              <a:spcPct val="35000"/>
+            </a:spcAft>
+            <a:buNone/>
+            <a:defRPr cap="all"/>
+          </a:pPr>
+          <a:r>
+            <a:rPr lang="en-US" sz="3600" kern="1200"/>
+            <a:t>Under $250,000</a:t>
+          </a:r>
+        </a:p>
+      </dsp:txBody>
+      <dsp:txXfrm>
+        <a:off x="383155" y="3020718"/>
+        <a:ext cx="3600000" cy="720000"/>
+      </dsp:txXfrm>
+    </dsp:sp>
+    <dsp:sp modelId="{AF8AB527-2BDB-428D-9C4C-31EF00AD2ACE}">
+      <dsp:nvSpPr>
+        <dsp:cNvPr id="0" name=""/>
+        <dsp:cNvSpPr/>
+      </dsp:nvSpPr>
+      <dsp:spPr>
+        <a:xfrm>
+          <a:off x="5315156" y="140718"/>
+          <a:ext cx="2196000" cy="2196000"/>
+        </a:xfrm>
+        <a:prstGeom prst="round2DiagRect">
+          <a:avLst>
+            <a:gd name="adj1" fmla="val 29727"/>
+            <a:gd name="adj2" fmla="val 0"/>
+          </a:avLst>
+        </a:prstGeom>
+        <a:solidFill>
+          <a:schemeClr val="accent3">
+            <a:hueOff val="0"/>
+            <a:satOff val="0"/>
+            <a:lumOff val="0"/>
+            <a:alphaOff val="0"/>
+          </a:schemeClr>
+        </a:solidFill>
+        <a:ln>
+          <a:noFill/>
+        </a:ln>
+        <a:effectLst/>
+      </dsp:spPr>
+      <dsp:style>
+        <a:lnRef idx="0">
+          <a:scrgbClr r="0" g="0" b="0"/>
+        </a:lnRef>
+        <a:fillRef idx="1">
+          <a:scrgbClr r="0" g="0" b="0"/>
+        </a:fillRef>
+        <a:effectRef idx="0">
+          <a:scrgbClr r="0" g="0" b="0"/>
+        </a:effectRef>
+        <a:fontRef idx="minor"/>
+      </dsp:style>
+    </dsp:sp>
+    <dsp:sp modelId="{536673CC-BB44-4DFE-9749-3BE2D1FC2C28}">
+      <dsp:nvSpPr>
+        <dsp:cNvPr id="0" name=""/>
+        <dsp:cNvSpPr/>
+      </dsp:nvSpPr>
+      <dsp:spPr>
+        <a:xfrm>
+          <a:off x="5783156" y="608718"/>
+          <a:ext cx="1260000" cy="1260000"/>
+        </a:xfrm>
+        <a:prstGeom prst="rect">
+          <a:avLst/>
+        </a:prstGeom>
+        <a:blipFill>
+          <a:blip xmlns:r="http://schemas.openxmlformats.org/officeDocument/2006/relationships" r:embed="rId3">
+            <a:extLst>
+              <a:ext uri="{28A0092B-C50C-407E-A947-70E740481C1C}">
+                <a14:useLocalDpi xmlns:a14="http://schemas.microsoft.com/office/drawing/2010/main" val="0"/>
+              </a:ext>
+              <a:ext uri="{96DAC541-7B7A-43D3-8B79-37D633B846F1}">
+                <asvg:svgBlip xmlns:asvg="http://schemas.microsoft.com/office/drawing/2016/SVG/main" r:embed="rId4"/>
+              </a:ext>
+            </a:extLst>
+          </a:blip>
+          <a:stretch>
+            <a:fillRect/>
+          </a:stretch>
+        </a:blipFill>
+        <a:ln w="19050" cap="rnd" cmpd="sng" algn="ctr">
+          <a:noFill/>
+          <a:prstDash val="solid"/>
+        </a:ln>
+        <a:effectLst/>
+      </dsp:spPr>
+      <dsp:style>
+        <a:lnRef idx="2">
+          <a:scrgbClr r="0" g="0" b="0"/>
+        </a:lnRef>
+        <a:fillRef idx="1">
+          <a:scrgbClr r="0" g="0" b="0"/>
+        </a:fillRef>
+        <a:effectRef idx="0">
+          <a:scrgbClr r="0" g="0" b="0"/>
+        </a:effectRef>
+        <a:fontRef idx="minor">
+          <a:schemeClr val="lt1"/>
+        </a:fontRef>
+      </dsp:style>
+    </dsp:sp>
+    <dsp:sp modelId="{A2998AF6-EA69-4345-B8A2-050A64CD2AF9}">
+      <dsp:nvSpPr>
+        <dsp:cNvPr id="0" name=""/>
+        <dsp:cNvSpPr/>
+      </dsp:nvSpPr>
+      <dsp:spPr>
+        <a:xfrm>
+          <a:off x="4613156" y="3020718"/>
+          <a:ext cx="3600000" cy="720000"/>
+        </a:xfrm>
+        <a:prstGeom prst="rect">
+          <a:avLst/>
+        </a:prstGeom>
+        <a:noFill/>
+        <a:ln>
+          <a:noFill/>
+        </a:ln>
+        <a:effectLst/>
+      </dsp:spPr>
+      <dsp:style>
+        <a:lnRef idx="0">
+          <a:scrgbClr r="0" g="0" b="0"/>
+        </a:lnRef>
+        <a:fillRef idx="0">
+          <a:scrgbClr r="0" g="0" b="0"/>
+        </a:fillRef>
+        <a:effectRef idx="0">
+          <a:scrgbClr r="0" g="0" b="0"/>
+        </a:effectRef>
+        <a:fontRef idx="minor"/>
+      </dsp:style>
+      <dsp:txBody>
+        <a:bodyPr spcFirstLastPara="0" vert="horz" wrap="square" lIns="0" tIns="0" rIns="0" bIns="0" numCol="1" spcCol="1270" anchor="t" anchorCtr="0">
+          <a:noAutofit/>
+        </a:bodyPr>
+        <a:lstStyle/>
+        <a:p>
+          <a:pPr marL="0" lvl="0" indent="0" algn="ctr" defTabSz="1600200">
+            <a:lnSpc>
+              <a:spcPct val="100000"/>
+            </a:lnSpc>
+            <a:spcBef>
+              <a:spcPct val="0"/>
+            </a:spcBef>
+            <a:spcAft>
+              <a:spcPct val="35000"/>
+            </a:spcAft>
+            <a:buNone/>
+            <a:defRPr cap="all"/>
+          </a:pPr>
+          <a:r>
+            <a:rPr lang="en-US" sz="3600" kern="1200"/>
+            <a:t>3 months</a:t>
+          </a:r>
+        </a:p>
+      </dsp:txBody>
+      <dsp:txXfrm>
+        <a:off x="4613156" y="3020718"/>
+        <a:ext cx="3600000" cy="720000"/>
+      </dsp:txXfrm>
+    </dsp:sp>
+  </dsp:spTree>
+</dsp:drawing>
+</file>
+
+<file path=ppt/diagrams/layout1.xml><?xml version="1.0" encoding="utf-8"?>
+<dgm:layoutDef xmlns:dgm="http://schemas.openxmlformats.org/drawingml/2006/diagram" xmlns:a="http://schemas.openxmlformats.org/drawingml/2006/main" uniqueId="urn:microsoft.com/office/officeart/2018/2/layout/IconVerticalSolidList">
+  <dgm:title val="Icon Vertical Solid List"/>
+  <dgm:desc val="Use to show a series of visuals from top to bottom with Level 1 or Level 1 and Level 2 text grouped in a shape. Works best with icons or small pictures with lengthier descriptions."/>
+  <dgm:catLst>
+    <dgm:cat type="icon" pri="500"/>
+  </dgm:catLst>
+  <dgm:sampData useDef="1">
+    <dgm:dataModel>
+      <dgm:ptLst/>
+      <dgm:bg/>
+      <dgm:whole/>
+    </dgm:dataModel>
+  </dgm:sampData>
+  <dgm:styleData useDef="1">
+    <dgm:dataModel>
+      <dgm:ptLst/>
+      <dgm:bg/>
+      <dgm:whole/>
+    </dgm:dataModel>
+  </dgm:styleData>
+  <dgm:clrData useDef="1">
+    <dgm:dataModel>
+      <dgm:ptLst/>
+      <dgm:bg/>
+      <dgm:whole/>
+    </dgm:dataModel>
+  </dgm:clrData>
+  <dgm:layoutNode name="root">
+    <dgm:varLst>
+      <dgm:dir/>
+      <dgm:resizeHandles val="exact"/>
+    </dgm:varLst>
+    <dgm:choose name="Name0">
+      <dgm:if name="Name1" axis="self" func="var" arg="dir" op="equ" val="norm">
+        <dgm:alg type="lin">
+          <dgm:param type="linDir" val="fromT"/>
+          <dgm:param type="nodeHorzAlign" val="l"/>
+        </dgm:alg>
+      </dgm:if>
+      <dgm:else name="Name2">
+        <dgm:alg type="lin">
+          <dgm:param type="linDir" val="fromT"/>
+          <dgm:param type="nodeHorzAlign" val="r"/>
+        </dgm:alg>
+      </dgm:else>
+    </dgm:choose>
+    <dgm:shape xmlns:r="http://schemas.openxmlformats.org/officeDocument/2006/relationships" r:blip="">
+      <dgm:adjLst/>
+    </dgm:shape>
+    <dgm:presOf/>
+    <dgm:choose name="Name3">
+      <dgm:if name="Name4" axis="ch" ptType="node" func="cnt" op="lte" val="3">
+        <dgm:constrLst>
+          <dgm:constr type="h" for="ch" forName="compNode" refType="h" fact="0.3"/>
+          <dgm:constr type="w" for="ch" forName="compNode" refType="w"/>
+          <dgm:constr type="h" for="ch" forName="sibTrans" refType="h" refFor="ch" refForName="compNode" fact="0.25"/>
+          <dgm:constr type="primFontSz" for="des" forName="parTx" val="25"/>
+          <dgm:constr type="primFontSz" for="des" forName="desTx" refType="primFontSz" refFor="des" refForName="parTx" op="lte" fact="0.75"/>
+          <dgm:constr type="h" for="des" forName="compNode" op="equ"/>
+          <dgm:constr type="h" for="des" forName="bgRect" op="equ"/>
+          <dgm:constr type="h" for="des" forName="iconRect" op="equ"/>
+          <dgm:constr type="w" for="des" forName="iconRect" op="equ"/>
+          <dgm:constr type="h" for="des" forName="spaceRect" op="equ"/>
+          <dgm:constr type="h" for="des" forName="parTx" op="equ"/>
+          <dgm:constr type="h" for="des" forName="desTx" op="equ"/>
+        </dgm:constrLst>
+      </dgm:if>
+      <dgm:if name="Name5" axis="ch" ptType="node" func="cnt" op="lte" val="4">
+        <dgm:constrLst>
+          <dgm:constr type="h" for="ch" forName="compNode" refType="h" fact="0.3"/>
+          <dgm:constr type="w" for="ch" forName="compNode" refType="w"/>
+          <dgm:constr type="h" for="ch" forName="sibTrans" refType="h" refFor="ch" refForName="compNode" fact="0.25"/>
+          <dgm:constr type="primFontSz" for="des" forName="parTx" val="22"/>
+          <dgm:constr type="primFontSz" for="des" forName="desTx" refType="primFontSz" refFor="des" refForName="parTx" op="lte" fact="0.75"/>
+          <dgm:constr type="h" for="des" forName="compNode" op="equ"/>
+          <dgm:constr type="h" for="des" forName="bgRect" op="equ"/>
+          <dgm:constr type="h" for="des" forName="iconRect" op="equ"/>
+          <dgm:constr type="w" for="des" forName="iconRect" op="equ"/>
+          <dgm:constr type="h" for="des" forName="spaceRect" op="equ"/>
+          <dgm:constr type="h" for="des" forName="parTx" op="equ"/>
+          <dgm:constr type="h" for="des" forName="desTx" op="equ"/>
+        </dgm:constrLst>
+      </dgm:if>
+      <dgm:if name="Name6" axis="ch" ptType="node" func="cnt" op="lte" val="6">
+        <dgm:constrLst>
+          <dgm:constr type="h" for="ch" forName="compNode" refType="h" fact="0.3"/>
+          <dgm:constr type="w" for="ch" forName="compNode" refType="w"/>
+          <dgm:constr type="h" for="ch" forName="sibTrans" refType="h" refFor="ch" refForName="compNode" fact="0.25"/>
+          <dgm:constr type="primFontSz" for="des" forName="parTx" val="19"/>
+          <dgm:constr type="primFontSz" for="des" forName="desTx" refType="primFontSz" refFor="des" refForName="parTx" op="lte" fact="0.75"/>
+          <dgm:constr type="h" for="des" forName="compNode" op="equ"/>
+          <dgm:constr type="h" for="des" forName="bgRect" op="equ"/>
+          <dgm:constr type="h" for="des" forName="iconRect" op="equ"/>
+          <dgm:constr type="w" for="des" forName="iconRect" op="equ"/>
+          <dgm:constr type="h" for="des" forName="spaceRect" op="equ"/>
+          <dgm:constr type="h" for="des" forName="parTx" op="equ"/>
+          <dgm:constr type="h" for="des" forName="desTx" op="equ"/>
+        </dgm:constrLst>
+      </dgm:if>
+      <dgm:else name="Name7">
+        <dgm:constrLst>
+          <dgm:constr type="h" for="ch" forName="compNode" refType="h" fact="0.3"/>
+          <dgm:constr type="w" for="ch" forName="compNode" refType="w"/>
+          <dgm:constr type="h" for="ch" forName="sibTrans" refType="h" refFor="ch" refForName="compNode" fact="0.25"/>
+          <dgm:constr type="primFontSz" for="des" forName="parTx" val="16"/>
+          <dgm:constr type="primFontSz" for="des" forName="desTx" refType="primFontSz" refFor="des" refForName="parTx" op="lte" fact="0.75"/>
+          <dgm:constr type="h" for="des" forName="compNode" op="equ"/>
+          <dgm:constr type="h" for="des" forName="bgRect" op="equ"/>
+          <dgm:constr type="h" for="des" forName="iconRect" op="equ"/>
+          <dgm:constr type="w" for="des" forName="iconRect" op="equ"/>
+          <dgm:constr type="h" for="des" forName="spaceRect" op="equ"/>
+          <dgm:constr type="h" for="des" forName="parTx" op="equ"/>
+          <dgm:constr type="h" for="des" forName="desTx" op="equ"/>
+        </dgm:constrLst>
+      </dgm:else>
+    </dgm:choose>
+    <dgm:ruleLst>
+      <dgm:rule type="h" for="ch" forName="compNode" val="0" fact="NaN" max="NaN"/>
+    </dgm:ruleLst>
+    <dgm:forEach name="Name8" axis="ch" ptType="node">
+      <dgm:layoutNode name="compNode">
+        <dgm:alg type="composite"/>
+        <dgm:shape xmlns:r="http://schemas.openxmlformats.org/officeDocument/2006/relationships" r:blip="">
+          <dgm:adjLst/>
+        </dgm:shape>
+        <dgm:presOf axis="self"/>
+        <dgm:choose name="Name9">
+          <dgm:if name="Name10" axis="ch" ptType="node" func="cnt" op="gte" val="1">
+            <dgm:constrLst>
+              <dgm:constr type="w" for="ch" forName="bgRect" refType="w"/>
+              <dgm:constr type="h" for="ch" forName="bgRect" refType="h"/>
+              <dgm:constr type="l" for="ch" forName="bgRect"/>
+              <dgm:constr type="t" for="ch" forName="bgRect"/>
+              <dgm:constr type="h" for="ch" forName="iconRect" refType="h" fact="0.55"/>
+              <dgm:constr type="w" for="ch" forName="iconRect" refType="h" refFor="ch" refForName="iconRect"/>
+              <dgm:constr type="l" for="ch" forName="iconRect" refType="h" refFor="ch" refForName="iconRect" fact="0.55"/>
+              <dgm:constr type="ctrY" for="ch" forName="iconRect" refType="ctrY" refFor="ch" refForName="bgRect"/>
+              <dgm:constr type="w" for="ch" forName="spaceRect" refType="l" refFor="ch" refForName="iconRect"/>
+              <dgm:constr type="h" for="ch" forName="spaceRect" refType="h"/>
+              <dgm:constr type="l" for="ch" forName="spaceRect" refType="r" refFor="ch" refForName="iconRect"/>
+              <dgm:constr type="t" for="ch" forName="spaceRect"/>
+              <dgm:constr type="w" for="ch" forName="parTx" refType="w" fact="0.45"/>
+              <dgm:constr type="h" for="ch" forName="parTx" refType="h"/>
+              <dgm:constr type="l" for="ch" forName="parTx" refType="r" refFor="ch" refForName="spaceRect"/>
+              <dgm:constr type="t" for="ch" forName="parTx"/>
+              <dgm:constr type="h" for="ch" forName="desTx" refType="h"/>
+              <dgm:constr type="l" for="ch" forName="desTx" refType="r" refFor="ch" refForName="parTx"/>
+              <dgm:constr type="t" for="ch" forName="desTx"/>
+            </dgm:constrLst>
+          </dgm:if>
+          <dgm:else name="Name11">
+            <dgm:constrLst>
+              <dgm:constr type="w" for="ch" forName="bgRect" refType="w"/>
+              <dgm:constr type="h" for="ch" forName="bgRect" refType="h"/>
+              <dgm:constr type="l" for="ch" forName="bgRect"/>
+              <dgm:constr type="t" for="ch" forName="bgRect"/>
+              <dgm:constr type="h" for="ch" forName="iconRect" refType="h" fact="0.55"/>
+              <dgm:constr type="w" for="ch" forName="iconRect" refType="h" refFor="ch" refForName="iconRect"/>
+              <dgm:constr type="l" for="ch" forName="iconRect" refType="h" refFor="ch" refForName="iconRect" fact="0.55"/>
+              <dgm:constr type="ctrY" for="ch" forName="iconRect" refType="ctrY" refFor="ch" refForName="bgRect"/>
+              <dgm:constr type="w" for="ch" forName="spaceRect" refType="l" refFor="ch" refForName="iconRect"/>
+              <dgm:constr type="h" for="ch" forName="spaceRect" refType="h"/>
+              <dgm:constr type="l" for="ch" forName="spaceRect" refType="r" refFor="ch" refForName="iconRect"/>
+              <dgm:constr type="t" for="ch" forName="spaceRect"/>
+              <dgm:constr type="h" for="ch" forName="parTx" refType="h"/>
+              <dgm:constr type="l" for="ch" forName="parTx" refType="r" refFor="ch" refForName="spaceRect"/>
+              <dgm:constr type="t" for="ch" forName="parTx"/>
+            </dgm:constrLst>
+          </dgm:else>
+        </dgm:choose>
+        <dgm:ruleLst>
+          <dgm:rule type="h" val="INF" fact="NaN" max="NaN"/>
+        </dgm:ruleLst>
+        <dgm:layoutNode name="bgRect" styleLbl="bgShp">
+          <dgm:alg type="sp"/>
+          <dgm:shape xmlns:r="http://schemas.openxmlformats.org/officeDocument/2006/relationships" type="roundRect" r:blip="">
+            <dgm:adjLst>
+              <dgm:adj idx="1" val="0.1"/>
+            </dgm:adjLst>
+          </dgm:shape>
+          <dgm:presOf/>
+          <dgm:constrLst/>
+          <dgm:ruleLst/>
+        </dgm:layoutNode>
+        <dgm:layoutNode name="iconRect" styleLbl="node1">
+          <dgm:alg type="sp"/>
+          <dgm:shape xmlns:r="http://schemas.openxmlformats.org/officeDocument/2006/relationships" type="rect" r:blip="" blipPhldr="1">
+            <dgm:adjLst/>
+          </dgm:shape>
+          <dgm:presOf/>
+          <dgm:constrLst/>
+          <dgm:ruleLst/>
+        </dgm:layoutNode>
+        <dgm:layoutNode name="spaceRect">
+          <dgm:alg type="sp"/>
+          <dgm:shape xmlns:r="http://schemas.openxmlformats.org/officeDocument/2006/relationships" r:blip="">
+            <dgm:adjLst/>
+          </dgm:shape>
+          <dgm:presOf/>
+          <dgm:constrLst/>
+          <dgm:ruleLst/>
+        </dgm:layoutNode>
+        <dgm:layoutNode name="parTx" styleLbl="revTx">
+          <dgm:varLst>
+            <dgm:chMax val="0"/>
+            <dgm:chPref val="0"/>
+          </dgm:varLst>
+          <dgm:alg type="tx">
+            <dgm:param type="txAnchorVert" val="mid"/>
+            <dgm:param type="parTxLTRAlign" val="l"/>
+            <dgm:param type="shpTxLTRAlignCh" val="l"/>
+            <dgm:param type="parTxRTLAlign" val="r"/>
+            <dgm:param type="shpTxRTLAlignCh" val="r"/>
+          </dgm:alg>
+          <dgm:shape xmlns:r="http://schemas.openxmlformats.org/officeDocument/2006/relationships" type="rect" r:blip="">
+            <dgm:adjLst/>
+          </dgm:shape>
+          <dgm:presOf axis="self" ptType="node"/>
+          <dgm:constrLst>
+            <dgm:constr type="lMarg" refType="h" fact="0.3"/>
+            <dgm:constr type="rMarg" refType="h" fact="0.3"/>
+            <dgm:constr type="tMarg" refType="h" fact="0.3"/>
+            <dgm:constr type="bMarg" refType="h" fact="0.3"/>
+          </dgm:constrLst>
+          <dgm:ruleLst>
+            <dgm:rule type="primFontSz" val="14" fact="NaN" max="NaN"/>
+            <dgm:rule type="h" val="INF" fact="NaN" max="NaN"/>
+          </dgm:ruleLst>
+        </dgm:layoutNode>
+        <dgm:choose name="Name12">
+          <dgm:if name="Name13" axis="ch" ptType="node" func="cnt" op="gte" val="1">
+            <dgm:layoutNode name="desTx" styleLbl="revTx">
+              <dgm:varLst/>
+              <dgm:alg type="tx">
+                <dgm:param type="txAnchorVertCh" val="mid"/>
+                <dgm:param type="parTxLTRAlign" val="l"/>
+                <dgm:param type="shpTxLTRAlignCh" val="l"/>
+                <dgm:param type="parTxRTLAlign" val="r"/>
+                <dgm:param type="shpTxRTLAlignCh" val="r"/>
+                <dgm:param type="stBulletLvl" val="0"/>
+              </dgm:alg>
+              <dgm:shape xmlns:r="http://schemas.openxmlformats.org/officeDocument/2006/relationships" type="rect" r:blip="">
+                <dgm:adjLst/>
+              </dgm:shape>
+              <dgm:presOf axis="des" ptType="node"/>
+              <dgm:constrLst>
+                <dgm:constr type="primFontSz" val="18"/>
+                <dgm:constr type="secFontSz" refType="primFontSz"/>
+                <dgm:constr type="lMarg" refType="h" fact="0.3"/>
+                <dgm:constr type="rMarg" refType="h" fact="0.3"/>
+                <dgm:constr type="tMarg" refType="h" fact="0.3"/>
+                <dgm:constr type="bMarg" refType="h" fact="0.3"/>
+              </dgm:constrLst>
+              <dgm:ruleLst>
+                <dgm:rule type="primFontSz" val="11" fact="NaN" max="NaN"/>
+              </dgm:ruleLst>
+            </dgm:layoutNode>
+          </dgm:if>
+          <dgm:else name="Name14"/>
+        </dgm:choose>
+      </dgm:layoutNode>
+      <dgm:forEach name="Name15" axis="followSib" ptType="sibTrans" cnt="1">
+        <dgm:layoutNode name="sibTrans">
+          <dgm:alg type="sp"/>
+          <dgm:shape xmlns:r="http://schemas.openxmlformats.org/officeDocument/2006/relationships" r:blip="">
+            <dgm:adjLst/>
+          </dgm:shape>
+          <dgm:presOf axis="self"/>
+          <dgm:constrLst/>
+          <dgm:ruleLst/>
+        </dgm:layoutNode>
+      </dgm:forEach>
+    </dgm:forEach>
+  </dgm:layoutNode>
+  <dgm:extLst>
+    <a:ext uri="{68A01E43-0DF5-4B5B-8FA6-DAF915123BFB}">
+      <dgm1612:lstStyle xmlns:dgm1612="http://schemas.microsoft.com/office/drawing/2016/12/diagram">
+        <a:lvl1pPr>
+          <a:lnSpc>
+            <a:spcPct val="100000"/>
+          </a:lnSpc>
+        </a:lvl1pPr>
+        <a:lvl2pPr>
+          <a:lnSpc>
+            <a:spcPct val="100000"/>
+          </a:lnSpc>
+        </a:lvl2pPr>
+      </dgm1612:lstStyle>
+    </a:ext>
+  </dgm:extLst>
+</dgm:layoutDef>
+</file>
+
+<file path=ppt/diagrams/layout2.xml><?xml version="1.0" encoding="utf-8"?>
+<dgm:layoutDef xmlns:dgm="http://schemas.openxmlformats.org/drawingml/2006/diagram" xmlns:a="http://schemas.openxmlformats.org/drawingml/2006/main" uniqueId="urn:microsoft.com/office/officeart/2018/5/layout/IconLeafLabelList">
+  <dgm:title val="Icon Leaf Label List"/>
+  <dgm:desc val="Use to show non-sequential or grouped chunks of information accompanied by a related visuals. Works best with icons or small pictures with short text captions."/>
+  <dgm:catLst>
+    <dgm:cat type="icon" pri="500"/>
+  </dgm:catLst>
+  <dgm:sampData useDef="1">
+    <dgm:dataModel>
+      <dgm:ptLst/>
+      <dgm:bg/>
+      <dgm:whole/>
+    </dgm:dataModel>
+  </dgm:sampData>
+  <dgm:styleData useDef="1">
+    <dgm:dataModel>
+      <dgm:ptLst/>
+      <dgm:bg/>
+      <dgm:whole/>
+    </dgm:dataModel>
+  </dgm:styleData>
+  <dgm:clrData useDef="1">
+    <dgm:dataModel>
+      <dgm:ptLst/>
+      <dgm:bg/>
+      <dgm:whole/>
+    </dgm:dataModel>
+  </dgm:clrData>
+  <dgm:layoutNode name="root">
+    <dgm:varLst>
+      <dgm:dir/>
+      <dgm:resizeHandles val="exact"/>
+    </dgm:varLst>
+    <dgm:choose name="Name0">
+      <dgm:if name="Name1" axis="self" func="var" arg="dir" op="equ" val="norm">
+        <dgm:alg type="snake">
+          <dgm:param type="grDir" val="tL"/>
+          <dgm:param type="flowDir" val="row"/>
+          <dgm:param type="contDir" val="sameDir"/>
+          <dgm:param type="off" val="ctr"/>
+          <dgm:param type="vertAlign" val="mid"/>
+          <dgm:param type="horzAlign" val="ctr"/>
+        </dgm:alg>
+      </dgm:if>
+      <dgm:else name="Name2">
+        <dgm:alg type="snake">
+          <dgm:param type="grDir" val="tR"/>
+          <dgm:param type="flowDir" val="row"/>
+          <dgm:param type="contDir" val="sameDir"/>
+          <dgm:param type="off" val="ctr"/>
+          <dgm:param type="vertAlign" val="mid"/>
+          <dgm:param type="horzAlign" val="ctr"/>
+        </dgm:alg>
+      </dgm:else>
+    </dgm:choose>
+    <dgm:shape xmlns:r="http://schemas.openxmlformats.org/officeDocument/2006/relationships" r:blip="">
+      <dgm:adjLst/>
+    </dgm:shape>
+    <dgm:presOf/>
+    <dgm:choose name="Name3">
+      <dgm:if name="Name4" axis="ch" ptType="node" func="cnt" op="lte" val="2">
+        <dgm:constrLst>
+          <dgm:constr type="h" for="ch" forName="compNode" refType="h" fact="0.4"/>
+          <dgm:constr type="w" for="ch" forName="compNode" val="100"/>
+          <dgm:constr type="w" for="ch" forName="sibTrans" refType="w" refFor="ch" refForName="compNode" fact="0.175"/>
+          <dgm:constr type="sp" refType="w" refFor="ch" refForName="compNode" op="equ" fact="0.25"/>
+          <dgm:constr type="primFontSz" for="des" ptType="node" op="equ" val="44"/>
+          <dgm:constr type="h" for="des" forName="compNode" op="equ"/>
+          <dgm:constr type="h" for="des" forName="textRect" op="equ"/>
+        </dgm:constrLst>
+      </dgm:if>
+      <dgm:if name="Name5" axis="ch" ptType="node" func="cnt" op="lte" val="3">
+        <dgm:constrLst>
+          <dgm:constr type="h" for="ch" forName="compNode" refType="h" fact="0.4"/>
+          <dgm:constr type="w" for="ch" forName="compNode" val="100"/>
+          <dgm:constr type="w" for="ch" forName="sibTrans" refType="w" refFor="ch" refForName="compNode" fact="0.175"/>
+          <dgm:constr type="sp" refType="w" refFor="ch" refForName="compNode" op="equ" fact="0.25"/>
+          <dgm:constr type="primFontSz" for="des" ptType="node" op="equ" val="40"/>
+          <dgm:constr type="h" for="des" forName="compNode" op="equ"/>
+          <dgm:constr type="h" for="des" forName="textRect" op="equ"/>
+        </dgm:constrLst>
+      </dgm:if>
+      <dgm:if name="Name6" axis="ch" ptType="node" func="cnt" op="lte" val="4">
+        <dgm:constrLst>
+          <dgm:constr type="h" for="ch" forName="compNode" refType="h" fact="0.4"/>
+          <dgm:constr type="w" for="ch" forName="compNode" refType="w"/>
+          <dgm:constr type="w" for="ch" forName="sibTrans" refType="w" refFor="ch" refForName="compNode" fact="0.175"/>
+          <dgm:constr type="sp" refType="w" refFor="ch" refForName="compNode" op="equ" fact="0.25"/>
+          <dgm:constr type="primFontSz" for="des" ptType="node" op="equ" val="32"/>
+          <dgm:constr type="h" for="des" forName="compNode" op="equ"/>
+          <dgm:constr type="h" for="des" forName="textRect" op="equ"/>
+        </dgm:constrLst>
+      </dgm:if>
+      <dgm:else name="Name7">
+        <dgm:constrLst>
+          <dgm:constr type="h" for="ch" forName="compNode" refType="h" fact="0.4"/>
+          <dgm:constr type="w" for="ch" forName="compNode" refType="w"/>
+          <dgm:constr type="w" for="ch" forName="sibTrans" refType="w" refFor="ch" refForName="compNode" fact="0.175"/>
+          <dgm:constr type="sp" refType="w" refFor="ch" refForName="compNode" op="equ" fact="0.25"/>
+          <dgm:constr type="primFontSz" for="des" ptType="node" op="equ" val="24"/>
+          <dgm:constr type="h" for="des" forName="compNode" op="equ"/>
+          <dgm:constr type="h" for="des" forName="textRect" op="equ"/>
+        </dgm:constrLst>
+      </dgm:else>
+    </dgm:choose>
+    <dgm:ruleLst>
+      <dgm:rule type="w" for="ch" forName="compNode" val="50" fact="NaN" max="NaN"/>
+    </dgm:ruleLst>
+    <dgm:forEach name="Name8" axis="ch" ptType="node">
+      <dgm:layoutNode name="compNode">
+        <dgm:alg type="composite"/>
+        <dgm:shape xmlns:r="http://schemas.openxmlformats.org/officeDocument/2006/relationships" r:blip="">
+          <dgm:adjLst/>
+        </dgm:shape>
+        <dgm:presOf axis="self"/>
+        <dgm:constrLst>
+          <dgm:constr type="w" for="ch" forName="iconBgRect" refType="w" fact="0.61"/>
+          <dgm:constr type="h" for="ch" forName="iconBgRect" refType="w" refFor="ch" refForName="iconBgRect"/>
+          <dgm:constr type="t" for="ch" forName="iconBgRect"/>
+          <dgm:constr type="ctrX" for="ch" forName="iconBgRect" refType="w" fact="0.5"/>
+          <dgm:constr type="w" for="ch" forName="iconRect" refType="w" fact="0.35"/>
+          <dgm:constr type="h" for="ch" forName="iconRect" refType="w" refFor="ch" refForName="iconRect"/>
+          <dgm:constr type="ctrX" for="ch" forName="iconRect" refType="ctrX" refFor="ch" refForName="iconBgRect"/>
+          <dgm:constr type="ctrY" for="ch" forName="iconRect" refType="ctrY" refFor="ch" refForName="iconBgRect"/>
+          <dgm:constr type="h" for="ch" forName="spaceRect" refType="w" fact="0.19"/>
+          <dgm:constr type="w" for="ch" forName="spaceRect" refType="w"/>
+          <dgm:constr type="l" for="ch" forName="spaceRect"/>
+          <dgm:constr type="t" for="ch" forName="spaceRect" refType="b" refFor="ch" refForName="iconBgRect"/>
+          <dgm:constr type="h" for="ch" forName="textRect" val="20"/>
+          <dgm:constr type="w" for="ch" forName="textRect" refType="w"/>
+          <dgm:constr type="l" for="ch" forName="textRect"/>
+          <dgm:constr type="t" for="ch" forName="textRect" refType="b" refFor="ch" refForName="spaceRect"/>
+        </dgm:constrLst>
+        <dgm:ruleLst>
+          <dgm:rule type="h" val="INF" fact="NaN" max="NaN"/>
+        </dgm:ruleLst>
+        <dgm:layoutNode name="iconBgRect" styleLbl="bgShp">
+          <dgm:alg type="sp"/>
+          <dgm:shape xmlns:r="http://schemas.openxmlformats.org/officeDocument/2006/relationships" type="round2DiagRect" r:blip="">
+            <dgm:adjLst/>
+            <dgm:extLst>
+              <a:ext uri="{B698B0E9-8C71-41B9-8309-B3DCBF30829C}">
+                <dgm1612:spPr xmlns:dgm1612="http://schemas.microsoft.com/office/drawing/2016/12/diagram">
+                  <a:prstGeom prst="round2DiagRect">
+                    <a:avLst>
+                      <a:gd name="adj1" fmla="val 29727"/>
+                      <a:gd name="adj2" fmla="val 0"/>
+                    </a:avLst>
+                  </a:prstGeom>
+                </dgm1612:spPr>
+              </a:ext>
+            </dgm:extLst>
+          </dgm:shape>
+          <dgm:presOf/>
+          <dgm:constrLst/>
+          <dgm:ruleLst/>
+        </dgm:layoutNode>
+        <dgm:layoutNode name="iconRect" styleLbl="node1">
+          <dgm:alg type="sp"/>
+          <dgm:shape xmlns:r="http://schemas.openxmlformats.org/officeDocument/2006/relationships" type="rect" r:blip="" blipPhldr="1">
+            <dgm:adjLst/>
+          </dgm:shape>
+          <dgm:presOf/>
+          <dgm:constrLst/>
+          <dgm:ruleLst/>
+        </dgm:layoutNode>
+        <dgm:layoutNode name="spaceRect">
+          <dgm:alg type="sp"/>
+          <dgm:shape xmlns:r="http://schemas.openxmlformats.org/officeDocument/2006/relationships" r:blip="">
+            <dgm:adjLst/>
+          </dgm:shape>
+          <dgm:presOf/>
+          <dgm:constrLst/>
+          <dgm:ruleLst/>
+        </dgm:layoutNode>
+        <dgm:layoutNode name="textRect" styleLbl="revTx">
+          <dgm:varLst>
+            <dgm:chMax val="1"/>
+            <dgm:chPref val="1"/>
+          </dgm:varLst>
+          <dgm:alg type="tx">
+            <dgm:param type="txAnchorVert" val="t"/>
+          </dgm:alg>
+          <dgm:shape xmlns:r="http://schemas.openxmlformats.org/officeDocument/2006/relationships" type="rect" r:blip="">
+            <dgm:adjLst/>
+          </dgm:shape>
+          <dgm:presOf axis="self" ptType="node"/>
+          <dgm:constrLst>
+            <dgm:constr type="lMarg"/>
+            <dgm:constr type="rMarg"/>
+            <dgm:constr type="tMarg"/>
+            <dgm:constr type="bMarg"/>
+          </dgm:constrLst>
+          <dgm:ruleLst>
+            <dgm:rule type="primFontSz" val="11" fact="NaN" max="NaN"/>
+            <dgm:rule type="h" val="INF" fact="NaN" max="NaN"/>
+          </dgm:ruleLst>
+        </dgm:layoutNode>
+      </dgm:layoutNode>
+      <dgm:forEach name="Name9" axis="followSib" ptType="sibTrans" cnt="1">
+        <dgm:layoutNode name="sibTrans">
+          <dgm:alg type="sp"/>
+          <dgm:shape xmlns:r="http://schemas.openxmlformats.org/officeDocument/2006/relationships" r:blip="">
+            <dgm:adjLst/>
+          </dgm:shape>
+          <dgm:presOf axis="self"/>
+          <dgm:constrLst/>
+          <dgm:ruleLst/>
+        </dgm:layoutNode>
+      </dgm:forEach>
+    </dgm:forEach>
+  </dgm:layoutNode>
+  <dgm:extLst>
+    <a:ext uri="{68A01E43-0DF5-4B5B-8FA6-DAF915123BFB}">
+      <dgm1612:lstStyle xmlns:dgm1612="http://schemas.microsoft.com/office/drawing/2016/12/diagram">
+        <a:lvl1pPr>
+          <a:lnSpc>
+            <a:spcPct val="100000"/>
+          </a:lnSpc>
+          <a:defRPr cap="all"/>
+        </a:lvl1pPr>
+      </dgm1612:lstStyle>
+    </a:ext>
+  </dgm:extLst>
+</dgm:layoutDef>
+</file>
+
+<file path=ppt/diagrams/quickStyle1.xml><?xml version="1.0" encoding="utf-8"?>
+<dgm:styleDef xmlns:dgm="http://schemas.openxmlformats.org/drawingml/2006/diagram" xmlns:a="http://schemas.openxmlformats.org/drawingml/2006/main" uniqueId="urn:microsoft.com/office/officeart/2005/8/quickstyle/simple1">
+  <dgm:title val=""/>
+  <dgm:desc val=""/>
+  <dgm:catLst>
+    <dgm:cat type="simple" pri="10100"/>
+  </dgm:catLst>
+  <dgm:scene3d>
+    <a:camera prst="orthographicFront"/>
+    <a:lightRig rig="threePt" dir="t"/>
+  </dgm:scene3d>
+  <dgm:styleLbl name="node0">
+    <dgm:scene3d>
+      <a:camera prst="orthographicFront"/>
+      <a:lightRig rig="threePt" dir="t"/>
+    </dgm:scene3d>
+    <dgm:sp3d/>
+    <dgm:txPr/>
+    <dgm:style>
+      <a:lnRef idx="2">
+        <a:scrgbClr r="0" g="0" b="0"/>
+      </a:lnRef>
+      <a:fillRef idx="1">
+        <a:scrgbClr r="0" g="0" b="0"/>
+      </a:fillRef>
+      <a:effectRef idx="0">
+        <a:scrgbClr r="0" g="0" b="0"/>
+      </a:effectRef>
+      <a:fontRef idx="minor">
+        <a:schemeClr val="lt1"/>
+      </a:fontRef>
+    </dgm:style>
+  </dgm:styleLbl>
+  <dgm:styleLbl name="lnNode1">
+    <dgm:scene3d>
+      <a:camera prst="orthographicFront"/>
+      <a:lightRig rig="threePt" dir="t"/>
+    </dgm:scene3d>
+    <dgm:sp3d/>
+    <dgm:txPr/>
+    <dgm:style>
+      <a:lnRef idx="2">
+        <a:scrgbClr r="0" g="0" b="0"/>
+      </a:lnRef>
+      <a:fillRef idx="1">
+        <a:scrgbClr r="0" g="0" b="0"/>
+      </a:fillRef>
+      <a:effectRef idx="0">
+        <a:scrgbClr r="0" g="0" b="0"/>
+      </a:effectRef>
+      <a:fontRef idx="minor">
+        <a:schemeClr val="lt1"/>
+      </a:fontRef>
+    </dgm:style>
+  </dgm:styleLbl>
+  <dgm:styleLbl name="vennNode1">
+    <dgm:scene3d>
+      <a:camera prst="orthographicFront"/>
+      <a:lightRig rig="threePt" dir="t"/>
+    </dgm:scene3d>
+    <dgm:sp3d/>
+    <dgm:txPr/>
+    <dgm:style>
+      <a:lnRef idx="2">
+        <a:scrgbClr r="0" g="0" b="0"/>
+      </a:lnRef>
+      <a:fillRef idx="1">
+        <a:scrgbClr r="0" g="0" b="0"/>
+      </a:fillRef>
+      <a:effectRef idx="0">
+        <a:scrgbClr r="0" g="0" b="0"/>
+      </a:effectRef>
+      <a:fontRef idx="minor">
+        <a:schemeClr val="tx1"/>
+      </a:fontRef>
+    </dgm:style>
+  </dgm:styleLbl>
+  <dgm:styleLbl name="alignNode1">
+    <dgm:scene3d>
+      <a:camera prst="orthographicFront"/>
+      <a:lightRig rig="threePt" dir="t"/>
+    </dgm:scene3d>
+    <dgm:sp3d/>
+    <dgm:txPr/>
+    <dgm:style>
+      <a:lnRef idx="2">
+        <a:scrgbClr r="0" g="0" b="0"/>
+      </a:lnRef>
+      <a:fillRef idx="1">
+        <a:scrgbClr r="0" g="0" b="0"/>
+      </a:fillRef>
+      <a:effectRef idx="0">
+        <a:scrgbClr r="0" g="0" b="0"/>
+      </a:effectRef>
+      <a:fontRef idx="minor">
+        <a:schemeClr val="lt1"/>
+      </a:fontRef>
+    </dgm:style>
+  </dgm:styleLbl>
+  <dgm:styleLbl name="node1">
+    <dgm:scene3d>
+      <a:camera prst="orthographicFront"/>
+      <a:lightRig rig="threePt" dir="t"/>
+    </dgm:scene3d>
+    <dgm:sp3d/>
+    <dgm:txPr/>
+    <dgm:style>
+      <a:lnRef idx="2">
+        <a:scrgbClr r="0" g="0" b="0"/>
+      </a:lnRef>
+      <a:fillRef idx="1">
+        <a:scrgbClr r="0" g="0" b="0"/>
+      </a:fillRef>
+      <a:effectRef idx="0">
+        <a:scrgbClr r="0" g="0" b="0"/>
+      </a:effectRef>
+      <a:fontRef idx="minor">
+        <a:schemeClr val="lt1"/>
+      </a:fontRef>
+    </dgm:style>
+  </dgm:styleLbl>
+  <dgm:styleLbl name="node2">
+    <dgm:scene3d>
+      <a:camera prst="orthographicFront"/>
+      <a:lightRig rig="threePt" dir="t"/>
+    </dgm:scene3d>
+    <dgm:sp3d/>
+    <dgm:txPr/>
+    <dgm:style>
+      <a:lnRef idx="2">
+        <a:scrgbClr r="0" g="0" b="0"/>
+      </a:lnRef>
+      <a:fillRef idx="1">
+        <a:scrgbClr r="0" g="0" b="0"/>
+      </a:fillRef>
+      <a:effectRef idx="0">
+        <a:scrgbClr r="0" g="0" b="0"/>
+      </a:effectRef>
+      <a:fontRef idx="minor">
+        <a:schemeClr val="lt1"/>
+      </a:fontRef>
+    </dgm:style>
+  </dgm:styleLbl>
+  <dgm:styleLbl name="node3">
+    <dgm:scene3d>
+      <a:camera prst="orthographicFront"/>
+      <a:lightRig rig="threePt" dir="t"/>
+    </dgm:scene3d>
+    <dgm:sp3d/>
+    <dgm:txPr/>
+    <dgm:style>
+      <a:lnRef idx="2">
+        <a:scrgbClr r="0" g="0" b="0"/>
+      </a:lnRef>
+      <a:fillRef idx="1">
+        <a:scrgbClr r="0" g="0" b="0"/>
+      </a:fillRef>
+      <a:effectRef idx="0">
+        <a:scrgbClr r="0" g="0" b="0"/>
+      </a:effectRef>
+      <a:fontRef idx="minor">
+        <a:schemeClr val="lt1"/>
+      </a:fontRef>
+    </dgm:style>
+  </dgm:styleLbl>
+  <dgm:styleLbl name="node4">
+    <dgm:scene3d>
+      <a:camera prst="orthographicFront"/>
+      <a:lightRig rig="threePt" dir="t"/>
+    </dgm:scene3d>
+    <dgm:sp3d/>
+    <dgm:txPr/>
+    <dgm:style>
+      <a:lnRef idx="2">
+        <a:scrgbClr r="0" g="0" b="0"/>
+      </a:lnRef>
+      <a:fillRef idx="1">
+        <a:scrgbClr r="0" g="0" b="0"/>
+      </a:fillRef>
+      <a:effectRef idx="0">
+        <a:scrgbClr r="0" g="0" b="0"/>
+      </a:effectRef>
+      <a:fontRef idx="minor">
+        <a:schemeClr val="lt1"/>
+      </a:fontRef>
+    </dgm:style>
+  </dgm:styleLbl>
+  <dgm:styleLbl name="fgImgPlace1">
+    <dgm:scene3d>
+      <a:camera prst="orthographicFront"/>
+      <a:lightRig rig="threePt" dir="t"/>
+    </dgm:scene3d>
+    <dgm:sp3d/>
+    <dgm:txPr/>
+    <dgm:style>
+      <a:lnRef idx="2">
+        <a:scrgbClr r="0" g="0" b="0"/>
+      </a:lnRef>
+      <a:fillRef idx="1">
+        <a:scrgbClr r="0" g="0" b="0"/>
+      </a:fillRef>
+      <a:effectRef idx="0">
+        <a:scrgbClr r="0" g="0" b="0"/>
+      </a:effectRef>
+      <a:fontRef idx="minor"/>
+    </dgm:style>
+  </dgm:styleLbl>
+  <dgm:styleLbl name="alignImgPlace1">
+    <dgm:scene3d>
+      <a:camera prst="orthographicFront"/>
+      <a:lightRig rig="threePt" dir="t"/>
+    </dgm:scene3d>
+    <dgm:sp3d/>
+    <dgm:txPr/>
+    <dgm:style>
+      <a:lnRef idx="2">
+        <a:scrgbClr r="0" g="0" b="0"/>
+      </a:lnRef>
+      <a:fillRef idx="1">
+        <a:scrgbClr r="0" g="0" b="0"/>
+      </a:fillRef>
+      <a:effectRef idx="0">
+        <a:scrgbClr r="0" g="0" b="0"/>
+      </a:effectRef>
+      <a:fontRef idx="minor"/>
+    </dgm:style>
+  </dgm:styleLbl>
+  <dgm:styleLbl name="bgImgPlace1">
+    <dgm:scene3d>
+      <a:camera prst="orthographicFront"/>
+      <a:lightRig rig="threePt" dir="t"/>
+    </dgm:scene3d>
+    <dgm:sp3d/>
+    <dgm:txPr/>
+    <dgm:style>
+      <a:lnRef idx="2">
+        <a:scrgbClr r="0" g="0" b="0"/>
+      </a:lnRef>
+      <a:fillRef idx="1">
+        <a:scrgbClr r="0" g="0" b="0"/>
+      </a:fillRef>
+      <a:effectRef idx="0">
+        <a:scrgbClr r="0" g="0" b="0"/>
+      </a:effectRef>
+      <a:fontRef idx="minor"/>
+    </dgm:style>
+  </dgm:styleLbl>
+  <dgm:styleLbl name="sibTrans2D1">
+    <dgm:scene3d>
+      <a:camera prst="orthographicFront"/>
+      <a:lightRig rig="threePt" dir="t"/>
+    </dgm:scene3d>
+    <dgm:sp3d/>
+    <dgm:txPr/>
+    <dgm:style>
+      <a:lnRef idx="0">
+        <a:scrgbClr r="0" g="0" b="0"/>
+      </a:lnRef>
+      <a:fillRef idx="1">
+        <a:scrgbClr r="0" g="0" b="0"/>
+      </a:fillRef>
+      <a:effectRef idx="0">
+        <a:scrgbClr r="0" g="0" b="0"/>
+      </a:effectRef>
+      <a:fontRef idx="minor">
+        <a:schemeClr val="lt1"/>
+      </a:fontRef>
+    </dgm:style>
+  </dgm:styleLbl>
+  <dgm:styleLbl name="fgSibTrans2D1">
+    <dgm:scene3d>
+      <a:camera prst="orthographicFront"/>
+      <a:lightRig rig="threePt" dir="t"/>
+    </dgm:scene3d>
+    <dgm:sp3d/>
+    <dgm:txPr/>
+    <dgm:style>
+      <a:lnRef idx="0">
+        <a:scrgbClr r="0" g="0" b="0"/>
+      </a:lnRef>
+      <a:fillRef idx="1">
+        <a:scrgbClr r="0" g="0" b="0"/>
+      </a:fillRef>
+      <a:effectRef idx="0">
+        <a:scrgbClr r="0" g="0" b="0"/>
+      </a:effectRef>
+      <a:fontRef idx="minor">
+        <a:schemeClr val="lt1"/>
+      </a:fontRef>
+    </dgm:style>
+  </dgm:styleLbl>
+  <dgm:styleLbl name="bgSibTrans2D1">
+    <dgm:scene3d>
+      <a:camera prst="orthographicFront"/>
+      <a:lightRig rig="threePt" dir="t"/>
+    </dgm:scene3d>
+    <dgm:sp3d/>
+    <dgm:txPr/>
+    <dgm:style>
+      <a:lnRef idx="0">
+        <a:scrgbClr r="0" g="0" b="0"/>
+      </a:lnRef>
+      <a:fillRef idx="1">
+        <a:scrgbClr r="0" g="0" b="0"/>
+      </a:fillRef>
+      <a:effectRef idx="0">
+        <a:scrgbClr r="0" g="0" b="0"/>
+      </a:effectRef>
+      <a:fontRef idx="minor">
+        <a:schemeClr val="lt1"/>
+      </a:fontRef>
+    </dgm:style>
+  </dgm:styleLbl>
+  <dgm:styleLbl name="sibTrans1D1">
+    <dgm:scene3d>
+      <a:camera prst="orthographicFront"/>
+      <a:lightRig rig="threePt" dir="t"/>
+    </dgm:scene3d>
+    <dgm:sp3d/>
+    <dgm:txPr/>
+    <dgm:style>
+      <a:lnRef idx="1">
+        <a:scrgbClr r="0" g="0" b="0"/>
+      </a:lnRef>
+      <a:fillRef idx="0">
+        <a:scrgbClr r="0" g="0" b="0"/>
+      </a:fillRef>
+      <a:effectRef idx="0">
+        <a:scrgbClr r="0" g="0" b="0"/>
+      </a:effectRef>
+      <a:fontRef idx="minor"/>
+    </dgm:style>
+  </dgm:styleLbl>
+  <dgm:styleLbl name="callout">
+    <dgm:scene3d>
+      <a:camera prst="orthographicFront"/>
+      <a:lightRig rig="threePt" dir="t"/>
+    </dgm:scene3d>
+    <dgm:sp3d/>
+    <dgm:txPr/>
+    <dgm:style>
+      <a:lnRef idx="2">
+        <a:scrgbClr r="0" g="0" b="0"/>
+      </a:lnRef>
+      <a:fillRef idx="1">
+        <a:scrgbClr r="0" g="0" b="0"/>
+      </a:fillRef>
+      <a:effectRef idx="0">
+        <a:scrgbClr r="0" g="0" b="0"/>
+      </a:effectRef>
+      <a:fontRef idx="minor"/>
+    </dgm:style>
+  </dgm:styleLbl>
+  <dgm:styleLbl name="asst0">
+    <dgm:scene3d>
+      <a:camera prst="orthographicFront"/>
+      <a:lightRig rig="threePt" dir="t"/>
+    </dgm:scene3d>
+    <dgm:sp3d/>
+    <dgm:txPr/>
+    <dgm:style>
+      <a:lnRef idx="2">
+        <a:scrgbClr r="0" g="0" b="0"/>
+      </a:lnRef>
+      <a:fillRef idx="1">
+        <a:scrgbClr r="0" g="0" b="0"/>
+      </a:fillRef>
+      <a:effectRef idx="0">
+        <a:scrgbClr r="0" g="0" b="0"/>
+      </a:effectRef>
+      <a:fontRef idx="minor">
+        <a:schemeClr val="lt1"/>
+      </a:fontRef>
+    </dgm:style>
+  </dgm:styleLbl>
+  <dgm:styleLbl name="asst1">
+    <dgm:scene3d>
+      <a:camera prst="orthographicFront"/>
+      <a:lightRig rig="threePt" dir="t"/>
+    </dgm:scene3d>
+    <dgm:sp3d/>
+    <dgm:txPr/>
+    <dgm:style>
+      <a:lnRef idx="2">
+        <a:scrgbClr r="0" g="0" b="0"/>
+      </a:lnRef>
+      <a:fillRef idx="1">
+        <a:scrgbClr r="0" g="0" b="0"/>
+      </a:fillRef>
+      <a:effectRef idx="0">
+        <a:scrgbClr r="0" g="0" b="0"/>
+      </a:effectRef>
+      <a:fontRef idx="minor">
+        <a:schemeClr val="lt1"/>
+      </a:fontRef>
+    </dgm:style>
+  </dgm:styleLbl>
+  <dgm:styleLbl name="asst2">
+    <dgm:scene3d>
+      <a:camera prst="orthographicFront"/>
+      <a:lightRig rig="threePt" dir="t"/>
+    </dgm:scene3d>
+    <dgm:sp3d/>
+    <dgm:txPr/>
+    <dgm:style>
+      <a:lnRef idx="2">
+        <a:scrgbClr r="0" g="0" b="0"/>
+      </a:lnRef>
+      <a:fillRef idx="1">
+        <a:scrgbClr r="0" g="0" b="0"/>
+      </a:fillRef>
+      <a:effectRef idx="0">
+        <a:scrgbClr r="0" g="0" b="0"/>
+      </a:effectRef>
+      <a:fontRef idx="minor">
+        <a:schemeClr val="lt1"/>
+      </a:fontRef>
+    </dgm:style>
+  </dgm:styleLbl>
+  <dgm:styleLbl name="asst3">
+    <dgm:scene3d>
+      <a:camera prst="orthographicFront"/>
+      <a:lightRig rig="threePt" dir="t"/>
+    </dgm:scene3d>
+    <dgm:sp3d/>
+    <dgm:txPr/>
+    <dgm:style>
+      <a:lnRef idx="2">
+        <a:scrgbClr r="0" g="0" b="0"/>
+      </a:lnRef>
+      <a:fillRef idx="1">
+        <a:scrgbClr r="0" g="0" b="0"/>
+      </a:fillRef>
+      <a:effectRef idx="0">
+        <a:scrgbClr r="0" g="0" b="0"/>
+      </a:effectRef>
+      <a:fontRef idx="minor">
+        <a:schemeClr val="lt1"/>
+      </a:fontRef>
+    </dgm:style>
+  </dgm:styleLbl>
+  <dgm:styleLbl name="asst4">
+    <dgm:scene3d>
+      <a:camera prst="orthographicFront"/>
+      <a:lightRig rig="threePt" dir="t"/>
+    </dgm:scene3d>
+    <dgm:sp3d/>
+    <dgm:txPr/>
+    <dgm:style>
+      <a:lnRef idx="2">
+        <a:scrgbClr r="0" g="0" b="0"/>
+      </a:lnRef>
+      <a:fillRef idx="1">
+        <a:scrgbClr r="0" g="0" b="0"/>
+      </a:fillRef>
+      <a:effectRef idx="0">
+        <a:scrgbClr r="0" g="0" b="0"/>
+      </a:effectRef>
+      <a:fontRef idx="minor">
+        <a:schemeClr val="lt1"/>
+      </a:fontRef>
+    </dgm:style>
+  </dgm:styleLbl>
+  <dgm:styleLbl name="parChTrans2D1">
+    <dgm:scene3d>
+      <a:camera prst="orthographicFront"/>
+      <a:lightRig rig="threePt" dir="t"/>
+    </dgm:scene3d>
+    <dgm:sp3d/>
+    <dgm:txPr/>
+    <dgm:style>
+      <a:lnRef idx="2">
+        <a:scrgbClr r="0" g="0" b="0"/>
+      </a:lnRef>
+      <a:fillRef idx="1">
+        <a:scrgbClr r="0" g="0" b="0"/>
+      </a:fillRef>
+      <a:effectRef idx="0">
+        <a:scrgbClr r="0" g="0" b="0"/>
+      </a:effectRef>
+      <a:fontRef idx="minor">
+        <a:schemeClr val="lt1"/>
+      </a:fontRef>
+    </dgm:style>
+  </dgm:styleLbl>
+  <dgm:styleLbl name="parChTrans2D2">
+    <dgm:scene3d>
+      <a:camera prst="orthographicFront"/>
+      <a:lightRig rig="threePt" dir="t"/>
+    </dgm:scene3d>
+    <dgm:sp3d/>
+    <dgm:txPr/>
+    <dgm:style>
+      <a:lnRef idx="2">
+        <a:scrgbClr r="0" g="0" b="0"/>
+      </a:lnRef>
+      <a:fillRef idx="1">
+        <a:scrgbClr r="0" g="0" b="0"/>
+      </a:fillRef>
+      <a:effectRef idx="0">
+        <a:scrgbClr r="0" g="0" b="0"/>
+      </a:effectRef>
+      <a:fontRef idx="minor">
+        <a:schemeClr val="lt1"/>
+      </a:fontRef>
+    </dgm:style>
+  </dgm:styleLbl>
+  <dgm:styleLbl name="parChTrans2D3">
+    <dgm:scene3d>
+      <a:camera prst="orthographicFront"/>
+      <a:lightRig rig="threePt" dir="t"/>
+    </dgm:scene3d>
+    <dgm:sp3d/>
+    <dgm:txPr/>
+    <dgm:style>
+      <a:lnRef idx="2">
+        <a:scrgbClr r="0" g="0" b="0"/>
+      </a:lnRef>
+      <a:fillRef idx="1">
+        <a:scrgbClr r="0" g="0" b="0"/>
+      </a:fillRef>
+      <a:effectRef idx="0">
+        <a:scrgbClr r="0" g="0" b="0"/>
+      </a:effectRef>
+      <a:fontRef idx="minor">
+        <a:schemeClr val="lt1"/>
+      </a:fontRef>
+    </dgm:style>
+  </dgm:styleLbl>
+  <dgm:styleLbl name="parChTrans2D4">
+    <dgm:scene3d>
+      <a:camera prst="orthographicFront"/>
+      <a:lightRig rig="threePt" dir="t"/>
+    </dgm:scene3d>
+    <dgm:sp3d/>
+    <dgm:txPr/>
+    <dgm:style>
+      <a:lnRef idx="2">
+        <a:scrgbClr r="0" g="0" b="0"/>
+      </a:lnRef>
+      <a:fillRef idx="1">
+        <a:scrgbClr r="0" g="0" b="0"/>
+      </a:fillRef>
+      <a:effectRef idx="0">
+        <a:scrgbClr r="0" g="0" b="0"/>
+      </a:effectRef>
+      <a:fontRef idx="minor">
+        <a:schemeClr val="lt1"/>
+      </a:fontRef>
+    </dgm:style>
+  </dgm:styleLbl>
+  <dgm:styleLbl name="parChTrans1D1">
+    <dgm:scene3d>
+      <a:camera prst="orthographicFront"/>
+      <a:lightRig rig="threePt" dir="t"/>
+    </dgm:scene3d>
+    <dgm:sp3d/>
+    <dgm:txPr/>
+    <dgm:style>
+      <a:lnRef idx="2">
+        <a:scrgbClr r="0" g="0" b="0"/>
+      </a:lnRef>
+      <a:fillRef idx="0">
+        <a:scrgbClr r="0" g="0" b="0"/>
+      </a:fillRef>
+      <a:effectRef idx="0">
+        <a:scrgbClr r="0" g="0" b="0"/>
+      </a:effectRef>
+      <a:fontRef idx="minor"/>
+    </dgm:style>
+  </dgm:styleLbl>
+  <dgm:styleLbl name="parChTrans1D2">
+    <dgm:scene3d>
+      <a:camera prst="orthographicFront"/>
+      <a:lightRig rig="threePt" dir="t"/>
+    </dgm:scene3d>
+    <dgm:sp3d/>
+    <dgm:txPr/>
+    <dgm:style>
+      <a:lnRef idx="2">
+        <a:scrgbClr r="0" g="0" b="0"/>
+      </a:lnRef>
+      <a:fillRef idx="0">
+        <a:scrgbClr r="0" g="0" b="0"/>
+      </a:fillRef>
+      <a:effectRef idx="0">
+        <a:scrgbClr r="0" g="0" b="0"/>
+      </a:effectRef>
+      <a:fontRef idx="minor"/>
+    </dgm:style>
+  </dgm:styleLbl>
+  <dgm:styleLbl name="parChTrans1D3">
+    <dgm:scene3d>
+      <a:camera prst="orthographicFront"/>
+      <a:lightRig rig="threePt" dir="t"/>
+    </dgm:scene3d>
+    <dgm:sp3d/>
+    <dgm:txPr/>
+    <dgm:style>
+      <a:lnRef idx="2">
+        <a:scrgbClr r="0" g="0" b="0"/>
+      </a:lnRef>
+      <a:fillRef idx="0">
+        <a:scrgbClr r="0" g="0" b="0"/>
+      </a:fillRef>
+      <a:effectRef idx="0">
+        <a:scrgbClr r="0" g="0" b="0"/>
+      </a:effectRef>
+      <a:fontRef idx="minor"/>
+    </dgm:style>
+  </dgm:styleLbl>
+  <dgm:styleLbl name="parChTrans1D4">
+    <dgm:scene3d>
+      <a:camera prst="orthographicFront"/>
+      <a:lightRig rig="threePt" dir="t"/>
+    </dgm:scene3d>
+    <dgm:sp3d/>
+    <dgm:txPr/>
+    <dgm:style>
+      <a:lnRef idx="2">
+        <a:scrgbClr r="0" g="0" b="0"/>
+      </a:lnRef>
+      <a:fillRef idx="0">
+        <a:scrgbClr r="0" g="0" b="0"/>
+      </a:fillRef>
+      <a:effectRef idx="0">
+        <a:scrgbClr r="0" g="0" b="0"/>
+      </a:effectRef>
+      <a:fontRef idx="minor"/>
+    </dgm:style>
+  </dgm:styleLbl>
+  <dgm:styleLbl name="fgAcc1">
+    <dgm:scene3d>
+      <a:camera prst="orthographicFront"/>
+      <a:lightRig rig="threePt" dir="t"/>
+    </dgm:scene3d>
+    <dgm:sp3d/>
+    <dgm:txPr/>
+    <dgm:style>
+      <a:lnRef idx="2">
+        <a:scrgbClr r="0" g="0" b="0"/>
+      </a:lnRef>
+      <a:fillRef idx="1">
+        <a:scrgbClr r="0" g="0" b="0"/>
+      </a:fillRef>
+      <a:effectRef idx="0">
+        <a:scrgbClr r="0" g="0" b="0"/>
+      </a:effectRef>
+      <a:fontRef idx="minor"/>
+    </dgm:style>
+  </dgm:styleLbl>
+  <dgm:styleLbl name="conFgAcc1">
+    <dgm:scene3d>
+      <a:camera prst="orthographicFront"/>
+      <a:lightRig rig="threePt" dir="t"/>
+    </dgm:scene3d>
+    <dgm:sp3d/>
+    <dgm:txPr/>
+    <dgm:style>
+      <a:lnRef idx="2">
+        <a:scrgbClr r="0" g="0" b="0"/>
+      </a:lnRef>
+      <a:fillRef idx="1">
+        <a:scrgbClr r="0" g="0" b="0"/>
+      </a:fillRef>
+      <a:effectRef idx="0">
+        <a:scrgbClr r="0" g="0" b="0"/>
+      </a:effectRef>
+      <a:fontRef idx="minor"/>
+    </dgm:style>
+  </dgm:styleLbl>
+  <dgm:styleLbl name="alignAcc1">
+    <dgm:scene3d>
+      <a:camera prst="orthographicFront"/>
+      <a:lightRig rig="threePt" dir="t"/>
+    </dgm:scene3d>
+    <dgm:sp3d/>
+    <dgm:txPr/>
+    <dgm:style>
+      <a:lnRef idx="2">
+        <a:scrgbClr r="0" g="0" b="0"/>
+      </a:lnRef>
+      <a:fillRef idx="1">
+        <a:scrgbClr r="0" g="0" b="0"/>
+      </a:fillRef>
+      <a:effectRef idx="0">
+        <a:scrgbClr r="0" g="0" b="0"/>
+      </a:effectRef>
+      <a:fontRef idx="minor"/>
+    </dgm:style>
+  </dgm:styleLbl>
+  <dgm:styleLbl name="trAlignAcc1">
+    <dgm:scene3d>
+      <a:camera prst="orthographicFront"/>
+      <a:lightRig rig="threePt" dir="t"/>
+    </dgm:scene3d>
+    <dgm:sp3d/>
+    <dgm:txPr/>
+    <dgm:style>
+      <a:lnRef idx="1">
+        <a:scrgbClr r="0" g="0" b="0"/>
+      </a:lnRef>
+      <a:fillRef idx="1">
+        <a:scrgbClr r="0" g="0" b="0"/>
+      </a:fillRef>
+      <a:effectRef idx="0">
+        <a:scrgbClr r="0" g="0" b="0"/>
+      </a:effectRef>
+      <a:fontRef idx="minor"/>
+    </dgm:style>
+  </dgm:styleLbl>
+  <dgm:styleLbl name="bgAcc1">
+    <dgm:scene3d>
+      <a:camera prst="orthographicFront"/>
+      <a:lightRig rig="threePt" dir="t"/>
+    </dgm:scene3d>
+    <dgm:sp3d/>
+    <dgm:txPr/>
+    <dgm:style>
+      <a:lnRef idx="2">
+        <a:scrgbClr r="0" g="0" b="0"/>
+      </a:lnRef>
+      <a:fillRef idx="1">
+        <a:scrgbClr r="0" g="0" b="0"/>
+      </a:fillRef>
+      <a:effectRef idx="0">
+        <a:scrgbClr r="0" g="0" b="0"/>
+      </a:effectRef>
+      <a:fontRef idx="minor"/>
+    </dgm:style>
+  </dgm:styleLbl>
+  <dgm:styleLbl name="solidFgAcc1">
+    <dgm:scene3d>
+      <a:camera prst="orthographicFront"/>
+      <a:lightRig rig="threePt" dir="t"/>
+    </dgm:scene3d>
+    <dgm:sp3d/>
+    <dgm:txPr/>
+    <dgm:style>
+      <a:lnRef idx="2">
+        <a:scrgbClr r="0" g="0" b="0"/>
+      </a:lnRef>
+      <a:fillRef idx="1">
+        <a:scrgbClr r="0" g="0" b="0"/>
+      </a:fillRef>
+      <a:effectRef idx="0">
+        <a:scrgbClr r="0" g="0" b="0"/>
+      </a:effectRef>
+      <a:fontRef idx="minor"/>
+    </dgm:style>
+  </dgm:styleLbl>
+  <dgm:styleLbl name="solidAlignAcc1">
+    <dgm:scene3d>
+      <a:camera prst="orthographicFront"/>
+      <a:lightRig rig="threePt" dir="t"/>
+    </dgm:scene3d>
+    <dgm:sp3d/>
+    <dgm:txPr/>
+    <dgm:style>
+      <a:lnRef idx="2">
+        <a:scrgbClr r="0" g="0" b="0"/>
+      </a:lnRef>
+      <a:fillRef idx="1">
+        <a:scrgbClr r="0" g="0" b="0"/>
+      </a:fillRef>
+      <a:effectRef idx="0">
+        <a:scrgbClr r="0" g="0" b="0"/>
+      </a:effectRef>
+      <a:fontRef idx="minor"/>
+    </dgm:style>
+  </dgm:styleLbl>
+  <dgm:styleLbl name="solidBgAcc1">
+    <dgm:scene3d>
+      <a:camera prst="orthographicFront"/>
+      <a:lightRig rig="threePt" dir="t"/>
+    </dgm:scene3d>
+    <dgm:sp3d/>
+    <dgm:txPr/>
+    <dgm:style>
+      <a:lnRef idx="2">
+        <a:scrgbClr r="0" g="0" b="0"/>
+      </a:lnRef>
+      <a:fillRef idx="1">
+        <a:scrgbClr r="0" g="0" b="0"/>
+      </a:fillRef>
+      <a:effectRef idx="0">
+        <a:scrgbClr r="0" g="0" b="0"/>
+      </a:effectRef>
+      <a:fontRef idx="minor"/>
+    </dgm:style>
+  </dgm:styleLbl>
+  <dgm:styleLbl name="fgAccFollowNode1">
+    <dgm:scene3d>
+      <a:camera prst="orthographicFront"/>
+      <a:lightRig rig="threePt" dir="t"/>
+    </dgm:scene3d>
+    <dgm:sp3d/>
+    <dgm:txPr/>
+    <dgm:style>
+      <a:lnRef idx="2">
+        <a:scrgbClr r="0" g="0" b="0"/>
+      </a:lnRef>
+      <a:fillRef idx="1">
+        <a:scrgbClr r="0" g="0" b="0"/>
+      </a:fillRef>
+      <a:effectRef idx="0">
+        <a:scrgbClr r="0" g="0" b="0"/>
+      </a:effectRef>
+      <a:fontRef idx="minor"/>
+    </dgm:style>
+  </dgm:styleLbl>
+  <dgm:styleLbl name="alignAccFollowNode1">
+    <dgm:scene3d>
+      <a:camera prst="orthographicFront"/>
+      <a:lightRig rig="threePt" dir="t"/>
+    </dgm:scene3d>
+    <dgm:sp3d/>
+    <dgm:txPr/>
+    <dgm:style>
+      <a:lnRef idx="2">
+        <a:scrgbClr r="0" g="0" b="0"/>
+      </a:lnRef>
+      <a:fillRef idx="1">
+        <a:scrgbClr r="0" g="0" b="0"/>
+      </a:fillRef>
+      <a:effectRef idx="0">
+        <a:scrgbClr r="0" g="0" b="0"/>
+      </a:effectRef>
+      <a:fontRef idx="minor"/>
+    </dgm:style>
+  </dgm:styleLbl>
+  <dgm:styleLbl name="bgAccFollowNode1">
+    <dgm:scene3d>
+      <a:camera prst="orthographicFront"/>
+      <a:lightRig rig="threePt" dir="t"/>
+    </dgm:scene3d>
+    <dgm:sp3d/>
+    <dgm:txPr/>
+    <dgm:style>
+      <a:lnRef idx="2">
+        <a:scrgbClr r="0" g="0" b="0"/>
+      </a:lnRef>
+      <a:fillRef idx="1">
+        <a:scrgbClr r="0" g="0" b="0"/>
+      </a:fillRef>
+      <a:effectRef idx="0">
+        <a:scrgbClr r="0" g="0" b="0"/>
+      </a:effectRef>
+      <a:fontRef idx="minor"/>
+    </dgm:style>
+  </dgm:styleLbl>
+  <dgm:styleLbl name="fgAcc0">
+    <dgm:scene3d>
+      <a:camera prst="orthographicFront"/>
+      <a:lightRig rig="threePt" dir="t"/>
+    </dgm:scene3d>
+    <dgm:sp3d/>
+    <dgm:txPr/>
+    <dgm:style>
+      <a:lnRef idx="2">
+        <a:scrgbClr r="0" g="0" b="0"/>
+      </a:lnRef>
+      <a:fillRef idx="1">
+        <a:scrgbClr r="0" g="0" b="0"/>
+      </a:fillRef>
+      <a:effectRef idx="0">
+        <a:scrgbClr r="0" g="0" b="0"/>
+      </a:effectRef>
+      <a:fontRef idx="minor"/>
+    </dgm:style>
+  </dgm:styleLbl>
+  <dgm:styleLbl name="fgAcc2">
+    <dgm:scene3d>
+      <a:camera prst="orthographicFront"/>
+      <a:lightRig rig="threePt" dir="t"/>
+    </dgm:scene3d>
+    <dgm:sp3d/>
+    <dgm:txPr/>
+    <dgm:style>
+      <a:lnRef idx="2">
+        <a:scrgbClr r="0" g="0" b="0"/>
+      </a:lnRef>
+      <a:fillRef idx="1">
+        <a:scrgbClr r="0" g="0" b="0"/>
+      </a:fillRef>
+      <a:effectRef idx="0">
+        <a:scrgbClr r="0" g="0" b="0"/>
+      </a:effectRef>
+      <a:fontRef idx="minor"/>
+    </dgm:style>
+  </dgm:styleLbl>
+  <dgm:styleLbl name="fgAcc3">
+    <dgm:scene3d>
+      <a:camera prst="orthographicFront"/>
+      <a:lightRig rig="threePt" dir="t"/>
+    </dgm:scene3d>
+    <dgm:sp3d/>
+    <dgm:txPr/>
+    <dgm:style>
+      <a:lnRef idx="2">
+        <a:scrgbClr r="0" g="0" b="0"/>
+      </a:lnRef>
+      <a:fillRef idx="1">
+        <a:scrgbClr r="0" g="0" b="0"/>
+      </a:fillRef>
+      <a:effectRef idx="0">
+        <a:scrgbClr r="0" g="0" b="0"/>
+      </a:effectRef>
+      <a:fontRef idx="minor"/>
+    </dgm:style>
+  </dgm:styleLbl>
+  <dgm:styleLbl name="fgAcc4">
+    <dgm:scene3d>
+      <a:camera prst="orthographicFront"/>
+      <a:lightRig rig="threePt" dir="t"/>
+    </dgm:scene3d>
+    <dgm:sp3d/>
+    <dgm:txPr/>
+    <dgm:style>
+      <a:lnRef idx="2">
+        <a:scrgbClr r="0" g="0" b="0"/>
+      </a:lnRef>
+      <a:fillRef idx="1">
+        <a:scrgbClr r="0" g="0" b="0"/>
+      </a:fillRef>
+      <a:effectRef idx="0">
+        <a:scrgbClr r="0" g="0" b="0"/>
+      </a:effectRef>
+      <a:fontRef idx="minor"/>
+    </dgm:style>
+  </dgm:styleLbl>
+  <dgm:styleLbl name="bgShp">
+    <dgm:scene3d>
+      <a:camera prst="orthographicFront"/>
+      <a:lightRig rig="threePt" dir="t"/>
+    </dgm:scene3d>
+    <dgm:sp3d/>
+    <dgm:txPr/>
+    <dgm:style>
+      <a:lnRef idx="0">
+        <a:scrgbClr r="0" g="0" b="0"/>
+      </a:lnRef>
+      <a:fillRef idx="1">
+        <a:scrgbClr r="0" g="0" b="0"/>
+      </a:fillRef>
+      <a:effectRef idx="0">
+        <a:scrgbClr r="0" g="0" b="0"/>
+      </a:effectRef>
+      <a:fontRef idx="minor"/>
+    </dgm:style>
+  </dgm:styleLbl>
+  <dgm:styleLbl name="dkBgShp">
+    <dgm:scene3d>
+      <a:camera prst="orthographicFront"/>
+      <a:lightRig rig="threePt" dir="t"/>
+    </dgm:scene3d>
+    <dgm:sp3d/>
+    <dgm:txPr/>
+    <dgm:style>
+      <a:lnRef idx="0">
+        <a:scrgbClr r="0" g="0" b="0"/>
+      </a:lnRef>
+      <a:fillRef idx="1">
+        <a:scrgbClr r="0" g="0" b="0"/>
+      </a:fillRef>
+      <a:effectRef idx="0">
+        <a:scrgbClr r="0" g="0" b="0"/>
+      </a:effectRef>
+      <a:fontRef idx="minor"/>
+    </dgm:style>
+  </dgm:styleLbl>
+  <dgm:styleLbl name="trBgShp">
+    <dgm:scene3d>
+      <a:camera prst="orthographicFront"/>
+      <a:lightRig rig="threePt" dir="t"/>
+    </dgm:scene3d>
+    <dgm:sp3d/>
+    <dgm:txPr/>
+    <dgm:style>
+      <a:lnRef idx="0">
+        <a:scrgbClr r="0" g="0" b="0"/>
+      </a:lnRef>
+      <a:fillRef idx="1">
+        <a:scrgbClr r="0" g="0" b="0"/>
+      </a:fillRef>
+      <a:effectRef idx="0">
+        <a:scrgbClr r="0" g="0" b="0"/>
+      </a:effectRef>
+      <a:fontRef idx="minor"/>
+    </dgm:style>
+  </dgm:styleLbl>
+  <dgm:styleLbl name="fgShp">
+    <dgm:scene3d>
+      <a:camera prst="orthographicFront"/>
+      <a:lightRig rig="threePt" dir="t"/>
+    </dgm:scene3d>
+    <dgm:sp3d/>
+    <dgm:txPr/>
+    <dgm:style>
+      <a:lnRef idx="2">
+        <a:scrgbClr r="0" g="0" b="0"/>
+      </a:lnRef>
+      <a:fillRef idx="1">
+        <a:scrgbClr r="0" g="0" b="0"/>
+      </a:fillRef>
+      <a:effectRef idx="0">
+        <a:scrgbClr r="0" g="0" b="0"/>
+      </a:effectRef>
+      <a:fontRef idx="minor"/>
+    </dgm:style>
+  </dgm:styleLbl>
+  <dgm:styleLbl name="revTx">
+    <dgm:scene3d>
+      <a:camera prst="orthographicFront"/>
+      <a:lightRig rig="threePt" dir="t"/>
+    </dgm:scene3d>
+    <dgm:sp3d/>
+    <dgm:txPr/>
+    <dgm:style>
+      <a:lnRef idx="0">
+        <a:scrgbClr r="0" g="0" b="0"/>
+      </a:lnRef>
+      <a:fillRef idx="0">
+        <a:scrgbClr r="0" g="0" b="0"/>
+      </a:fillRef>
+      <a:effectRef idx="0">
+        <a:scrgbClr r="0" g="0" b="0"/>
+      </a:effectRef>
+      <a:fontRef idx="minor"/>
+    </dgm:style>
+  </dgm:styleLbl>
+</dgm:styleDef>
+</file>
+
+<file path=ppt/diagrams/quickStyle2.xml><?xml version="1.0" encoding="utf-8"?>
+<dgm:styleDef xmlns:dgm="http://schemas.openxmlformats.org/drawingml/2006/diagram" xmlns:a="http://schemas.openxmlformats.org/drawingml/2006/main" uniqueId="urn:microsoft.com/office/officeart/2005/8/quickstyle/simple1">
+  <dgm:title val=""/>
+  <dgm:desc val=""/>
+  <dgm:catLst>
+    <dgm:cat type="simple" pri="10100"/>
+  </dgm:catLst>
+  <dgm:scene3d>
+    <a:camera prst="orthographicFront"/>
+    <a:lightRig rig="threePt" dir="t"/>
+  </dgm:scene3d>
+  <dgm:styleLbl name="node0">
+    <dgm:scene3d>
+      <a:camera prst="orthographicFront"/>
+      <a:lightRig rig="threePt" dir="t"/>
+    </dgm:scene3d>
+    <dgm:sp3d/>
+    <dgm:txPr/>
+    <dgm:style>
+      <a:lnRef idx="2">
+        <a:scrgbClr r="0" g="0" b="0"/>
+      </a:lnRef>
+      <a:fillRef idx="1">
+        <a:scrgbClr r="0" g="0" b="0"/>
+      </a:fillRef>
+      <a:effectRef idx="0">
+        <a:scrgbClr r="0" g="0" b="0"/>
+      </a:effectRef>
+      <a:fontRef idx="minor">
+        <a:schemeClr val="lt1"/>
+      </a:fontRef>
+    </dgm:style>
+  </dgm:styleLbl>
+  <dgm:styleLbl name="lnNode1">
+    <dgm:scene3d>
+      <a:camera prst="orthographicFront"/>
+      <a:lightRig rig="threePt" dir="t"/>
+    </dgm:scene3d>
+    <dgm:sp3d/>
+    <dgm:txPr/>
+    <dgm:style>
+      <a:lnRef idx="2">
+        <a:scrgbClr r="0" g="0" b="0"/>
+      </a:lnRef>
+      <a:fillRef idx="1">
+        <a:scrgbClr r="0" g="0" b="0"/>
+      </a:fillRef>
+      <a:effectRef idx="0">
+        <a:scrgbClr r="0" g="0" b="0"/>
+      </a:effectRef>
+      <a:fontRef idx="minor">
+        <a:schemeClr val="lt1"/>
+      </a:fontRef>
+    </dgm:style>
+  </dgm:styleLbl>
+  <dgm:styleLbl name="vennNode1">
+    <dgm:scene3d>
+      <a:camera prst="orthographicFront"/>
+      <a:lightRig rig="threePt" dir="t"/>
+    </dgm:scene3d>
+    <dgm:sp3d/>
+    <dgm:txPr/>
+    <dgm:style>
+      <a:lnRef idx="2">
+        <a:scrgbClr r="0" g="0" b="0"/>
+      </a:lnRef>
+      <a:fillRef idx="1">
+        <a:scrgbClr r="0" g="0" b="0"/>
+      </a:fillRef>
+      <a:effectRef idx="0">
+        <a:scrgbClr r="0" g="0" b="0"/>
+      </a:effectRef>
+      <a:fontRef idx="minor">
+        <a:schemeClr val="tx1"/>
+      </a:fontRef>
+    </dgm:style>
+  </dgm:styleLbl>
+  <dgm:styleLbl name="alignNode1">
+    <dgm:scene3d>
+      <a:camera prst="orthographicFront"/>
+      <a:lightRig rig="threePt" dir="t"/>
+    </dgm:scene3d>
+    <dgm:sp3d/>
+    <dgm:txPr/>
+    <dgm:style>
+      <a:lnRef idx="2">
+        <a:scrgbClr r="0" g="0" b="0"/>
+      </a:lnRef>
+      <a:fillRef idx="1">
+        <a:scrgbClr r="0" g="0" b="0"/>
+      </a:fillRef>
+      <a:effectRef idx="0">
+        <a:scrgbClr r="0" g="0" b="0"/>
+      </a:effectRef>
+      <a:fontRef idx="minor">
+        <a:schemeClr val="lt1"/>
+      </a:fontRef>
+    </dgm:style>
+  </dgm:styleLbl>
+  <dgm:styleLbl name="node1">
+    <dgm:scene3d>
+      <a:camera prst="orthographicFront"/>
+      <a:lightRig rig="threePt" dir="t"/>
+    </dgm:scene3d>
+    <dgm:sp3d/>
+    <dgm:txPr/>
+    <dgm:style>
+      <a:lnRef idx="2">
+        <a:scrgbClr r="0" g="0" b="0"/>
+      </a:lnRef>
+      <a:fillRef idx="1">
+        <a:scrgbClr r="0" g="0" b="0"/>
+      </a:fillRef>
+      <a:effectRef idx="0">
+        <a:scrgbClr r="0" g="0" b="0"/>
+      </a:effectRef>
+      <a:fontRef idx="minor">
+        <a:schemeClr val="lt1"/>
+      </a:fontRef>
+    </dgm:style>
+  </dgm:styleLbl>
+  <dgm:styleLbl name="node2">
+    <dgm:scene3d>
+      <a:camera prst="orthographicFront"/>
+      <a:lightRig rig="threePt" dir="t"/>
+    </dgm:scene3d>
+    <dgm:sp3d/>
+    <dgm:txPr/>
+    <dgm:style>
+      <a:lnRef idx="2">
+        <a:scrgbClr r="0" g="0" b="0"/>
+      </a:lnRef>
+      <a:fillRef idx="1">
+        <a:scrgbClr r="0" g="0" b="0"/>
+      </a:fillRef>
+      <a:effectRef idx="0">
+        <a:scrgbClr r="0" g="0" b="0"/>
+      </a:effectRef>
+      <a:fontRef idx="minor">
+        <a:schemeClr val="lt1"/>
+      </a:fontRef>
+    </dgm:style>
+  </dgm:styleLbl>
+  <dgm:styleLbl name="node3">
+    <dgm:scene3d>
+      <a:camera prst="orthographicFront"/>
+      <a:lightRig rig="threePt" dir="t"/>
+    </dgm:scene3d>
+    <dgm:sp3d/>
+    <dgm:txPr/>
+    <dgm:style>
+      <a:lnRef idx="2">
+        <a:scrgbClr r="0" g="0" b="0"/>
+      </a:lnRef>
+      <a:fillRef idx="1">
+        <a:scrgbClr r="0" g="0" b="0"/>
+      </a:fillRef>
+      <a:effectRef idx="0">
+        <a:scrgbClr r="0" g="0" b="0"/>
+      </a:effectRef>
+      <a:fontRef idx="minor">
+        <a:schemeClr val="lt1"/>
+      </a:fontRef>
+    </dgm:style>
+  </dgm:styleLbl>
+  <dgm:styleLbl name="node4">
+    <dgm:scene3d>
+      <a:camera prst="orthographicFront"/>
+      <a:lightRig rig="threePt" dir="t"/>
+    </dgm:scene3d>
+    <dgm:sp3d/>
+    <dgm:txPr/>
+    <dgm:style>
+      <a:lnRef idx="2">
+        <a:scrgbClr r="0" g="0" b="0"/>
+      </a:lnRef>
+      <a:fillRef idx="1">
+        <a:scrgbClr r="0" g="0" b="0"/>
+      </a:fillRef>
+      <a:effectRef idx="0">
+        <a:scrgbClr r="0" g="0" b="0"/>
+      </a:effectRef>
+      <a:fontRef idx="minor">
+        <a:schemeClr val="lt1"/>
+      </a:fontRef>
+    </dgm:style>
+  </dgm:styleLbl>
+  <dgm:styleLbl name="fgImgPlace1">
+    <dgm:scene3d>
+      <a:camera prst="orthographicFront"/>
+      <a:lightRig rig="threePt" dir="t"/>
+    </dgm:scene3d>
+    <dgm:sp3d/>
+    <dgm:txPr/>
+    <dgm:style>
+      <a:lnRef idx="2">
+        <a:scrgbClr r="0" g="0" b="0"/>
+      </a:lnRef>
+      <a:fillRef idx="1">
+        <a:scrgbClr r="0" g="0" b="0"/>
+      </a:fillRef>
+      <a:effectRef idx="0">
+        <a:scrgbClr r="0" g="0" b="0"/>
+      </a:effectRef>
+      <a:fontRef idx="minor"/>
+    </dgm:style>
+  </dgm:styleLbl>
+  <dgm:styleLbl name="alignImgPlace1">
+    <dgm:scene3d>
+      <a:camera prst="orthographicFront"/>
+      <a:lightRig rig="threePt" dir="t"/>
+    </dgm:scene3d>
+    <dgm:sp3d/>
+    <dgm:txPr/>
+    <dgm:style>
+      <a:lnRef idx="2">
+        <a:scrgbClr r="0" g="0" b="0"/>
+      </a:lnRef>
+      <a:fillRef idx="1">
+        <a:scrgbClr r="0" g="0" b="0"/>
+      </a:fillRef>
+      <a:effectRef idx="0">
+        <a:scrgbClr r="0" g="0" b="0"/>
+      </a:effectRef>
+      <a:fontRef idx="minor"/>
+    </dgm:style>
+  </dgm:styleLbl>
+  <dgm:styleLbl name="bgImgPlace1">
+    <dgm:scene3d>
+      <a:camera prst="orthographicFront"/>
+      <a:lightRig rig="threePt" dir="t"/>
+    </dgm:scene3d>
+    <dgm:sp3d/>
+    <dgm:txPr/>
+    <dgm:style>
+      <a:lnRef idx="2">
+        <a:scrgbClr r="0" g="0" b="0"/>
+      </a:lnRef>
+      <a:fillRef idx="1">
+        <a:scrgbClr r="0" g="0" b="0"/>
+      </a:fillRef>
+      <a:effectRef idx="0">
+        <a:scrgbClr r="0" g="0" b="0"/>
+      </a:effectRef>
+      <a:fontRef idx="minor"/>
+    </dgm:style>
+  </dgm:styleLbl>
+  <dgm:styleLbl name="sibTrans2D1">
+    <dgm:scene3d>
+      <a:camera prst="orthographicFront"/>
+      <a:lightRig rig="threePt" dir="t"/>
+    </dgm:scene3d>
+    <dgm:sp3d/>
+    <dgm:txPr/>
+    <dgm:style>
+      <a:lnRef idx="0">
+        <a:scrgbClr r="0" g="0" b="0"/>
+      </a:lnRef>
+      <a:fillRef idx="1">
+        <a:scrgbClr r="0" g="0" b="0"/>
+      </a:fillRef>
+      <a:effectRef idx="0">
+        <a:scrgbClr r="0" g="0" b="0"/>
+      </a:effectRef>
+      <a:fontRef idx="minor">
+        <a:schemeClr val="lt1"/>
+      </a:fontRef>
+    </dgm:style>
+  </dgm:styleLbl>
+  <dgm:styleLbl name="fgSibTrans2D1">
+    <dgm:scene3d>
+      <a:camera prst="orthographicFront"/>
+      <a:lightRig rig="threePt" dir="t"/>
+    </dgm:scene3d>
+    <dgm:sp3d/>
+    <dgm:txPr/>
+    <dgm:style>
+      <a:lnRef idx="0">
+        <a:scrgbClr r="0" g="0" b="0"/>
+      </a:lnRef>
+      <a:fillRef idx="1">
+        <a:scrgbClr r="0" g="0" b="0"/>
+      </a:fillRef>
+      <a:effectRef idx="0">
+        <a:scrgbClr r="0" g="0" b="0"/>
+      </a:effectRef>
+      <a:fontRef idx="minor">
+        <a:schemeClr val="lt1"/>
+      </a:fontRef>
+    </dgm:style>
+  </dgm:styleLbl>
+  <dgm:styleLbl name="bgSibTrans2D1">
+    <dgm:scene3d>
+      <a:camera prst="orthographicFront"/>
+      <a:lightRig rig="threePt" dir="t"/>
+    </dgm:scene3d>
+    <dgm:sp3d/>
+    <dgm:txPr/>
+    <dgm:style>
+      <a:lnRef idx="0">
+        <a:scrgbClr r="0" g="0" b="0"/>
+      </a:lnRef>
+      <a:fillRef idx="1">
+        <a:scrgbClr r="0" g="0" b="0"/>
+      </a:fillRef>
+      <a:effectRef idx="0">
+        <a:scrgbClr r="0" g="0" b="0"/>
+      </a:effectRef>
+      <a:fontRef idx="minor">
+        <a:schemeClr val="lt1"/>
+      </a:fontRef>
+    </dgm:style>
+  </dgm:styleLbl>
+  <dgm:styleLbl name="sibTrans1D1">
+    <dgm:scene3d>
+      <a:camera prst="orthographicFront"/>
+      <a:lightRig rig="threePt" dir="t"/>
+    </dgm:scene3d>
+    <dgm:sp3d/>
+    <dgm:txPr/>
+    <dgm:style>
+      <a:lnRef idx="1">
+        <a:scrgbClr r="0" g="0" b="0"/>
+      </a:lnRef>
+      <a:fillRef idx="0">
+        <a:scrgbClr r="0" g="0" b="0"/>
+      </a:fillRef>
+      <a:effectRef idx="0">
+        <a:scrgbClr r="0" g="0" b="0"/>
+      </a:effectRef>
+      <a:fontRef idx="minor"/>
+    </dgm:style>
+  </dgm:styleLbl>
+  <dgm:styleLbl name="callout">
+    <dgm:scene3d>
+      <a:camera prst="orthographicFront"/>
+      <a:lightRig rig="threePt" dir="t"/>
+    </dgm:scene3d>
+    <dgm:sp3d/>
+    <dgm:txPr/>
+    <dgm:style>
+      <a:lnRef idx="2">
+        <a:scrgbClr r="0" g="0" b="0"/>
+      </a:lnRef>
+      <a:fillRef idx="1">
+        <a:scrgbClr r="0" g="0" b="0"/>
+      </a:fillRef>
+      <a:effectRef idx="0">
+        <a:scrgbClr r="0" g="0" b="0"/>
+      </a:effectRef>
+      <a:fontRef idx="minor"/>
+    </dgm:style>
+  </dgm:styleLbl>
+  <dgm:styleLbl name="asst0">
+    <dgm:scene3d>
+      <a:camera prst="orthographicFront"/>
+      <a:lightRig rig="threePt" dir="t"/>
+    </dgm:scene3d>
+    <dgm:sp3d/>
+    <dgm:txPr/>
+    <dgm:style>
+      <a:lnRef idx="2">
+        <a:scrgbClr r="0" g="0" b="0"/>
+      </a:lnRef>
+      <a:fillRef idx="1">
+        <a:scrgbClr r="0" g="0" b="0"/>
+      </a:fillRef>
+      <a:effectRef idx="0">
+        <a:scrgbClr r="0" g="0" b="0"/>
+      </a:effectRef>
+      <a:fontRef idx="minor">
+        <a:schemeClr val="lt1"/>
+      </a:fontRef>
+    </dgm:style>
+  </dgm:styleLbl>
+  <dgm:styleLbl name="asst1">
+    <dgm:scene3d>
+      <a:camera prst="orthographicFront"/>
+      <a:lightRig rig="threePt" dir="t"/>
+    </dgm:scene3d>
+    <dgm:sp3d/>
+    <dgm:txPr/>
+    <dgm:style>
+      <a:lnRef idx="2">
+        <a:scrgbClr r="0" g="0" b="0"/>
+      </a:lnRef>
+      <a:fillRef idx="1">
+        <a:scrgbClr r="0" g="0" b="0"/>
+      </a:fillRef>
+      <a:effectRef idx="0">
+        <a:scrgbClr r="0" g="0" b="0"/>
+      </a:effectRef>
+      <a:fontRef idx="minor">
+        <a:schemeClr val="lt1"/>
+      </a:fontRef>
+    </dgm:style>
+  </dgm:styleLbl>
+  <dgm:styleLbl name="asst2">
+    <dgm:scene3d>
+      <a:camera prst="orthographicFront"/>
+      <a:lightRig rig="threePt" dir="t"/>
+    </dgm:scene3d>
+    <dgm:sp3d/>
+    <dgm:txPr/>
+    <dgm:style>
+      <a:lnRef idx="2">
+        <a:scrgbClr r="0" g="0" b="0"/>
+      </a:lnRef>
+      <a:fillRef idx="1">
+        <a:scrgbClr r="0" g="0" b="0"/>
+      </a:fillRef>
+      <a:effectRef idx="0">
+        <a:scrgbClr r="0" g="0" b="0"/>
+      </a:effectRef>
+      <a:fontRef idx="minor">
+        <a:schemeClr val="lt1"/>
+      </a:fontRef>
+    </dgm:style>
+  </dgm:styleLbl>
+  <dgm:styleLbl name="asst3">
+    <dgm:scene3d>
+      <a:camera prst="orthographicFront"/>
+      <a:lightRig rig="threePt" dir="t"/>
+    </dgm:scene3d>
+    <dgm:sp3d/>
+    <dgm:txPr/>
+    <dgm:style>
+      <a:lnRef idx="2">
+        <a:scrgbClr r="0" g="0" b="0"/>
+      </a:lnRef>
+      <a:fillRef idx="1">
+        <a:scrgbClr r="0" g="0" b="0"/>
+      </a:fillRef>
+      <a:effectRef idx="0">
+        <a:scrgbClr r="0" g="0" b="0"/>
+      </a:effectRef>
+      <a:fontRef idx="minor">
+        <a:schemeClr val="lt1"/>
+      </a:fontRef>
+    </dgm:style>
+  </dgm:styleLbl>
+  <dgm:styleLbl name="asst4">
+    <dgm:scene3d>
+      <a:camera prst="orthographicFront"/>
+      <a:lightRig rig="threePt" dir="t"/>
+    </dgm:scene3d>
+    <dgm:sp3d/>
+    <dgm:txPr/>
+    <dgm:style>
+      <a:lnRef idx="2">
+        <a:scrgbClr r="0" g="0" b="0"/>
+      </a:lnRef>
+      <a:fillRef idx="1">
+        <a:scrgbClr r="0" g="0" b="0"/>
+      </a:fillRef>
+      <a:effectRef idx="0">
+        <a:scrgbClr r="0" g="0" b="0"/>
+      </a:effectRef>
+      <a:fontRef idx="minor">
+        <a:schemeClr val="lt1"/>
+      </a:fontRef>
+    </dgm:style>
+  </dgm:styleLbl>
+  <dgm:styleLbl name="parChTrans2D1">
+    <dgm:scene3d>
+      <a:camera prst="orthographicFront"/>
+      <a:lightRig rig="threePt" dir="t"/>
+    </dgm:scene3d>
+    <dgm:sp3d/>
+    <dgm:txPr/>
+    <dgm:style>
+      <a:lnRef idx="2">
+        <a:scrgbClr r="0" g="0" b="0"/>
+      </a:lnRef>
+      <a:fillRef idx="1">
+        <a:scrgbClr r="0" g="0" b="0"/>
+      </a:fillRef>
+      <a:effectRef idx="0">
+        <a:scrgbClr r="0" g="0" b="0"/>
+      </a:effectRef>
+      <a:fontRef idx="minor">
+        <a:schemeClr val="lt1"/>
+      </a:fontRef>
+    </dgm:style>
+  </dgm:styleLbl>
+  <dgm:styleLbl name="parChTrans2D2">
+    <dgm:scene3d>
+      <a:camera prst="orthographicFront"/>
+      <a:lightRig rig="threePt" dir="t"/>
+    </dgm:scene3d>
+    <dgm:sp3d/>
+    <dgm:txPr/>
+    <dgm:style>
+      <a:lnRef idx="2">
+        <a:scrgbClr r="0" g="0" b="0"/>
+      </a:lnRef>
+      <a:fillRef idx="1">
+        <a:scrgbClr r="0" g="0" b="0"/>
+      </a:fillRef>
+      <a:effectRef idx="0">
+        <a:scrgbClr r="0" g="0" b="0"/>
+      </a:effectRef>
+      <a:fontRef idx="minor">
+        <a:schemeClr val="lt1"/>
+      </a:fontRef>
+    </dgm:style>
+  </dgm:styleLbl>
+  <dgm:styleLbl name="parChTrans2D3">
+    <dgm:scene3d>
+      <a:camera prst="orthographicFront"/>
+      <a:lightRig rig="threePt" dir="t"/>
+    </dgm:scene3d>
+    <dgm:sp3d/>
+    <dgm:txPr/>
+    <dgm:style>
+      <a:lnRef idx="2">
+        <a:scrgbClr r="0" g="0" b="0"/>
+      </a:lnRef>
+      <a:fillRef idx="1">
+        <a:scrgbClr r="0" g="0" b="0"/>
+      </a:fillRef>
+      <a:effectRef idx="0">
+        <a:scrgbClr r="0" g="0" b="0"/>
+      </a:effectRef>
+      <a:fontRef idx="minor">
+        <a:schemeClr val="lt1"/>
+      </a:fontRef>
+    </dgm:style>
+  </dgm:styleLbl>
+  <dgm:styleLbl name="parChTrans2D4">
+    <dgm:scene3d>
+      <a:camera prst="orthographicFront"/>
+      <a:lightRig rig="threePt" dir="t"/>
+    </dgm:scene3d>
+    <dgm:sp3d/>
+    <dgm:txPr/>
+    <dgm:style>
+      <a:lnRef idx="2">
+        <a:scrgbClr r="0" g="0" b="0"/>
+      </a:lnRef>
+      <a:fillRef idx="1">
+        <a:scrgbClr r="0" g="0" b="0"/>
+      </a:fillRef>
+      <a:effectRef idx="0">
+        <a:scrgbClr r="0" g="0" b="0"/>
+      </a:effectRef>
+      <a:fontRef idx="minor">
+        <a:schemeClr val="lt1"/>
+      </a:fontRef>
+    </dgm:style>
+  </dgm:styleLbl>
+  <dgm:styleLbl name="parChTrans1D1">
+    <dgm:scene3d>
+      <a:camera prst="orthographicFront"/>
+      <a:lightRig rig="threePt" dir="t"/>
+    </dgm:scene3d>
+    <dgm:sp3d/>
+    <dgm:txPr/>
+    <dgm:style>
+      <a:lnRef idx="2">
+        <a:scrgbClr r="0" g="0" b="0"/>
+      </a:lnRef>
+      <a:fillRef idx="0">
+        <a:scrgbClr r="0" g="0" b="0"/>
+      </a:fillRef>
+      <a:effectRef idx="0">
+        <a:scrgbClr r="0" g="0" b="0"/>
+      </a:effectRef>
+      <a:fontRef idx="minor"/>
+    </dgm:style>
+  </dgm:styleLbl>
+  <dgm:styleLbl name="parChTrans1D2">
+    <dgm:scene3d>
+      <a:camera prst="orthographicFront"/>
+      <a:lightRig rig="threePt" dir="t"/>
+    </dgm:scene3d>
+    <dgm:sp3d/>
+    <dgm:txPr/>
+    <dgm:style>
+      <a:lnRef idx="2">
+        <a:scrgbClr r="0" g="0" b="0"/>
+      </a:lnRef>
+      <a:fillRef idx="0">
+        <a:scrgbClr r="0" g="0" b="0"/>
+      </a:fillRef>
+      <a:effectRef idx="0">
+        <a:scrgbClr r="0" g="0" b="0"/>
+      </a:effectRef>
+      <a:fontRef idx="minor"/>
+    </dgm:style>
+  </dgm:styleLbl>
+  <dgm:styleLbl name="parChTrans1D3">
+    <dgm:scene3d>
+      <a:camera prst="orthographicFront"/>
+      <a:lightRig rig="threePt" dir="t"/>
+    </dgm:scene3d>
+    <dgm:sp3d/>
+    <dgm:txPr/>
+    <dgm:style>
+      <a:lnRef idx="2">
+        <a:scrgbClr r="0" g="0" b="0"/>
+      </a:lnRef>
+      <a:fillRef idx="0">
+        <a:scrgbClr r="0" g="0" b="0"/>
+      </a:fillRef>
+      <a:effectRef idx="0">
+        <a:scrgbClr r="0" g="0" b="0"/>
+      </a:effectRef>
+      <a:fontRef idx="minor"/>
+    </dgm:style>
+  </dgm:styleLbl>
+  <dgm:styleLbl name="parChTrans1D4">
+    <dgm:scene3d>
+      <a:camera prst="orthographicFront"/>
+      <a:lightRig rig="threePt" dir="t"/>
+    </dgm:scene3d>
+    <dgm:sp3d/>
+    <dgm:txPr/>
+    <dgm:style>
+      <a:lnRef idx="2">
+        <a:scrgbClr r="0" g="0" b="0"/>
+      </a:lnRef>
+      <a:fillRef idx="0">
+        <a:scrgbClr r="0" g="0" b="0"/>
+      </a:fillRef>
+      <a:effectRef idx="0">
+        <a:scrgbClr r="0" g="0" b="0"/>
+      </a:effectRef>
+      <a:fontRef idx="minor"/>
+    </dgm:style>
+  </dgm:styleLbl>
+  <dgm:styleLbl name="fgAcc1">
+    <dgm:scene3d>
+      <a:camera prst="orthographicFront"/>
+      <a:lightRig rig="threePt" dir="t"/>
+    </dgm:scene3d>
+    <dgm:sp3d/>
+    <dgm:txPr/>
+    <dgm:style>
+      <a:lnRef idx="2">
+        <a:scrgbClr r="0" g="0" b="0"/>
+      </a:lnRef>
+      <a:fillRef idx="1">
+        <a:scrgbClr r="0" g="0" b="0"/>
+      </a:fillRef>
+      <a:effectRef idx="0">
+        <a:scrgbClr r="0" g="0" b="0"/>
+      </a:effectRef>
+      <a:fontRef idx="minor"/>
+    </dgm:style>
+  </dgm:styleLbl>
+  <dgm:styleLbl name="conFgAcc1">
+    <dgm:scene3d>
+      <a:camera prst="orthographicFront"/>
+      <a:lightRig rig="threePt" dir="t"/>
+    </dgm:scene3d>
+    <dgm:sp3d/>
+    <dgm:txPr/>
+    <dgm:style>
+      <a:lnRef idx="2">
+        <a:scrgbClr r="0" g="0" b="0"/>
+      </a:lnRef>
+      <a:fillRef idx="1">
+        <a:scrgbClr r="0" g="0" b="0"/>
+      </a:fillRef>
+      <a:effectRef idx="0">
+        <a:scrgbClr r="0" g="0" b="0"/>
+      </a:effectRef>
+      <a:fontRef idx="minor"/>
+    </dgm:style>
+  </dgm:styleLbl>
+  <dgm:styleLbl name="alignAcc1">
+    <dgm:scene3d>
+      <a:camera prst="orthographicFront"/>
+      <a:lightRig rig="threePt" dir="t"/>
+    </dgm:scene3d>
+    <dgm:sp3d/>
+    <dgm:txPr/>
+    <dgm:style>
+      <a:lnRef idx="2">
+        <a:scrgbClr r="0" g="0" b="0"/>
+      </a:lnRef>
+      <a:fillRef idx="1">
+        <a:scrgbClr r="0" g="0" b="0"/>
+      </a:fillRef>
+      <a:effectRef idx="0">
+        <a:scrgbClr r="0" g="0" b="0"/>
+      </a:effectRef>
+      <a:fontRef idx="minor"/>
+    </dgm:style>
+  </dgm:styleLbl>
+  <dgm:styleLbl name="trAlignAcc1">
+    <dgm:scene3d>
+      <a:camera prst="orthographicFront"/>
+      <a:lightRig rig="threePt" dir="t"/>
+    </dgm:scene3d>
+    <dgm:sp3d/>
+    <dgm:txPr/>
+    <dgm:style>
+      <a:lnRef idx="1">
+        <a:scrgbClr r="0" g="0" b="0"/>
+      </a:lnRef>
+      <a:fillRef idx="1">
+        <a:scrgbClr r="0" g="0" b="0"/>
+      </a:fillRef>
+      <a:effectRef idx="0">
+        <a:scrgbClr r="0" g="0" b="0"/>
+      </a:effectRef>
+      <a:fontRef idx="minor"/>
+    </dgm:style>
+  </dgm:styleLbl>
+  <dgm:styleLbl name="bgAcc1">
+    <dgm:scene3d>
+      <a:camera prst="orthographicFront"/>
+      <a:lightRig rig="threePt" dir="t"/>
+    </dgm:scene3d>
+    <dgm:sp3d/>
+    <dgm:txPr/>
+    <dgm:style>
+      <a:lnRef idx="2">
+        <a:scrgbClr r="0" g="0" b="0"/>
+      </a:lnRef>
+      <a:fillRef idx="1">
+        <a:scrgbClr r="0" g="0" b="0"/>
+      </a:fillRef>
+      <a:effectRef idx="0">
+        <a:scrgbClr r="0" g="0" b="0"/>
+      </a:effectRef>
+      <a:fontRef idx="minor"/>
+    </dgm:style>
+  </dgm:styleLbl>
+  <dgm:styleLbl name="solidFgAcc1">
+    <dgm:scene3d>
+      <a:camera prst="orthographicFront"/>
+      <a:lightRig rig="threePt" dir="t"/>
+    </dgm:scene3d>
+    <dgm:sp3d/>
+    <dgm:txPr/>
+    <dgm:style>
+      <a:lnRef idx="2">
+        <a:scrgbClr r="0" g="0" b="0"/>
+      </a:lnRef>
+      <a:fillRef idx="1">
+        <a:scrgbClr r="0" g="0" b="0"/>
+      </a:fillRef>
+      <a:effectRef idx="0">
+        <a:scrgbClr r="0" g="0" b="0"/>
+      </a:effectRef>
+      <a:fontRef idx="minor"/>
+    </dgm:style>
+  </dgm:styleLbl>
+  <dgm:styleLbl name="solidAlignAcc1">
+    <dgm:scene3d>
+      <a:camera prst="orthographicFront"/>
+      <a:lightRig rig="threePt" dir="t"/>
+    </dgm:scene3d>
+    <dgm:sp3d/>
+    <dgm:txPr/>
+    <dgm:style>
+      <a:lnRef idx="2">
+        <a:scrgbClr r="0" g="0" b="0"/>
+      </a:lnRef>
+      <a:fillRef idx="1">
+        <a:scrgbClr r="0" g="0" b="0"/>
+      </a:fillRef>
+      <a:effectRef idx="0">
+        <a:scrgbClr r="0" g="0" b="0"/>
+      </a:effectRef>
+      <a:fontRef idx="minor"/>
+    </dgm:style>
+  </dgm:styleLbl>
+  <dgm:styleLbl name="solidBgAcc1">
+    <dgm:scene3d>
+      <a:camera prst="orthographicFront"/>
+      <a:lightRig rig="threePt" dir="t"/>
+    </dgm:scene3d>
+    <dgm:sp3d/>
+    <dgm:txPr/>
+    <dgm:style>
+      <a:lnRef idx="2">
+        <a:scrgbClr r="0" g="0" b="0"/>
+      </a:lnRef>
+      <a:fillRef idx="1">
+        <a:scrgbClr r="0" g="0" b="0"/>
+      </a:fillRef>
+      <a:effectRef idx="0">
+        <a:scrgbClr r="0" g="0" b="0"/>
+      </a:effectRef>
+      <a:fontRef idx="minor"/>
+    </dgm:style>
+  </dgm:styleLbl>
+  <dgm:styleLbl name="fgAccFollowNode1">
+    <dgm:scene3d>
+      <a:camera prst="orthographicFront"/>
+      <a:lightRig rig="threePt" dir="t"/>
+    </dgm:scene3d>
+    <dgm:sp3d/>
+    <dgm:txPr/>
+    <dgm:style>
+      <a:lnRef idx="2">
+        <a:scrgbClr r="0" g="0" b="0"/>
+      </a:lnRef>
+      <a:fillRef idx="1">
+        <a:scrgbClr r="0" g="0" b="0"/>
+      </a:fillRef>
+      <a:effectRef idx="0">
+        <a:scrgbClr r="0" g="0" b="0"/>
+      </a:effectRef>
+      <a:fontRef idx="minor"/>
+    </dgm:style>
+  </dgm:styleLbl>
+  <dgm:styleLbl name="alignAccFollowNode1">
+    <dgm:scene3d>
+      <a:camera prst="orthographicFront"/>
+      <a:lightRig rig="threePt" dir="t"/>
+    </dgm:scene3d>
+    <dgm:sp3d/>
+    <dgm:txPr/>
+    <dgm:style>
+      <a:lnRef idx="2">
+        <a:scrgbClr r="0" g="0" b="0"/>
+      </a:lnRef>
+      <a:fillRef idx="1">
+        <a:scrgbClr r="0" g="0" b="0"/>
+      </a:fillRef>
+      <a:effectRef idx="0">
+        <a:scrgbClr r="0" g="0" b="0"/>
+      </a:effectRef>
+      <a:fontRef idx="minor"/>
+    </dgm:style>
+  </dgm:styleLbl>
+  <dgm:styleLbl name="bgAccFollowNode1">
+    <dgm:scene3d>
+      <a:camera prst="orthographicFront"/>
+      <a:lightRig rig="threePt" dir="t"/>
+    </dgm:scene3d>
+    <dgm:sp3d/>
+    <dgm:txPr/>
+    <dgm:style>
+      <a:lnRef idx="2">
+        <a:scrgbClr r="0" g="0" b="0"/>
+      </a:lnRef>
+      <a:fillRef idx="1">
+        <a:scrgbClr r="0" g="0" b="0"/>
+      </a:fillRef>
+      <a:effectRef idx="0">
+        <a:scrgbClr r="0" g="0" b="0"/>
+      </a:effectRef>
+      <a:fontRef idx="minor"/>
+    </dgm:style>
+  </dgm:styleLbl>
+  <dgm:styleLbl name="fgAcc0">
+    <dgm:scene3d>
+      <a:camera prst="orthographicFront"/>
+      <a:lightRig rig="threePt" dir="t"/>
+    </dgm:scene3d>
+    <dgm:sp3d/>
+    <dgm:txPr/>
+    <dgm:style>
+      <a:lnRef idx="2">
+        <a:scrgbClr r="0" g="0" b="0"/>
+      </a:lnRef>
+      <a:fillRef idx="1">
+        <a:scrgbClr r="0" g="0" b="0"/>
+      </a:fillRef>
+      <a:effectRef idx="0">
+        <a:scrgbClr r="0" g="0" b="0"/>
+      </a:effectRef>
+      <a:fontRef idx="minor"/>
+    </dgm:style>
+  </dgm:styleLbl>
+  <dgm:styleLbl name="fgAcc2">
+    <dgm:scene3d>
+      <a:camera prst="orthographicFront"/>
+      <a:lightRig rig="threePt" dir="t"/>
+    </dgm:scene3d>
+    <dgm:sp3d/>
+    <dgm:txPr/>
+    <dgm:style>
+      <a:lnRef idx="2">
+        <a:scrgbClr r="0" g="0" b="0"/>
+      </a:lnRef>
+      <a:fillRef idx="1">
+        <a:scrgbClr r="0" g="0" b="0"/>
+      </a:fillRef>
+      <a:effectRef idx="0">
+        <a:scrgbClr r="0" g="0" b="0"/>
+      </a:effectRef>
+      <a:fontRef idx="minor"/>
+    </dgm:style>
+  </dgm:styleLbl>
+  <dgm:styleLbl name="fgAcc3">
+    <dgm:scene3d>
+      <a:camera prst="orthographicFront"/>
+      <a:lightRig rig="threePt" dir="t"/>
+    </dgm:scene3d>
+    <dgm:sp3d/>
+    <dgm:txPr/>
+    <dgm:style>
+      <a:lnRef idx="2">
+        <a:scrgbClr r="0" g="0" b="0"/>
+      </a:lnRef>
+      <a:fillRef idx="1">
+        <a:scrgbClr r="0" g="0" b="0"/>
+      </a:fillRef>
+      <a:effectRef idx="0">
+        <a:scrgbClr r="0" g="0" b="0"/>
+      </a:effectRef>
+      <a:fontRef idx="minor"/>
+    </dgm:style>
+  </dgm:styleLbl>
+  <dgm:styleLbl name="fgAcc4">
+    <dgm:scene3d>
+      <a:camera prst="orthographicFront"/>
+      <a:lightRig rig="threePt" dir="t"/>
+    </dgm:scene3d>
+    <dgm:sp3d/>
+    <dgm:txPr/>
+    <dgm:style>
+      <a:lnRef idx="2">
+        <a:scrgbClr r="0" g="0" b="0"/>
+      </a:lnRef>
+      <a:fillRef idx="1">
+        <a:scrgbClr r="0" g="0" b="0"/>
+      </a:fillRef>
+      <a:effectRef idx="0">
+        <a:scrgbClr r="0" g="0" b="0"/>
+      </a:effectRef>
+      <a:fontRef idx="minor"/>
+    </dgm:style>
+  </dgm:styleLbl>
+  <dgm:styleLbl name="bgShp">
+    <dgm:scene3d>
+      <a:camera prst="orthographicFront"/>
+      <a:lightRig rig="threePt" dir="t"/>
+    </dgm:scene3d>
+    <dgm:sp3d/>
+    <dgm:txPr/>
+    <dgm:style>
+      <a:lnRef idx="0">
+        <a:scrgbClr r="0" g="0" b="0"/>
+      </a:lnRef>
+      <a:fillRef idx="1">
+        <a:scrgbClr r="0" g="0" b="0"/>
+      </a:fillRef>
+      <a:effectRef idx="0">
+        <a:scrgbClr r="0" g="0" b="0"/>
+      </a:effectRef>
+      <a:fontRef idx="minor"/>
+    </dgm:style>
+  </dgm:styleLbl>
+  <dgm:styleLbl name="dkBgShp">
+    <dgm:scene3d>
+      <a:camera prst="orthographicFront"/>
+      <a:lightRig rig="threePt" dir="t"/>
+    </dgm:scene3d>
+    <dgm:sp3d/>
+    <dgm:txPr/>
+    <dgm:style>
+      <a:lnRef idx="0">
+        <a:scrgbClr r="0" g="0" b="0"/>
+      </a:lnRef>
+      <a:fillRef idx="1">
+        <a:scrgbClr r="0" g="0" b="0"/>
+      </a:fillRef>
+      <a:effectRef idx="0">
+        <a:scrgbClr r="0" g="0" b="0"/>
+      </a:effectRef>
+      <a:fontRef idx="minor"/>
+    </dgm:style>
+  </dgm:styleLbl>
+  <dgm:styleLbl name="trBgShp">
+    <dgm:scene3d>
+      <a:camera prst="orthographicFront"/>
+      <a:lightRig rig="threePt" dir="t"/>
+    </dgm:scene3d>
+    <dgm:sp3d/>
+    <dgm:txPr/>
+    <dgm:style>
+      <a:lnRef idx="0">
+        <a:scrgbClr r="0" g="0" b="0"/>
+      </a:lnRef>
+      <a:fillRef idx="1">
+        <a:scrgbClr r="0" g="0" b="0"/>
+      </a:fillRef>
+      <a:effectRef idx="0">
+        <a:scrgbClr r="0" g="0" b="0"/>
+      </a:effectRef>
+      <a:fontRef idx="minor"/>
+    </dgm:style>
+  </dgm:styleLbl>
+  <dgm:styleLbl name="fgShp">
+    <dgm:scene3d>
+      <a:camera prst="orthographicFront"/>
+      <a:lightRig rig="threePt" dir="t"/>
+    </dgm:scene3d>
+    <dgm:sp3d/>
+    <dgm:txPr/>
+    <dgm:style>
+      <a:lnRef idx="2">
+        <a:scrgbClr r="0" g="0" b="0"/>
+      </a:lnRef>
+      <a:fillRef idx="1">
+        <a:scrgbClr r="0" g="0" b="0"/>
+      </a:fillRef>
+      <a:effectRef idx="0">
+        <a:scrgbClr r="0" g="0" b="0"/>
+      </a:effectRef>
+      <a:fontRef idx="minor"/>
+    </dgm:style>
+  </dgm:styleLbl>
+  <dgm:styleLbl name="revTx">
+    <dgm:scene3d>
+      <a:camera prst="orthographicFront"/>
+      <a:lightRig rig="threePt" dir="t"/>
+    </dgm:scene3d>
+    <dgm:sp3d/>
+    <dgm:txPr/>
+    <dgm:style>
+      <a:lnRef idx="0">
+        <a:scrgbClr r="0" g="0" b="0"/>
+      </a:lnRef>
+      <a:fillRef idx="0">
+        <a:scrgbClr r="0" g="0" b="0"/>
+      </a:fillRef>
+      <a:effectRef idx="0">
+        <a:scrgbClr r="0" g="0" b="0"/>
+      </a:effectRef>
+      <a:fontRef idx="minor"/>
+    </dgm:style>
+  </dgm:styleLbl>
+</dgm:styleDef>
 </file>
 
 <file path=ppt/notesMasters/notesMaster1.xml><?xml version="1.0" encoding="utf-8"?>
@@ -194,7 +6336,7 @@
           <a:p>
             <a:fld id="{C4B6671F-D3B0-4268-9242-7E73D9411223}" type="datetimeFigureOut">
               <a:rPr lang="en-US" smtClean="0"/>
-              <a:t>06-Aug-19</a:t>
+              <a:t>07-Aug-19</a:t>
             </a:fld>
             <a:endParaRPr lang="en-US"/>
           </a:p>
@@ -1187,7 +7329,7 @@
           <a:p>
             <a:fld id="{9184DA70-C731-4C70-880D-CCD4705E623C}" type="datetime1">
               <a:rPr lang="en-US" smtClean="0"/>
-              <a:t>06-Aug-19</a:t>
+              <a:t>07-Aug-19</a:t>
             </a:fld>
             <a:endParaRPr lang="en-US" dirty="0"/>
           </a:p>
@@ -1438,7 +7580,7 @@
           <a:p>
             <a:fld id="{62D6E202-B606-4609-B914-27C9371A1F6D}" type="datetime1">
               <a:rPr lang="en-US" smtClean="0"/>
-              <a:t>06-Aug-19</a:t>
+              <a:t>07-Aug-19</a:t>
             </a:fld>
             <a:endParaRPr lang="en-US" dirty="0"/>
           </a:p>
@@ -1753,7 +7895,7 @@
           <a:p>
             <a:fld id="{62D6E202-B606-4609-B914-27C9371A1F6D}" type="datetime1">
               <a:rPr lang="en-US" smtClean="0"/>
-              <a:t>06-Aug-19</a:t>
+              <a:t>07-Aug-19</a:t>
             </a:fld>
             <a:endParaRPr lang="en-US" dirty="0"/>
           </a:p>
@@ -2081,7 +8223,7 @@
           <a:p>
             <a:fld id="{62D6E202-B606-4609-B914-27C9371A1F6D}" type="datetime1">
               <a:rPr lang="en-US" smtClean="0"/>
-              <a:t>06-Aug-19</a:t>
+              <a:t>07-Aug-19</a:t>
             </a:fld>
             <a:endParaRPr lang="en-US" dirty="0"/>
           </a:p>
@@ -2396,7 +8538,7 @@
           <a:p>
             <a:fld id="{62D6E202-B606-4609-B914-27C9371A1F6D}" type="datetime1">
               <a:rPr lang="en-US" smtClean="0"/>
-              <a:t>06-Aug-19</a:t>
+              <a:t>07-Aug-19</a:t>
             </a:fld>
             <a:endParaRPr lang="en-US" dirty="0"/>
           </a:p>
@@ -2784,7 +8926,7 @@
           <a:p>
             <a:fld id="{62D6E202-B606-4609-B914-27C9371A1F6D}" type="datetime1">
               <a:rPr lang="en-US" smtClean="0"/>
-              <a:t>06-Aug-19</a:t>
+              <a:t>07-Aug-19</a:t>
             </a:fld>
             <a:endParaRPr lang="en-US" dirty="0"/>
           </a:p>
@@ -2955,7 +9097,7 @@
           <a:p>
             <a:fld id="{62D6E202-B606-4609-B914-27C9371A1F6D}" type="datetime1">
               <a:rPr lang="en-US" smtClean="0"/>
-              <a:t>06-Aug-19</a:t>
+              <a:t>07-Aug-19</a:t>
             </a:fld>
             <a:endParaRPr lang="en-US" dirty="0"/>
           </a:p>
@@ -3136,7 +9278,7 @@
           <a:p>
             <a:fld id="{62D6E202-B606-4609-B914-27C9371A1F6D}" type="datetime1">
               <a:rPr lang="en-US" smtClean="0"/>
-              <a:t>06-Aug-19</a:t>
+              <a:t>07-Aug-19</a:t>
             </a:fld>
             <a:endParaRPr lang="en-US" dirty="0"/>
           </a:p>
@@ -3307,7 +9449,7 @@
           <a:p>
             <a:fld id="{62D6E202-B606-4609-B914-27C9371A1F6D}" type="datetime1">
               <a:rPr lang="en-US" smtClean="0"/>
-              <a:t>06-Aug-19</a:t>
+              <a:t>07-Aug-19</a:t>
             </a:fld>
             <a:endParaRPr lang="en-US" dirty="0"/>
           </a:p>
@@ -3555,7 +9697,7 @@
           <a:p>
             <a:fld id="{62D6E202-B606-4609-B914-27C9371A1F6D}" type="datetime1">
               <a:rPr lang="en-US" smtClean="0"/>
-              <a:t>06-Aug-19</a:t>
+              <a:t>07-Aug-19</a:t>
             </a:fld>
             <a:endParaRPr lang="en-US" dirty="0"/>
           </a:p>
@@ -3788,7 +9930,7 @@
           <a:p>
             <a:fld id="{62D6E202-B606-4609-B914-27C9371A1F6D}" type="datetime1">
               <a:rPr lang="en-US" smtClean="0"/>
-              <a:t>06-Aug-19</a:t>
+              <a:t>07-Aug-19</a:t>
             </a:fld>
             <a:endParaRPr lang="en-US" dirty="0"/>
           </a:p>
@@ -4163,7 +10305,7 @@
           <a:p>
             <a:fld id="{62D6E202-B606-4609-B914-27C9371A1F6D}" type="datetime1">
               <a:rPr lang="en-US" smtClean="0"/>
-              <a:t>06-Aug-19</a:t>
+              <a:t>07-Aug-19</a:t>
             </a:fld>
             <a:endParaRPr lang="en-US" dirty="0"/>
           </a:p>
@@ -4287,7 +10429,7 @@
           <a:p>
             <a:fld id="{62D6E202-B606-4609-B914-27C9371A1F6D}" type="datetime1">
               <a:rPr lang="en-US" smtClean="0"/>
-              <a:t>06-Aug-19</a:t>
+              <a:t>07-Aug-19</a:t>
             </a:fld>
             <a:endParaRPr lang="en-US" dirty="0"/>
           </a:p>
@@ -4383,7 +10525,7 @@
           <a:p>
             <a:fld id="{62D6E202-B606-4609-B914-27C9371A1F6D}" type="datetime1">
               <a:rPr lang="en-US" smtClean="0"/>
-              <a:t>06-Aug-19</a:t>
+              <a:t>07-Aug-19</a:t>
             </a:fld>
             <a:endParaRPr lang="en-US" dirty="0"/>
           </a:p>
@@ -4639,7 +10781,7 @@
           <a:p>
             <a:fld id="{62D6E202-B606-4609-B914-27C9371A1F6D}" type="datetime1">
               <a:rPr lang="en-US" smtClean="0"/>
-              <a:t>06-Aug-19</a:t>
+              <a:t>07-Aug-19</a:t>
             </a:fld>
             <a:endParaRPr lang="en-US" dirty="0"/>
           </a:p>
@@ -4903,7 +11045,7 @@
           <a:p>
             <a:fld id="{62D6E202-B606-4609-B914-27C9371A1F6D}" type="datetime1">
               <a:rPr lang="en-US" smtClean="0"/>
-              <a:t>06-Aug-19</a:t>
+              <a:t>07-Aug-19</a:t>
             </a:fld>
             <a:endParaRPr lang="en-US" dirty="0"/>
           </a:p>
@@ -5649,7 +11791,7 @@
           <a:p>
             <a:fld id="{62D6E202-B606-4609-B914-27C9371A1F6D}" type="datetime1">
               <a:rPr lang="en-US" smtClean="0"/>
-              <a:t>06-Aug-19</a:t>
+              <a:t>07-Aug-19</a:t>
             </a:fld>
             <a:endParaRPr lang="en-US" dirty="0"/>
           </a:p>
@@ -6352,7 +12494,7 @@
       </p:grpSpPr>
       <p:grpSp>
         <p:nvGrpSpPr>
-          <p:cNvPr id="9" name="Group 8">
+          <p:cNvPr id="42" name="Group 41">
             <a:extLst>
               <a:ext uri="{FF2B5EF4-FFF2-40B4-BE49-F238E27FC236}">
                 <a16:creationId xmlns:a16="http://schemas.microsoft.com/office/drawing/2014/main" id="{3C591D85-25F6-4014-8EE4-E6701B6E933E}"/>
@@ -6383,7 +12525,7 @@
         </p:grpSpPr>
         <p:cxnSp>
           <p:nvCxnSpPr>
-            <p:cNvPr id="10" name="Straight Connector 9">
+            <p:cNvPr id="43" name="Straight Connector 42">
               <a:extLst>
                 <a:ext uri="{FF2B5EF4-FFF2-40B4-BE49-F238E27FC236}">
                   <a16:creationId xmlns:a16="http://schemas.microsoft.com/office/drawing/2014/main" id="{FD1DF05C-07BC-491B-9CAD-64494BA7963D}"/>
@@ -6435,7 +12577,7 @@
         </p:cxnSp>
         <p:cxnSp>
           <p:nvCxnSpPr>
-            <p:cNvPr id="11" name="Straight Connector 10">
+            <p:cNvPr id="44" name="Straight Connector 43">
               <a:extLst>
                 <a:ext uri="{FF2B5EF4-FFF2-40B4-BE49-F238E27FC236}">
                   <a16:creationId xmlns:a16="http://schemas.microsoft.com/office/drawing/2014/main" id="{A1DD9EDF-1964-427F-B438-C9932530D1A0}"/>
@@ -6487,7 +12629,7 @@
         </p:cxnSp>
         <p:sp>
           <p:nvSpPr>
-            <p:cNvPr id="12" name="Rectangle 23">
+            <p:cNvPr id="45" name="Rectangle 23">
               <a:extLst>
                 <a:ext uri="{FF2B5EF4-FFF2-40B4-BE49-F238E27FC236}">
                   <a16:creationId xmlns:a16="http://schemas.microsoft.com/office/drawing/2014/main" id="{923D52E1-E37A-48B6-B7EE-3C472F60E9FB}"/>
@@ -6565,7 +12707,7 @@
         </p:sp>
         <p:sp>
           <p:nvSpPr>
-            <p:cNvPr id="13" name="Rectangle 25">
+            <p:cNvPr id="46" name="Rectangle 25">
               <a:extLst>
                 <a:ext uri="{FF2B5EF4-FFF2-40B4-BE49-F238E27FC236}">
                   <a16:creationId xmlns:a16="http://schemas.microsoft.com/office/drawing/2014/main" id="{9FCF87B7-DFA0-41C5-B4B3-A9F113552AC1}"/>
@@ -6643,7 +12785,7 @@
         </p:sp>
         <p:sp>
           <p:nvSpPr>
-            <p:cNvPr id="14" name="Isosceles Triangle 13">
+            <p:cNvPr id="47" name="Isosceles Triangle 46">
               <a:extLst>
                 <a:ext uri="{FF2B5EF4-FFF2-40B4-BE49-F238E27FC236}">
                   <a16:creationId xmlns:a16="http://schemas.microsoft.com/office/drawing/2014/main" id="{7BBB45BB-64EE-4E1A-9C95-28A4874E58F0}"/>
@@ -6699,7 +12841,7 @@
         </p:sp>
         <p:sp>
           <p:nvSpPr>
-            <p:cNvPr id="15" name="Rectangle 27">
+            <p:cNvPr id="48" name="Rectangle 27">
               <a:extLst>
                 <a:ext uri="{FF2B5EF4-FFF2-40B4-BE49-F238E27FC236}">
                   <a16:creationId xmlns:a16="http://schemas.microsoft.com/office/drawing/2014/main" id="{F8AD2D05-9327-4180-B006-53FDBF42F684}"/>
@@ -6778,7 +12920,7 @@
         </p:sp>
         <p:sp>
           <p:nvSpPr>
-            <p:cNvPr id="16" name="Rectangle 28">
+            <p:cNvPr id="49" name="Rectangle 28">
               <a:extLst>
                 <a:ext uri="{FF2B5EF4-FFF2-40B4-BE49-F238E27FC236}">
                   <a16:creationId xmlns:a16="http://schemas.microsoft.com/office/drawing/2014/main" id="{4A50A8D2-F326-4502-8778-AB479771D27B}"/>
@@ -6857,7 +12999,7 @@
         </p:sp>
         <p:sp>
           <p:nvSpPr>
-            <p:cNvPr id="17" name="Rectangle 29">
+            <p:cNvPr id="50" name="Rectangle 29">
               <a:extLst>
                 <a:ext uri="{FF2B5EF4-FFF2-40B4-BE49-F238E27FC236}">
                   <a16:creationId xmlns:a16="http://schemas.microsoft.com/office/drawing/2014/main" id="{889E66B0-32A4-4375-84C1-A7612D04231A}"/>
@@ -6936,7 +13078,7 @@
         </p:sp>
         <p:sp>
           <p:nvSpPr>
-            <p:cNvPr id="18" name="Isosceles Triangle 17">
+            <p:cNvPr id="51" name="Isosceles Triangle 50">
               <a:extLst>
                 <a:ext uri="{FF2B5EF4-FFF2-40B4-BE49-F238E27FC236}">
                   <a16:creationId xmlns:a16="http://schemas.microsoft.com/office/drawing/2014/main" id="{C94DE422-737D-4C0B-9680-4F26E9BB4D65}"/>
@@ -6993,7 +13135,7 @@
         </p:sp>
         <p:sp>
           <p:nvSpPr>
-            <p:cNvPr id="19" name="Isosceles Triangle 18">
+            <p:cNvPr id="52" name="Isosceles Triangle 51">
               <a:extLst>
                 <a:ext uri="{FF2B5EF4-FFF2-40B4-BE49-F238E27FC236}">
                   <a16:creationId xmlns:a16="http://schemas.microsoft.com/office/drawing/2014/main" id="{6D453758-4D58-442F-A42B-781C5C9287CD}"/>
@@ -7051,7 +13193,7 @@
       </p:grpSp>
       <p:cxnSp>
         <p:nvCxnSpPr>
-          <p:cNvPr id="21" name="Straight Connector 20">
+          <p:cNvPr id="54" name="Straight Connector 53">
             <a:extLst>
               <a:ext uri="{FF2B5EF4-FFF2-40B4-BE49-F238E27FC236}">
                 <a16:creationId xmlns:a16="http://schemas.microsoft.com/office/drawing/2014/main" id="{0B5F7E3B-C5F1-40E0-A491-558BAFBC1127}"/>
@@ -7126,7 +13268,7 @@
           <a:p>
             <a:pPr algn="l"/>
             <a:r>
-              <a:rPr lang="en-US" sz="3600" b="0" i="0" cap="all" dirty="0">
+              <a:rPr lang="en-US" sz="3600" b="0" i="0" cap="all">
                 <a:effectLst/>
               </a:rPr>
               <a:t>Overview</a:t>
@@ -7167,7 +13309,7 @@
               <a:buChar char=""/>
             </a:pPr>
             <a:r>
-              <a:rPr lang="en-US" dirty="0">
+              <a:rPr lang="en-US">
                 <a:solidFill>
                   <a:schemeClr val="tx1">
                     <a:lumMod val="75000"/>
@@ -7184,7 +13326,7 @@
               <a:buChar char=""/>
             </a:pPr>
             <a:r>
-              <a:rPr lang="en-US" dirty="0">
+              <a:rPr lang="en-US">
                 <a:solidFill>
                   <a:schemeClr val="tx1">
                     <a:lumMod val="75000"/>
@@ -7201,7 +13343,7 @@
               <a:buChar char=""/>
             </a:pPr>
             <a:r>
-              <a:rPr lang="en-US" dirty="0">
+              <a:rPr lang="en-US">
                 <a:solidFill>
                   <a:schemeClr val="tx1">
                     <a:lumMod val="75000"/>
@@ -7218,7 +13360,7 @@
               <a:buChar char=""/>
             </a:pPr>
             <a:r>
-              <a:rPr lang="en-US" dirty="0">
+              <a:rPr lang="en-US">
                 <a:solidFill>
                   <a:schemeClr val="tx1">
                     <a:lumMod val="75000"/>
@@ -7269,53 +13411,6 @@
           <a:chExt cx="0" cy="0"/>
         </a:xfrm>
       </p:grpSpPr>
-      <p:cxnSp>
-        <p:nvCxnSpPr>
-          <p:cNvPr id="8" name="Straight Connector 7">
-            <a:extLst>
-              <a:ext uri="{FF2B5EF4-FFF2-40B4-BE49-F238E27FC236}">
-                <a16:creationId xmlns:a16="http://schemas.microsoft.com/office/drawing/2014/main" id="{0B5F7E3B-C5F1-40E0-A491-558BAFBC1127}"/>
-              </a:ext>
-              <a:ext uri="{C183D7F6-B498-43B3-948B-1728B52AA6E4}">
-                <adec:decorative xmlns:adec="http://schemas.microsoft.com/office/drawing/2017/decorative" val="1"/>
-              </a:ext>
-            </a:extLst>
-          </p:cNvPr>
-          <p:cNvCxnSpPr>
-            <a:cxnSpLocks noGrp="1" noRot="1" noChangeAspect="1" noMove="1" noResize="1" noEditPoints="1" noAdjustHandles="1" noChangeArrowheads="1" noChangeShapeType="1"/>
-          </p:cNvCxnSpPr>
-          <p:nvPr>
-            <p:extLst>
-              <p:ext uri="{386F3935-93C4-4BCD-93E2-E3B085C9AB24}">
-                <p16:designElem xmlns:p16="http://schemas.microsoft.com/office/powerpoint/2015/main" val="1"/>
-              </p:ext>
-            </p:extLst>
-          </p:nvPr>
-        </p:nvCxnSpPr>
-        <p:spPr>
-          <a:xfrm>
-            <a:off x="4241804" y="1460500"/>
-            <a:ext cx="0" cy="3937000"/>
-          </a:xfrm>
-          <a:prstGeom prst="line">
-            <a:avLst/>
-          </a:prstGeom>
-        </p:spPr>
-        <p:style>
-          <a:lnRef idx="1">
-            <a:schemeClr val="accent1"/>
-          </a:lnRef>
-          <a:fillRef idx="0">
-            <a:schemeClr val="accent1"/>
-          </a:fillRef>
-          <a:effectRef idx="0">
-            <a:schemeClr val="accent1"/>
-          </a:effectRef>
-          <a:fontRef idx="minor">
-            <a:schemeClr val="tx1"/>
-          </a:fontRef>
-        </p:style>
-      </p:cxnSp>
       <p:sp>
         <p:nvSpPr>
           <p:cNvPr id="2" name="Title 1">
@@ -7334,82 +13429,54 @@
         </p:nvSpPr>
         <p:spPr>
           <a:xfrm>
-            <a:off x="643467" y="816638"/>
-            <a:ext cx="3367359" cy="5224724"/>
+            <a:off x="677334" y="609600"/>
+            <a:ext cx="8596668" cy="1320800"/>
           </a:xfrm>
         </p:spPr>
         <p:txBody>
-          <a:bodyPr anchor="ctr">
+          <a:bodyPr>
             <a:normAutofit/>
           </a:bodyPr>
           <a:lstStyle/>
           <a:p>
             <a:r>
-              <a:rPr lang="en-US" dirty="0"/>
+              <a:rPr lang="en-US"/>
               <a:t>Scope</a:t>
             </a:r>
           </a:p>
         </p:txBody>
       </p:sp>
-      <p:sp>
-        <p:nvSpPr>
-          <p:cNvPr id="3" name="Content Placeholder 2">
+      <p:graphicFrame>
+        <p:nvGraphicFramePr>
+          <p:cNvPr id="10" name="Content Placeholder 2">
             <a:extLst>
               <a:ext uri="{FF2B5EF4-FFF2-40B4-BE49-F238E27FC236}">
-                <a16:creationId xmlns:a16="http://schemas.microsoft.com/office/drawing/2014/main" id="{DBAA31C4-F719-4D09-B163-08E83A5FABB6}"/>
+                <a16:creationId xmlns:a16="http://schemas.microsoft.com/office/drawing/2014/main" id="{365071FC-454F-49A6-AB25-17933A989000}"/>
               </a:ext>
             </a:extLst>
           </p:cNvPr>
-          <p:cNvSpPr>
-            <a:spLocks noGrp="1"/>
-          </p:cNvSpPr>
+          <p:cNvGraphicFramePr>
+            <a:graphicFrameLocks noGrp="1"/>
+          </p:cNvGraphicFramePr>
           <p:nvPr>
             <p:ph idx="1"/>
+            <p:extLst>
+              <p:ext uri="{D42A27DB-BD31-4B8C-83A1-F6EECF244321}">
+                <p14:modId xmlns:p14="http://schemas.microsoft.com/office/powerpoint/2010/main" val="2078095176"/>
+              </p:ext>
+            </p:extLst>
           </p:nvPr>
-        </p:nvSpPr>
-        <p:spPr>
-          <a:xfrm>
-            <a:off x="4654295" y="816638"/>
-            <a:ext cx="4619706" cy="5224724"/>
-          </a:xfrm>
-        </p:spPr>
-        <p:txBody>
-          <a:bodyPr anchor="ctr">
-            <a:normAutofit/>
-          </a:bodyPr>
-          <a:lstStyle/>
-          <a:p>
-            <a:r>
-              <a:rPr lang="en-US" dirty="0"/>
-              <a:t>Research existing travel agency products and services</a:t>
-            </a:r>
-          </a:p>
-          <a:p>
-            <a:r>
-              <a:rPr lang="en-US" dirty="0"/>
-              <a:t>Talk to employees</a:t>
-            </a:r>
-          </a:p>
-          <a:p>
-            <a:r>
-              <a:rPr lang="en-US" dirty="0"/>
-              <a:t>Developers plan, create and test software and databases</a:t>
-            </a:r>
-          </a:p>
-          <a:p>
-            <a:r>
-              <a:rPr lang="en-US" dirty="0"/>
-              <a:t>Plan and price hardware purchases</a:t>
-            </a:r>
-          </a:p>
-          <a:p>
-            <a:r>
-              <a:rPr lang="en-US" dirty="0"/>
-              <a:t>Review and deploy font and back end software</a:t>
-            </a:r>
-          </a:p>
-        </p:txBody>
-      </p:sp>
+        </p:nvGraphicFramePr>
+        <p:xfrm>
+          <a:off x="677863" y="2160588"/>
+          <a:ext cx="8596312" cy="3881437"/>
+        </p:xfrm>
+        <a:graphic>
+          <a:graphicData uri="http://schemas.openxmlformats.org/drawingml/2006/diagram">
+            <dgm:relIds xmlns:dgm="http://schemas.openxmlformats.org/drawingml/2006/diagram" xmlns:r="http://schemas.openxmlformats.org/officeDocument/2006/relationships" r:dm="rId2" r:lo="rId3" r:qs="rId4" r:cs="rId5"/>
+          </a:graphicData>
+        </a:graphic>
+      </p:graphicFrame>
     </p:spTree>
     <p:extLst>
       <p:ext uri="{BB962C8B-B14F-4D97-AF65-F5344CB8AC3E}">
@@ -7423,10 +13490,1002 @@
 </p:sld>
 </file>
 
+<file path=ppt/slides/slide4.xml><?xml version="1.0" encoding="utf-8"?>
+<p:sld xmlns:a="http://schemas.openxmlformats.org/drawingml/2006/main" xmlns:r="http://schemas.openxmlformats.org/officeDocument/2006/relationships" xmlns:p="http://schemas.openxmlformats.org/presentationml/2006/main">
+  <p:cSld>
+    <p:bg>
+      <p:bgPr>
+        <a:solidFill>
+          <a:schemeClr val="bg1"/>
+        </a:solidFill>
+        <a:effectLst/>
+      </p:bgPr>
+    </p:bg>
+    <p:spTree>
+      <p:nvGrpSpPr>
+        <p:cNvPr id="1" name=""/>
+        <p:cNvGrpSpPr/>
+        <p:nvPr/>
+      </p:nvGrpSpPr>
+      <p:grpSpPr>
+        <a:xfrm>
+          <a:off x="0" y="0"/>
+          <a:ext cx="0" cy="0"/>
+          <a:chOff x="0" y="0"/>
+          <a:chExt cx="0" cy="0"/>
+        </a:xfrm>
+      </p:grpSpPr>
+      <p:sp>
+        <p:nvSpPr>
+          <p:cNvPr id="2" name="Title 1">
+            <a:extLst>
+              <a:ext uri="{FF2B5EF4-FFF2-40B4-BE49-F238E27FC236}">
+                <a16:creationId xmlns:a16="http://schemas.microsoft.com/office/drawing/2014/main" id="{257F4945-24F8-4309-8315-3AF033C07990}"/>
+              </a:ext>
+            </a:extLst>
+          </p:cNvPr>
+          <p:cNvSpPr>
+            <a:spLocks noGrp="1"/>
+          </p:cNvSpPr>
+          <p:nvPr>
+            <p:ph type="title"/>
+          </p:nvPr>
+        </p:nvSpPr>
+        <p:spPr>
+          <a:xfrm>
+            <a:off x="677334" y="609600"/>
+            <a:ext cx="8596668" cy="1320800"/>
+          </a:xfrm>
+        </p:spPr>
+        <p:txBody>
+          <a:bodyPr>
+            <a:normAutofit/>
+          </a:bodyPr>
+          <a:lstStyle/>
+          <a:p>
+            <a:r>
+              <a:rPr lang="en-US"/>
+              <a:t>Cost and Timeline</a:t>
+            </a:r>
+          </a:p>
+        </p:txBody>
+      </p:sp>
+      <p:graphicFrame>
+        <p:nvGraphicFramePr>
+          <p:cNvPr id="26" name="Content Placeholder 2">
+            <a:extLst>
+              <a:ext uri="{FF2B5EF4-FFF2-40B4-BE49-F238E27FC236}">
+                <a16:creationId xmlns:a16="http://schemas.microsoft.com/office/drawing/2014/main" id="{56BEEC18-1C49-4EFB-A697-1462D3012C77}"/>
+              </a:ext>
+            </a:extLst>
+          </p:cNvPr>
+          <p:cNvGraphicFramePr>
+            <a:graphicFrameLocks noGrp="1"/>
+          </p:cNvGraphicFramePr>
+          <p:nvPr>
+            <p:ph idx="1"/>
+            <p:extLst>
+              <p:ext uri="{D42A27DB-BD31-4B8C-83A1-F6EECF244321}">
+                <p14:modId xmlns:p14="http://schemas.microsoft.com/office/powerpoint/2010/main" val="4267983775"/>
+              </p:ext>
+            </p:extLst>
+          </p:nvPr>
+        </p:nvGraphicFramePr>
+        <p:xfrm>
+          <a:off x="677863" y="2160588"/>
+          <a:ext cx="8596312" cy="3881437"/>
+        </p:xfrm>
+        <a:graphic>
+          <a:graphicData uri="http://schemas.openxmlformats.org/drawingml/2006/diagram">
+            <dgm:relIds xmlns:dgm="http://schemas.openxmlformats.org/drawingml/2006/diagram" xmlns:r="http://schemas.openxmlformats.org/officeDocument/2006/relationships" r:dm="rId2" r:lo="rId3" r:qs="rId4" r:cs="rId5"/>
+          </a:graphicData>
+        </a:graphic>
+      </p:graphicFrame>
+    </p:spTree>
+    <p:extLst>
+      <p:ext uri="{BB962C8B-B14F-4D97-AF65-F5344CB8AC3E}">
+        <p14:creationId xmlns:p14="http://schemas.microsoft.com/office/powerpoint/2010/main" val="547521671"/>
+      </p:ext>
+    </p:extLst>
+  </p:cSld>
+  <p:clrMapOvr>
+    <a:masterClrMapping/>
+  </p:clrMapOvr>
+</p:sld>
+</file>
+
+<file path=ppt/slides/slide5.xml><?xml version="1.0" encoding="utf-8"?>
+<p:sld xmlns:a="http://schemas.openxmlformats.org/drawingml/2006/main" xmlns:r="http://schemas.openxmlformats.org/officeDocument/2006/relationships" xmlns:p="http://schemas.openxmlformats.org/presentationml/2006/main">
+  <p:cSld>
+    <p:bg>
+      <p:bgPr>
+        <a:solidFill>
+          <a:schemeClr val="accent1"/>
+        </a:solidFill>
+        <a:effectLst/>
+      </p:bgPr>
+    </p:bg>
+    <p:spTree>
+      <p:nvGrpSpPr>
+        <p:cNvPr id="1" name=""/>
+        <p:cNvGrpSpPr/>
+        <p:nvPr/>
+      </p:nvGrpSpPr>
+      <p:grpSpPr>
+        <a:xfrm>
+          <a:off x="0" y="0"/>
+          <a:ext cx="0" cy="0"/>
+          <a:chOff x="0" y="0"/>
+          <a:chExt cx="0" cy="0"/>
+        </a:xfrm>
+      </p:grpSpPr>
+      <p:sp>
+        <p:nvSpPr>
+          <p:cNvPr id="8" name="Rectangle 7">
+            <a:extLst>
+              <a:ext uri="{FF2B5EF4-FFF2-40B4-BE49-F238E27FC236}">
+                <a16:creationId xmlns:a16="http://schemas.microsoft.com/office/drawing/2014/main" id="{CE3A6A76-AE5D-49AE-9D49-90C0F1548261}"/>
+              </a:ext>
+              <a:ext uri="{C183D7F6-B498-43B3-948B-1728B52AA6E4}">
+                <adec:decorative xmlns:adec="http://schemas.microsoft.com/office/drawing/2017/decorative" val="1"/>
+              </a:ext>
+            </a:extLst>
+          </p:cNvPr>
+          <p:cNvSpPr>
+            <a:spLocks noGrp="1" noRot="1" noChangeAspect="1" noMove="1" noResize="1" noEditPoints="1" noAdjustHandles="1" noChangeArrowheads="1" noChangeShapeType="1" noTextEdit="1"/>
+          </p:cNvSpPr>
+          <p:nvPr>
+            <p:extLst>
+              <p:ext uri="{386F3935-93C4-4BCD-93E2-E3B085C9AB24}">
+                <p16:designElem xmlns:p16="http://schemas.microsoft.com/office/powerpoint/2015/main" val="1"/>
+              </p:ext>
+            </p:extLst>
+          </p:nvPr>
+        </p:nvSpPr>
+        <p:spPr>
+          <a:xfrm>
+            <a:off x="0" y="0"/>
+            <a:ext cx="12192000" cy="6858000"/>
+          </a:xfrm>
+          <a:prstGeom prst="rect">
+            <a:avLst/>
+          </a:prstGeom>
+          <a:solidFill>
+            <a:schemeClr val="accent1">
+              <a:lumMod val="75000"/>
+            </a:schemeClr>
+          </a:solidFill>
+          <a:ln>
+            <a:noFill/>
+          </a:ln>
+        </p:spPr>
+        <p:style>
+          <a:lnRef idx="2">
+            <a:schemeClr val="accent1">
+              <a:shade val="50000"/>
+            </a:schemeClr>
+          </a:lnRef>
+          <a:fillRef idx="1">
+            <a:schemeClr val="accent1"/>
+          </a:fillRef>
+          <a:effectRef idx="0">
+            <a:schemeClr val="accent1"/>
+          </a:effectRef>
+          <a:fontRef idx="minor">
+            <a:schemeClr val="lt1"/>
+          </a:fontRef>
+        </p:style>
+        <p:txBody>
+          <a:bodyPr rtlCol="0" anchor="ctr"/>
+          <a:lstStyle/>
+          <a:p>
+            <a:pPr algn="ctr"/>
+            <a:endParaRPr lang="en-US" dirty="0"/>
+          </a:p>
+        </p:txBody>
+      </p:sp>
+      <p:grpSp>
+        <p:nvGrpSpPr>
+          <p:cNvPr id="10" name="Group 9">
+            <a:extLst>
+              <a:ext uri="{FF2B5EF4-FFF2-40B4-BE49-F238E27FC236}">
+                <a16:creationId xmlns:a16="http://schemas.microsoft.com/office/drawing/2014/main" id="{64DBF464-02EB-49E8-BED5-CCD9C0E092FA}"/>
+              </a:ext>
+              <a:ext uri="{C183D7F6-B498-43B3-948B-1728B52AA6E4}">
+                <adec:decorative xmlns:adec="http://schemas.microsoft.com/office/drawing/2017/decorative" val="1"/>
+              </a:ext>
+            </a:extLst>
+          </p:cNvPr>
+          <p:cNvGrpSpPr>
+            <a:grpSpLocks noGrp="1" noUngrp="1" noRot="1" noChangeAspect="1" noMove="1" noResize="1"/>
+          </p:cNvGrpSpPr>
+          <p:nvPr>
+            <p:extLst>
+              <p:ext uri="{386F3935-93C4-4BCD-93E2-E3B085C9AB24}">
+                <p16:designElem xmlns:p16="http://schemas.microsoft.com/office/powerpoint/2015/main" val="1"/>
+              </p:ext>
+            </p:extLst>
+          </p:nvPr>
+        </p:nvGrpSpPr>
+        <p:grpSpPr>
+          <a:xfrm>
+            <a:off x="0" y="-8467"/>
+            <a:ext cx="12192000" cy="6866467"/>
+            <a:chOff x="0" y="-8467"/>
+            <a:chExt cx="12192000" cy="6866467"/>
+          </a:xfrm>
+        </p:grpSpPr>
+        <p:sp>
+          <p:nvSpPr>
+            <p:cNvPr id="11" name="Rectangle 23">
+              <a:extLst>
+                <a:ext uri="{FF2B5EF4-FFF2-40B4-BE49-F238E27FC236}">
+                  <a16:creationId xmlns:a16="http://schemas.microsoft.com/office/drawing/2014/main" id="{5F9D5DC0-F10A-4613-AEEB-F3886E477D68}"/>
+                </a:ext>
+                <a:ext uri="{C183D7F6-B498-43B3-948B-1728B52AA6E4}">
+                  <adec:decorative xmlns:adec="http://schemas.microsoft.com/office/drawing/2017/decorative" val="1"/>
+                </a:ext>
+              </a:extLst>
+            </p:cNvPr>
+            <p:cNvSpPr/>
+            <p:nvPr>
+              <p:extLst>
+                <p:ext uri="{386F3935-93C4-4BCD-93E2-E3B085C9AB24}">
+                  <p16:designElem xmlns:p16="http://schemas.microsoft.com/office/powerpoint/2015/main" val="1"/>
+                </p:ext>
+              </p:extLst>
+            </p:nvPr>
+          </p:nvSpPr>
+          <p:spPr>
+            <a:xfrm>
+              <a:off x="9181476" y="-8467"/>
+              <a:ext cx="3007349" cy="6866467"/>
+            </a:xfrm>
+            <a:custGeom>
+              <a:avLst/>
+              <a:gdLst/>
+              <a:ahLst/>
+              <a:cxnLst/>
+              <a:rect l="l" t="t" r="r" b="b"/>
+              <a:pathLst>
+                <a:path w="3007349" h="6866467">
+                  <a:moveTo>
+                    <a:pt x="2045532" y="0"/>
+                  </a:moveTo>
+                  <a:lnTo>
+                    <a:pt x="3007349" y="0"/>
+                  </a:lnTo>
+                  <a:lnTo>
+                    <a:pt x="3007349" y="6866467"/>
+                  </a:lnTo>
+                  <a:lnTo>
+                    <a:pt x="0" y="6866467"/>
+                  </a:lnTo>
+                  <a:lnTo>
+                    <a:pt x="2045532" y="0"/>
+                  </a:lnTo>
+                  <a:close/>
+                </a:path>
+              </a:pathLst>
+            </a:custGeom>
+            <a:solidFill>
+              <a:schemeClr val="accent1">
+                <a:alpha val="36000"/>
+              </a:schemeClr>
+            </a:solidFill>
+            <a:ln>
+              <a:noFill/>
+            </a:ln>
+            <a:effectLst/>
+          </p:spPr>
+          <p:style>
+            <a:lnRef idx="1">
+              <a:schemeClr val="accent1"/>
+            </a:lnRef>
+            <a:fillRef idx="3">
+              <a:schemeClr val="accent1"/>
+            </a:fillRef>
+            <a:effectRef idx="2">
+              <a:schemeClr val="accent1"/>
+            </a:effectRef>
+            <a:fontRef idx="minor">
+              <a:schemeClr val="lt1"/>
+            </a:fontRef>
+          </p:style>
+        </p:sp>
+        <p:sp>
+          <p:nvSpPr>
+            <p:cNvPr id="12" name="Rectangle 25">
+              <a:extLst>
+                <a:ext uri="{FF2B5EF4-FFF2-40B4-BE49-F238E27FC236}">
+                  <a16:creationId xmlns:a16="http://schemas.microsoft.com/office/drawing/2014/main" id="{A43566CA-E28A-4758-B656-13F767ECA811}"/>
+                </a:ext>
+                <a:ext uri="{C183D7F6-B498-43B3-948B-1728B52AA6E4}">
+                  <adec:decorative xmlns:adec="http://schemas.microsoft.com/office/drawing/2017/decorative" val="1"/>
+                </a:ext>
+              </a:extLst>
+            </p:cNvPr>
+            <p:cNvSpPr/>
+            <p:nvPr>
+              <p:extLst>
+                <p:ext uri="{386F3935-93C4-4BCD-93E2-E3B085C9AB24}">
+                  <p16:designElem xmlns:p16="http://schemas.microsoft.com/office/powerpoint/2015/main" val="1"/>
+                </p:ext>
+              </p:extLst>
+            </p:nvPr>
+          </p:nvSpPr>
+          <p:spPr>
+            <a:xfrm>
+              <a:off x="9603442" y="-8467"/>
+              <a:ext cx="2588558" cy="6866467"/>
+            </a:xfrm>
+            <a:custGeom>
+              <a:avLst/>
+              <a:gdLst/>
+              <a:ahLst/>
+              <a:cxnLst/>
+              <a:rect l="l" t="t" r="r" b="b"/>
+              <a:pathLst>
+                <a:path w="2573311" h="6866467">
+                  <a:moveTo>
+                    <a:pt x="0" y="0"/>
+                  </a:moveTo>
+                  <a:lnTo>
+                    <a:pt x="2573311" y="0"/>
+                  </a:lnTo>
+                  <a:lnTo>
+                    <a:pt x="2573311" y="6866467"/>
+                  </a:lnTo>
+                  <a:lnTo>
+                    <a:pt x="1202336" y="6866467"/>
+                  </a:lnTo>
+                  <a:lnTo>
+                    <a:pt x="0" y="0"/>
+                  </a:lnTo>
+                  <a:close/>
+                </a:path>
+              </a:pathLst>
+            </a:custGeom>
+            <a:solidFill>
+              <a:schemeClr val="accent1">
+                <a:alpha val="20000"/>
+              </a:schemeClr>
+            </a:solidFill>
+            <a:ln>
+              <a:noFill/>
+            </a:ln>
+            <a:effectLst/>
+          </p:spPr>
+          <p:style>
+            <a:lnRef idx="1">
+              <a:schemeClr val="accent1"/>
+            </a:lnRef>
+            <a:fillRef idx="3">
+              <a:schemeClr val="accent1"/>
+            </a:fillRef>
+            <a:effectRef idx="2">
+              <a:schemeClr val="accent1"/>
+            </a:effectRef>
+            <a:fontRef idx="minor">
+              <a:schemeClr val="lt1"/>
+            </a:fontRef>
+          </p:style>
+        </p:sp>
+        <p:sp>
+          <p:nvSpPr>
+            <p:cNvPr id="13" name="Isosceles Triangle 12">
+              <a:extLst>
+                <a:ext uri="{FF2B5EF4-FFF2-40B4-BE49-F238E27FC236}">
+                  <a16:creationId xmlns:a16="http://schemas.microsoft.com/office/drawing/2014/main" id="{9517B8F0-793D-4F61-80A8-8CB87BC08761}"/>
+                </a:ext>
+                <a:ext uri="{C183D7F6-B498-43B3-948B-1728B52AA6E4}">
+                  <adec:decorative xmlns:adec="http://schemas.microsoft.com/office/drawing/2017/decorative" val="1"/>
+                </a:ext>
+              </a:extLst>
+            </p:cNvPr>
+            <p:cNvSpPr/>
+            <p:nvPr>
+              <p:extLst>
+                <p:ext uri="{386F3935-93C4-4BCD-93E2-E3B085C9AB24}">
+                  <p16:designElem xmlns:p16="http://schemas.microsoft.com/office/powerpoint/2015/main" val="1"/>
+                </p:ext>
+              </p:extLst>
+            </p:nvPr>
+          </p:nvSpPr>
+          <p:spPr>
+            <a:xfrm>
+              <a:off x="8932333" y="3048000"/>
+              <a:ext cx="3259667" cy="3810000"/>
+            </a:xfrm>
+            <a:prstGeom prst="triangle">
+              <a:avLst>
+                <a:gd name="adj" fmla="val 100000"/>
+              </a:avLst>
+            </a:prstGeom>
+            <a:solidFill>
+              <a:schemeClr val="accent1">
+                <a:lumMod val="75000"/>
+                <a:alpha val="66000"/>
+              </a:schemeClr>
+            </a:solidFill>
+            <a:ln>
+              <a:noFill/>
+            </a:ln>
+            <a:effectLst/>
+          </p:spPr>
+          <p:style>
+            <a:lnRef idx="1">
+              <a:schemeClr val="accent1"/>
+            </a:lnRef>
+            <a:fillRef idx="3">
+              <a:schemeClr val="accent1"/>
+            </a:fillRef>
+            <a:effectRef idx="2">
+              <a:schemeClr val="accent1"/>
+            </a:effectRef>
+            <a:fontRef idx="minor">
+              <a:schemeClr val="lt1"/>
+            </a:fontRef>
+          </p:style>
+        </p:sp>
+        <p:sp>
+          <p:nvSpPr>
+            <p:cNvPr id="14" name="Rectangle 27">
+              <a:extLst>
+                <a:ext uri="{FF2B5EF4-FFF2-40B4-BE49-F238E27FC236}">
+                  <a16:creationId xmlns:a16="http://schemas.microsoft.com/office/drawing/2014/main" id="{D139FBAF-C134-4E1A-9404-4C7FB029E808}"/>
+                </a:ext>
+                <a:ext uri="{C183D7F6-B498-43B3-948B-1728B52AA6E4}">
+                  <adec:decorative xmlns:adec="http://schemas.microsoft.com/office/drawing/2017/decorative" val="1"/>
+                </a:ext>
+              </a:extLst>
+            </p:cNvPr>
+            <p:cNvSpPr/>
+            <p:nvPr>
+              <p:extLst>
+                <p:ext uri="{386F3935-93C4-4BCD-93E2-E3B085C9AB24}">
+                  <p16:designElem xmlns:p16="http://schemas.microsoft.com/office/powerpoint/2015/main" val="1"/>
+                </p:ext>
+              </p:extLst>
+            </p:nvPr>
+          </p:nvSpPr>
+          <p:spPr>
+            <a:xfrm>
+              <a:off x="9334500" y="-8467"/>
+              <a:ext cx="2854326" cy="6866467"/>
+            </a:xfrm>
+            <a:custGeom>
+              <a:avLst/>
+              <a:gdLst/>
+              <a:ahLst/>
+              <a:cxnLst/>
+              <a:rect l="l" t="t" r="r" b="b"/>
+              <a:pathLst>
+                <a:path w="2858013" h="6866467">
+                  <a:moveTo>
+                    <a:pt x="0" y="0"/>
+                  </a:moveTo>
+                  <a:lnTo>
+                    <a:pt x="2858013" y="0"/>
+                  </a:lnTo>
+                  <a:lnTo>
+                    <a:pt x="2858013" y="6866467"/>
+                  </a:lnTo>
+                  <a:lnTo>
+                    <a:pt x="2473942" y="6866467"/>
+                  </a:lnTo>
+                  <a:lnTo>
+                    <a:pt x="0" y="0"/>
+                  </a:lnTo>
+                  <a:close/>
+                </a:path>
+              </a:pathLst>
+            </a:custGeom>
+            <a:solidFill>
+              <a:schemeClr val="accent1">
+                <a:lumMod val="75000"/>
+                <a:alpha val="50000"/>
+              </a:schemeClr>
+            </a:solidFill>
+            <a:ln>
+              <a:noFill/>
+            </a:ln>
+            <a:effectLst/>
+          </p:spPr>
+          <p:style>
+            <a:lnRef idx="1">
+              <a:schemeClr val="accent1"/>
+            </a:lnRef>
+            <a:fillRef idx="3">
+              <a:schemeClr val="accent1"/>
+            </a:fillRef>
+            <a:effectRef idx="2">
+              <a:schemeClr val="accent1"/>
+            </a:effectRef>
+            <a:fontRef idx="minor">
+              <a:schemeClr val="lt1"/>
+            </a:fontRef>
+          </p:style>
+        </p:sp>
+        <p:cxnSp>
+          <p:nvCxnSpPr>
+            <p:cNvPr id="15" name="Straight Connector 14">
+              <a:extLst>
+                <a:ext uri="{FF2B5EF4-FFF2-40B4-BE49-F238E27FC236}">
+                  <a16:creationId xmlns:a16="http://schemas.microsoft.com/office/drawing/2014/main" id="{9DE9C77E-3EF1-4718-818D-55EA1600B758}"/>
+                </a:ext>
+                <a:ext uri="{C183D7F6-B498-43B3-948B-1728B52AA6E4}">
+                  <adec:decorative xmlns:adec="http://schemas.microsoft.com/office/drawing/2017/decorative" val="1"/>
+                </a:ext>
+              </a:extLst>
+            </p:cNvPr>
+            <p:cNvCxnSpPr/>
+            <p:nvPr>
+              <p:extLst>
+                <p:ext uri="{386F3935-93C4-4BCD-93E2-E3B085C9AB24}">
+                  <p16:designElem xmlns:p16="http://schemas.microsoft.com/office/powerpoint/2015/main" val="1"/>
+                </p:ext>
+              </p:extLst>
+            </p:nvPr>
+          </p:nvCxnSpPr>
+          <p:spPr>
+            <a:xfrm>
+              <a:off x="9371012" y="0"/>
+              <a:ext cx="1219200" cy="6858000"/>
+            </a:xfrm>
+            <a:prstGeom prst="line">
+              <a:avLst/>
+            </a:prstGeom>
+            <a:ln w="9525">
+              <a:solidFill>
+                <a:srgbClr val="FFFFFF">
+                  <a:alpha val="70000"/>
+                </a:srgbClr>
+              </a:solidFill>
+            </a:ln>
+          </p:spPr>
+          <p:style>
+            <a:lnRef idx="2">
+              <a:schemeClr val="accent1"/>
+            </a:lnRef>
+            <a:fillRef idx="0">
+              <a:schemeClr val="accent1"/>
+            </a:fillRef>
+            <a:effectRef idx="1">
+              <a:schemeClr val="accent1"/>
+            </a:effectRef>
+            <a:fontRef idx="minor">
+              <a:schemeClr val="tx1"/>
+            </a:fontRef>
+          </p:style>
+        </p:cxnSp>
+        <p:sp>
+          <p:nvSpPr>
+            <p:cNvPr id="16" name="Rectangle 28">
+              <a:extLst>
+                <a:ext uri="{FF2B5EF4-FFF2-40B4-BE49-F238E27FC236}">
+                  <a16:creationId xmlns:a16="http://schemas.microsoft.com/office/drawing/2014/main" id="{DB10DB84-C347-472C-96BD-AD4340F03D3C}"/>
+                </a:ext>
+                <a:ext uri="{C183D7F6-B498-43B3-948B-1728B52AA6E4}">
+                  <adec:decorative xmlns:adec="http://schemas.microsoft.com/office/drawing/2017/decorative" val="1"/>
+                </a:ext>
+              </a:extLst>
+            </p:cNvPr>
+            <p:cNvSpPr/>
+            <p:nvPr>
+              <p:extLst>
+                <p:ext uri="{386F3935-93C4-4BCD-93E2-E3B085C9AB24}">
+                  <p16:designElem xmlns:p16="http://schemas.microsoft.com/office/powerpoint/2015/main" val="1"/>
+                </p:ext>
+              </p:extLst>
+            </p:nvPr>
+          </p:nvSpPr>
+          <p:spPr>
+            <a:xfrm>
+              <a:off x="10898730" y="-8467"/>
+              <a:ext cx="1290094" cy="6866467"/>
+            </a:xfrm>
+            <a:custGeom>
+              <a:avLst/>
+              <a:gdLst/>
+              <a:ahLst/>
+              <a:cxnLst/>
+              <a:rect l="l" t="t" r="r" b="b"/>
+              <a:pathLst>
+                <a:path w="1290094" h="6858000">
+                  <a:moveTo>
+                    <a:pt x="1019735" y="0"/>
+                  </a:moveTo>
+                  <a:lnTo>
+                    <a:pt x="1290094" y="0"/>
+                  </a:lnTo>
+                  <a:lnTo>
+                    <a:pt x="1290094" y="6858000"/>
+                  </a:lnTo>
+                  <a:lnTo>
+                    <a:pt x="0" y="6858000"/>
+                  </a:lnTo>
+                  <a:lnTo>
+                    <a:pt x="1019735" y="0"/>
+                  </a:lnTo>
+                  <a:close/>
+                </a:path>
+              </a:pathLst>
+            </a:custGeom>
+            <a:solidFill>
+              <a:schemeClr val="accent2">
+                <a:alpha val="70000"/>
+              </a:schemeClr>
+            </a:solidFill>
+            <a:ln>
+              <a:noFill/>
+            </a:ln>
+            <a:effectLst/>
+          </p:spPr>
+          <p:style>
+            <a:lnRef idx="1">
+              <a:schemeClr val="accent1"/>
+            </a:lnRef>
+            <a:fillRef idx="3">
+              <a:schemeClr val="accent1"/>
+            </a:fillRef>
+            <a:effectRef idx="2">
+              <a:schemeClr val="accent1"/>
+            </a:effectRef>
+            <a:fontRef idx="minor">
+              <a:schemeClr val="lt1"/>
+            </a:fontRef>
+          </p:style>
+        </p:sp>
+        <p:sp>
+          <p:nvSpPr>
+            <p:cNvPr id="17" name="Rectangle 29">
+              <a:extLst>
+                <a:ext uri="{FF2B5EF4-FFF2-40B4-BE49-F238E27FC236}">
+                  <a16:creationId xmlns:a16="http://schemas.microsoft.com/office/drawing/2014/main" id="{70CA661F-8359-442A-A42C-A0993AF8BBA9}"/>
+                </a:ext>
+                <a:ext uri="{C183D7F6-B498-43B3-948B-1728B52AA6E4}">
+                  <adec:decorative xmlns:adec="http://schemas.microsoft.com/office/drawing/2017/decorative" val="1"/>
+                </a:ext>
+              </a:extLst>
+            </p:cNvPr>
+            <p:cNvSpPr/>
+            <p:nvPr>
+              <p:extLst>
+                <p:ext uri="{386F3935-93C4-4BCD-93E2-E3B085C9AB24}">
+                  <p16:designElem xmlns:p16="http://schemas.microsoft.com/office/powerpoint/2015/main" val="1"/>
+                </p:ext>
+              </p:extLst>
+            </p:nvPr>
+          </p:nvSpPr>
+          <p:spPr>
+            <a:xfrm>
+              <a:off x="10938999" y="-8467"/>
+              <a:ext cx="1249825" cy="6866467"/>
+            </a:xfrm>
+            <a:custGeom>
+              <a:avLst/>
+              <a:gdLst/>
+              <a:ahLst/>
+              <a:cxnLst/>
+              <a:rect l="l" t="t" r="r" b="b"/>
+              <a:pathLst>
+                <a:path w="1249825" h="6858000">
+                  <a:moveTo>
+                    <a:pt x="0" y="0"/>
+                  </a:moveTo>
+                  <a:lnTo>
+                    <a:pt x="1249825" y="0"/>
+                  </a:lnTo>
+                  <a:lnTo>
+                    <a:pt x="1249825" y="6858000"/>
+                  </a:lnTo>
+                  <a:lnTo>
+                    <a:pt x="1109382" y="6858000"/>
+                  </a:lnTo>
+                  <a:lnTo>
+                    <a:pt x="0" y="0"/>
+                  </a:lnTo>
+                  <a:close/>
+                </a:path>
+              </a:pathLst>
+            </a:custGeom>
+            <a:solidFill>
+              <a:schemeClr val="accent2">
+                <a:lumMod val="75000"/>
+                <a:alpha val="80000"/>
+              </a:schemeClr>
+            </a:solidFill>
+            <a:ln>
+              <a:noFill/>
+            </a:ln>
+            <a:effectLst/>
+          </p:spPr>
+          <p:style>
+            <a:lnRef idx="1">
+              <a:schemeClr val="accent1"/>
+            </a:lnRef>
+            <a:fillRef idx="3">
+              <a:schemeClr val="accent1"/>
+            </a:fillRef>
+            <a:effectRef idx="2">
+              <a:schemeClr val="accent1"/>
+            </a:effectRef>
+            <a:fontRef idx="minor">
+              <a:schemeClr val="lt1"/>
+            </a:fontRef>
+          </p:style>
+        </p:sp>
+        <p:cxnSp>
+          <p:nvCxnSpPr>
+            <p:cNvPr id="18" name="Straight Connector 17">
+              <a:extLst>
+                <a:ext uri="{FF2B5EF4-FFF2-40B4-BE49-F238E27FC236}">
+                  <a16:creationId xmlns:a16="http://schemas.microsoft.com/office/drawing/2014/main" id="{A75C8E99-F0B8-466B-A892-9E0643EAF293}"/>
+                </a:ext>
+                <a:ext uri="{C183D7F6-B498-43B3-948B-1728B52AA6E4}">
+                  <adec:decorative xmlns:adec="http://schemas.microsoft.com/office/drawing/2017/decorative" val="1"/>
+                </a:ext>
+              </a:extLst>
+            </p:cNvPr>
+            <p:cNvCxnSpPr/>
+            <p:nvPr>
+              <p:extLst>
+                <p:ext uri="{386F3935-93C4-4BCD-93E2-E3B085C9AB24}">
+                  <p16:designElem xmlns:p16="http://schemas.microsoft.com/office/powerpoint/2015/main" val="1"/>
+                </p:ext>
+              </p:extLst>
+            </p:nvPr>
+          </p:nvCxnSpPr>
+          <p:spPr>
+            <a:xfrm flipH="1">
+              <a:off x="7425267" y="3681413"/>
+              <a:ext cx="4763558" cy="3176587"/>
+            </a:xfrm>
+            <a:prstGeom prst="line">
+              <a:avLst/>
+            </a:prstGeom>
+            <a:ln w="9525">
+              <a:solidFill>
+                <a:srgbClr val="FFFFFF">
+                  <a:alpha val="70000"/>
+                </a:srgbClr>
+              </a:solidFill>
+            </a:ln>
+          </p:spPr>
+          <p:style>
+            <a:lnRef idx="2">
+              <a:schemeClr val="accent1"/>
+            </a:lnRef>
+            <a:fillRef idx="0">
+              <a:schemeClr val="accent1"/>
+            </a:fillRef>
+            <a:effectRef idx="1">
+              <a:schemeClr val="accent1"/>
+            </a:effectRef>
+            <a:fontRef idx="minor">
+              <a:schemeClr val="tx1"/>
+            </a:fontRef>
+          </p:style>
+        </p:cxnSp>
+        <p:sp>
+          <p:nvSpPr>
+            <p:cNvPr id="19" name="Isosceles Triangle 18">
+              <a:extLst>
+                <a:ext uri="{FF2B5EF4-FFF2-40B4-BE49-F238E27FC236}">
+                  <a16:creationId xmlns:a16="http://schemas.microsoft.com/office/drawing/2014/main" id="{65DD307C-66C1-4F16-86F5-287334F7B61F}"/>
+                </a:ext>
+                <a:ext uri="{C183D7F6-B498-43B3-948B-1728B52AA6E4}">
+                  <adec:decorative xmlns:adec="http://schemas.microsoft.com/office/drawing/2017/decorative" val="1"/>
+                </a:ext>
+              </a:extLst>
+            </p:cNvPr>
+            <p:cNvSpPr/>
+            <p:nvPr>
+              <p:extLst>
+                <p:ext uri="{386F3935-93C4-4BCD-93E2-E3B085C9AB24}">
+                  <p16:designElem xmlns:p16="http://schemas.microsoft.com/office/powerpoint/2015/main" val="1"/>
+                </p:ext>
+              </p:extLst>
+            </p:nvPr>
+          </p:nvSpPr>
+          <p:spPr>
+            <a:xfrm>
+              <a:off x="10371666" y="3589867"/>
+              <a:ext cx="1817159" cy="3268133"/>
+            </a:xfrm>
+            <a:prstGeom prst="triangle">
+              <a:avLst>
+                <a:gd name="adj" fmla="val 100000"/>
+              </a:avLst>
+            </a:prstGeom>
+            <a:solidFill>
+              <a:schemeClr val="accent1">
+                <a:lumMod val="75000"/>
+                <a:alpha val="66000"/>
+              </a:schemeClr>
+            </a:solidFill>
+            <a:ln>
+              <a:noFill/>
+            </a:ln>
+            <a:effectLst/>
+          </p:spPr>
+          <p:style>
+            <a:lnRef idx="1">
+              <a:schemeClr val="accent1"/>
+            </a:lnRef>
+            <a:fillRef idx="3">
+              <a:schemeClr val="accent1"/>
+            </a:fillRef>
+            <a:effectRef idx="2">
+              <a:schemeClr val="accent1"/>
+            </a:effectRef>
+            <a:fontRef idx="minor">
+              <a:schemeClr val="lt1"/>
+            </a:fontRef>
+          </p:style>
+        </p:sp>
+        <p:sp>
+          <p:nvSpPr>
+            <p:cNvPr id="20" name="Isosceles Triangle 19">
+              <a:extLst>
+                <a:ext uri="{FF2B5EF4-FFF2-40B4-BE49-F238E27FC236}">
+                  <a16:creationId xmlns:a16="http://schemas.microsoft.com/office/drawing/2014/main" id="{744416C0-DB16-4364-B13C-2EC6F1A8A014}"/>
+                </a:ext>
+                <a:ext uri="{C183D7F6-B498-43B3-948B-1728B52AA6E4}">
+                  <adec:decorative xmlns:adec="http://schemas.microsoft.com/office/drawing/2017/decorative" val="1"/>
+                </a:ext>
+              </a:extLst>
+            </p:cNvPr>
+            <p:cNvSpPr/>
+            <p:nvPr>
+              <p:extLst>
+                <p:ext uri="{386F3935-93C4-4BCD-93E2-E3B085C9AB24}">
+                  <p16:designElem xmlns:p16="http://schemas.microsoft.com/office/powerpoint/2015/main" val="1"/>
+                </p:ext>
+              </p:extLst>
+            </p:nvPr>
+          </p:nvSpPr>
+          <p:spPr>
+            <a:xfrm>
+              <a:off x="0" y="4013200"/>
+              <a:ext cx="448733" cy="2844800"/>
+            </a:xfrm>
+            <a:prstGeom prst="triangle">
+              <a:avLst>
+                <a:gd name="adj" fmla="val 0"/>
+              </a:avLst>
+            </a:prstGeom>
+            <a:solidFill>
+              <a:schemeClr val="accent1">
+                <a:alpha val="70000"/>
+              </a:schemeClr>
+            </a:solidFill>
+            <a:ln>
+              <a:noFill/>
+            </a:ln>
+            <a:effectLst/>
+          </p:spPr>
+          <p:style>
+            <a:lnRef idx="1">
+              <a:schemeClr val="accent1"/>
+            </a:lnRef>
+            <a:fillRef idx="3">
+              <a:schemeClr val="accent1"/>
+            </a:fillRef>
+            <a:effectRef idx="2">
+              <a:schemeClr val="accent1"/>
+            </a:effectRef>
+            <a:fontRef idx="minor">
+              <a:schemeClr val="lt1"/>
+            </a:fontRef>
+          </p:style>
+        </p:sp>
+      </p:grpSp>
+      <p:sp>
+        <p:nvSpPr>
+          <p:cNvPr id="2" name="Title 1">
+            <a:extLst>
+              <a:ext uri="{FF2B5EF4-FFF2-40B4-BE49-F238E27FC236}">
+                <a16:creationId xmlns:a16="http://schemas.microsoft.com/office/drawing/2014/main" id="{F910AEF0-A291-4D43-BB4E-A0F1F6B8E08E}"/>
+              </a:ext>
+            </a:extLst>
+          </p:cNvPr>
+          <p:cNvSpPr>
+            <a:spLocks noGrp="1"/>
+          </p:cNvSpPr>
+          <p:nvPr>
+            <p:ph type="title"/>
+          </p:nvPr>
+        </p:nvSpPr>
+        <p:spPr>
+          <a:xfrm>
+            <a:off x="677334" y="609600"/>
+            <a:ext cx="8596668" cy="1320800"/>
+          </a:xfrm>
+        </p:spPr>
+        <p:txBody>
+          <a:bodyPr>
+            <a:normAutofit/>
+          </a:bodyPr>
+          <a:lstStyle/>
+          <a:p>
+            <a:r>
+              <a:rPr lang="en-US">
+                <a:solidFill>
+                  <a:srgbClr val="FFFFFF"/>
+                </a:solidFill>
+              </a:rPr>
+              <a:t> </a:t>
+            </a:r>
+          </a:p>
+        </p:txBody>
+      </p:sp>
+      <p:sp>
+        <p:nvSpPr>
+          <p:cNvPr id="3" name="Content Placeholder 2">
+            <a:extLst>
+              <a:ext uri="{FF2B5EF4-FFF2-40B4-BE49-F238E27FC236}">
+                <a16:creationId xmlns:a16="http://schemas.microsoft.com/office/drawing/2014/main" id="{F1EBDEEA-40EF-4EE4-BE2A-AE30F7FD1652}"/>
+              </a:ext>
+            </a:extLst>
+          </p:cNvPr>
+          <p:cNvSpPr>
+            <a:spLocks noGrp="1"/>
+          </p:cNvSpPr>
+          <p:nvPr>
+            <p:ph idx="1"/>
+          </p:nvPr>
+        </p:nvSpPr>
+        <p:spPr>
+          <a:xfrm>
+            <a:off x="677334" y="2160589"/>
+            <a:ext cx="8596668" cy="3880773"/>
+          </a:xfrm>
+        </p:spPr>
+        <p:txBody>
+          <a:bodyPr>
+            <a:normAutofit/>
+          </a:bodyPr>
+          <a:lstStyle/>
+          <a:p>
+            <a:pPr algn="ctr"/>
+            <a:endParaRPr lang="en-US" sz="2800" dirty="0">
+              <a:solidFill>
+                <a:srgbClr val="FFFFFF"/>
+              </a:solidFill>
+            </a:endParaRPr>
+          </a:p>
+          <a:p>
+            <a:pPr algn="ctr"/>
+            <a:r>
+              <a:rPr lang="en-US" sz="2800" dirty="0">
+                <a:solidFill>
+                  <a:srgbClr val="FFFFFF"/>
+                </a:solidFill>
+              </a:rPr>
+              <a:t>Our company has very talented people who have a passion for progress and creativity.</a:t>
+            </a:r>
+          </a:p>
+        </p:txBody>
+      </p:sp>
+    </p:spTree>
+    <p:extLst>
+      <p:ext uri="{BB962C8B-B14F-4D97-AF65-F5344CB8AC3E}">
+        <p14:creationId xmlns:p14="http://schemas.microsoft.com/office/powerpoint/2010/main" val="680860657"/>
+      </p:ext>
+    </p:extLst>
+  </p:cSld>
+  <p:clrMapOvr>
+    <a:masterClrMapping/>
+  </p:clrMapOvr>
+</p:sld>
+</file>
+
 <file path=ppt/theme/theme1.xml><?xml version="1.0" encoding="utf-8"?>
 <a:theme xmlns:a="http://schemas.openxmlformats.org/drawingml/2006/main" name="Facet">
   <a:themeElements>
-    <a:clrScheme name="Red">
+    <a:clrScheme name="Office">
       <a:dk1>
         <a:sysClr val="windowText" lastClr="000000"/>
       </a:dk1>
@@ -7434,52 +14493,52 @@
         <a:sysClr val="window" lastClr="FFFFFF"/>
       </a:lt1>
       <a:dk2>
-        <a:srgbClr val="323232"/>
+        <a:srgbClr val="44546A"/>
       </a:dk2>
       <a:lt2>
-        <a:srgbClr val="E5C243"/>
+        <a:srgbClr val="E7E6E6"/>
       </a:lt2>
       <a:accent1>
-        <a:srgbClr val="A5300F"/>
+        <a:srgbClr val="4472C4"/>
       </a:accent1>
       <a:accent2>
-        <a:srgbClr val="D55816"/>
+        <a:srgbClr val="ED7D31"/>
       </a:accent2>
       <a:accent3>
-        <a:srgbClr val="E19825"/>
+        <a:srgbClr val="A5A5A5"/>
       </a:accent3>
       <a:accent4>
-        <a:srgbClr val="B19C7D"/>
+        <a:srgbClr val="FFC000"/>
       </a:accent4>
       <a:accent5>
-        <a:srgbClr val="7F5F52"/>
+        <a:srgbClr val="5B9BD5"/>
       </a:accent5>
       <a:accent6>
-        <a:srgbClr val="B27D49"/>
+        <a:srgbClr val="70AD47"/>
       </a:accent6>
       <a:hlink>
-        <a:srgbClr val="6B9F25"/>
+        <a:srgbClr val="0563C1"/>
       </a:hlink>
       <a:folHlink>
-        <a:srgbClr val="B26B02"/>
+        <a:srgbClr val="954F72"/>
       </a:folHlink>
     </a:clrScheme>
-    <a:fontScheme name="Facet">
+    <a:fontScheme name="Century Gothic">
       <a:majorFont>
-        <a:latin typeface="Trebuchet MS" panose="020B0603020202020204"/>
+        <a:latin typeface="Century Gothic" panose="020F0302020204030204"/>
         <a:ea typeface=""/>
         <a:cs typeface=""/>
         <a:font script="Jpan" typeface="メイリオ"/>
         <a:font script="Hang" typeface="맑은 고딕"/>
-        <a:font script="Hans" typeface="方正姚体"/>
-        <a:font script="Hant" typeface="微軟正黑體"/>
-        <a:font script="Arab" typeface="Tahoma"/>
-        <a:font script="Hebr" typeface="Arial"/>
-        <a:font script="Thai" typeface="Cordia New"/>
+        <a:font script="Hans" typeface="宋体"/>
+        <a:font script="Hant" typeface="新細明體"/>
+        <a:font script="Arab" typeface="Times New Roman"/>
+        <a:font script="Hebr" typeface="Times New Roman"/>
+        <a:font script="Thai" typeface="Angsana New"/>
         <a:font script="Ethi" typeface="Nyala"/>
         <a:font script="Beng" typeface="Vrinda"/>
         <a:font script="Gujr" typeface="Shruti"/>
-        <a:font script="Khmr" typeface="DaunPenh"/>
+        <a:font script="Khmr" typeface="MoolBoran"/>
         <a:font script="Knda" typeface="Tunga"/>
         <a:font script="Guru" typeface="Raavi"/>
         <a:font script="Cans" typeface="Euphemia"/>
@@ -7496,21 +14555,21 @@
         <a:font script="Laoo" typeface="DokChampa"/>
         <a:font script="Sinh" typeface="Iskoola Pota"/>
         <a:font script="Mong" typeface="Mongolian Baiti"/>
-        <a:font script="Viet" typeface="Tahoma"/>
+        <a:font script="Viet" typeface="Times New Roman"/>
         <a:font script="Uigh" typeface="Microsoft Uighur"/>
         <a:font script="Geor" typeface="Sylfaen"/>
       </a:majorFont>
       <a:minorFont>
-        <a:latin typeface="Trebuchet MS" panose="020B0603020202020204"/>
+        <a:latin typeface="Century Gothic" panose="020F0302020204030204"/>
         <a:ea typeface=""/>
         <a:cs typeface=""/>
         <a:font script="Jpan" typeface="メイリオ"/>
-        <a:font script="Hang" typeface="HY그래픽M"/>
-        <a:font script="Hans" typeface="华文新魏"/>
-        <a:font script="Hant" typeface="微軟正黑體"/>
-        <a:font script="Arab" typeface="Tahoma"/>
-        <a:font script="Hebr" typeface="Gisha"/>
-        <a:font script="Thai" typeface="IrisUPC"/>
+        <a:font script="Hang" typeface="맑은 고딕"/>
+        <a:font script="Hans" typeface="宋体"/>
+        <a:font script="Hant" typeface="新細明體"/>
+        <a:font script="Arab" typeface="Arial"/>
+        <a:font script="Hebr" typeface="Arial"/>
+        <a:font script="Thai" typeface="Cordia New"/>
         <a:font script="Ethi" typeface="Nyala"/>
         <a:font script="Beng" typeface="Vrinda"/>
         <a:font script="Gujr" typeface="Shruti"/>
